--- a/문제설명/4회/COS PRO 2급 모의고사4회 9번문제.pptx
+++ b/문제설명/4회/COS PRO 2급 모의고사4회 9번문제.pptx
@@ -5,7 +5,7 @@
     <p:sldMasterId id="2147483648" r:id="rId4"/>
   </p:sldMasterIdLst>
   <p:notesMasterIdLst>
-    <p:notesMasterId r:id="rId12"/>
+    <p:notesMasterId r:id="rId11"/>
   </p:notesMasterIdLst>
   <p:sldIdLst>
     <p:sldId id="256" r:id="rId5"/>
@@ -13,8 +13,7 @@
     <p:sldId id="258" r:id="rId7"/>
     <p:sldId id="263" r:id="rId8"/>
     <p:sldId id="264" r:id="rId9"/>
-    <p:sldId id="268" r:id="rId10"/>
-    <p:sldId id="269" r:id="rId11"/>
+    <p:sldId id="270" r:id="rId10"/>
   </p:sldIdLst>
   <p:sldSz cx="12192000" cy="6858000"/>
   <p:notesSz cx="6858000" cy="9144000"/>
@@ -411,7 +410,7 @@
           <a:p>
             <a:fld id="{FBE5E09B-7008-49A3-A9A8-806D0D2CB575}" type="datetimeFigureOut">
               <a:rPr lang="ko-KR" altLang="en-US" smtClean="0"/>
-              <a:t>2020-05-17</a:t>
+              <a:t>2020-12-01</a:t>
             </a:fld>
             <a:endParaRPr lang="ko-KR" altLang="en-US"/>
           </a:p>
@@ -825,7 +824,7 @@
           <a:p>
             <a:fld id="{2BC63D22-E3DE-4F13-8C6B-78CAF8FAA2EE}" type="datetime1">
               <a:rPr lang="ko-KR" altLang="en-US" smtClean="0"/>
-              <a:t>2020-05-17</a:t>
+              <a:t>2020-12-01</a:t>
             </a:fld>
             <a:endParaRPr lang="ko-KR" altLang="en-US"/>
           </a:p>
@@ -1026,7 +1025,7 @@
           <a:p>
             <a:fld id="{BB0CF6F3-A65E-4F61-A36B-D89BD3B48E24}" type="datetime1">
               <a:rPr lang="ko-KR" altLang="en-US" smtClean="0"/>
-              <a:t>2020-05-17</a:t>
+              <a:t>2020-12-01</a:t>
             </a:fld>
             <a:endParaRPr lang="ko-KR" altLang="en-US"/>
           </a:p>
@@ -1237,7 +1236,7 @@
           <a:p>
             <a:fld id="{82F93EBA-ECAA-4A97-9F8C-5C58A4D2271E}" type="datetime1">
               <a:rPr lang="ko-KR" altLang="en-US" smtClean="0"/>
-              <a:t>2020-05-17</a:t>
+              <a:t>2020-12-01</a:t>
             </a:fld>
             <a:endParaRPr lang="ko-KR" altLang="en-US"/>
           </a:p>
@@ -1438,7 +1437,7 @@
           <a:p>
             <a:fld id="{F2632BD5-E3B0-4E34-A99C-12AF310DB67D}" type="datetime1">
               <a:rPr lang="ko-KR" altLang="en-US" smtClean="0"/>
-              <a:t>2020-05-17</a:t>
+              <a:t>2020-12-01</a:t>
             </a:fld>
             <a:endParaRPr lang="ko-KR" altLang="en-US"/>
           </a:p>
@@ -1716,7 +1715,7 @@
           <a:p>
             <a:fld id="{445F1953-64A8-48B7-8478-F97E83AEE901}" type="datetime1">
               <a:rPr lang="ko-KR" altLang="en-US" smtClean="0"/>
-              <a:t>2020-05-17</a:t>
+              <a:t>2020-12-01</a:t>
             </a:fld>
             <a:endParaRPr lang="ko-KR" altLang="en-US"/>
           </a:p>
@@ -1984,7 +1983,7 @@
           <a:p>
             <a:fld id="{1E6EA60A-42A6-4E5A-8968-FD93F94CF728}" type="datetime1">
               <a:rPr lang="ko-KR" altLang="en-US" smtClean="0"/>
-              <a:t>2020-05-17</a:t>
+              <a:t>2020-12-01</a:t>
             </a:fld>
             <a:endParaRPr lang="ko-KR" altLang="en-US"/>
           </a:p>
@@ -2399,7 +2398,7 @@
           <a:p>
             <a:fld id="{001CBB6E-4130-4407-91EB-06EF2AAC4656}" type="datetime1">
               <a:rPr lang="ko-KR" altLang="en-US" smtClean="0"/>
-              <a:t>2020-05-17</a:t>
+              <a:t>2020-12-01</a:t>
             </a:fld>
             <a:endParaRPr lang="ko-KR" altLang="en-US"/>
           </a:p>
@@ -2543,7 +2542,7 @@
           <a:p>
             <a:fld id="{5556902D-F324-49C9-9C98-1B217B954057}" type="datetime1">
               <a:rPr lang="ko-KR" altLang="en-US" smtClean="0"/>
-              <a:t>2020-05-17</a:t>
+              <a:t>2020-12-01</a:t>
             </a:fld>
             <a:endParaRPr lang="ko-KR" altLang="en-US"/>
           </a:p>
@@ -2659,7 +2658,7 @@
           <a:p>
             <a:fld id="{BD18CBF1-05C8-44CD-977F-74A4A8B04DAD}" type="datetime1">
               <a:rPr lang="ko-KR" altLang="en-US" smtClean="0"/>
-              <a:t>2020-05-17</a:t>
+              <a:t>2020-12-01</a:t>
             </a:fld>
             <a:endParaRPr lang="ko-KR" altLang="en-US"/>
           </a:p>
@@ -2973,7 +2972,7 @@
           <a:p>
             <a:fld id="{6FE505FF-ACAE-4A96-AA70-77A0FEA17C7A}" type="datetime1">
               <a:rPr lang="ko-KR" altLang="en-US" smtClean="0"/>
-              <a:t>2020-05-17</a:t>
+              <a:t>2020-12-01</a:t>
             </a:fld>
             <a:endParaRPr lang="ko-KR" altLang="en-US"/>
           </a:p>
@@ -3264,7 +3263,7 @@
           <a:p>
             <a:fld id="{E4D31414-B4DD-4889-8019-8E2BB5D805E9}" type="datetime1">
               <a:rPr lang="ko-KR" altLang="en-US" smtClean="0"/>
-              <a:t>2020-05-17</a:t>
+              <a:t>2020-12-01</a:t>
             </a:fld>
             <a:endParaRPr lang="ko-KR" altLang="en-US"/>
           </a:p>
@@ -3508,7 +3507,7 @@
           <a:p>
             <a:fld id="{B9A4C4C2-7B8E-494F-BAEB-E7B104981483}" type="datetime1">
               <a:rPr lang="ko-KR" altLang="en-US" smtClean="0"/>
-              <a:t>2020-05-17</a:t>
+              <a:t>2020-12-01</a:t>
             </a:fld>
             <a:endParaRPr lang="ko-KR" altLang="en-US"/>
           </a:p>
@@ -5699,8 +5698,8 @@
         </p:nvSpPr>
         <p:spPr>
           <a:xfrm>
-            <a:off x="175023" y="136525"/>
-            <a:ext cx="6657705" cy="6647974"/>
+            <a:off x="289131" y="136525"/>
+            <a:ext cx="6657705" cy="6524863"/>
           </a:xfrm>
           <a:prstGeom prst="rect">
             <a:avLst/>
@@ -5787,10 +5786,482 @@
             </a:r>
           </a:p>
           <a:p>
+            <a:r>
+              <a:rPr lang="en-US" altLang="ko-KR" sz="1100" dirty="0">
+                <a:solidFill>
+                  <a:srgbClr val="000000"/>
+                </a:solidFill>
+                <a:latin typeface="Consolas" panose="020B0609020204030204" pitchFamily="49" charset="0"/>
+              </a:rPr>
+              <a:t>        </a:t>
+            </a:r>
+            <a:r>
+              <a:rPr lang="en-US" altLang="ko-KR" sz="1100" b="1" dirty="0">
+                <a:solidFill>
+                  <a:srgbClr val="7F0055"/>
+                </a:solidFill>
+                <a:latin typeface="Consolas" panose="020B0609020204030204" pitchFamily="49" charset="0"/>
+              </a:rPr>
+              <a:t>int</a:t>
+            </a:r>
+            <a:r>
+              <a:rPr lang="en-US" altLang="ko-KR" sz="1100" b="1" dirty="0">
+                <a:solidFill>
+                  <a:srgbClr val="000000"/>
+                </a:solidFill>
+                <a:latin typeface="Consolas" panose="020B0609020204030204" pitchFamily="49" charset="0"/>
+              </a:rPr>
+              <a:t> </a:t>
+            </a:r>
+            <a:r>
+              <a:rPr lang="en-US" altLang="ko-KR" sz="1100" b="1" dirty="0">
+                <a:solidFill>
+                  <a:srgbClr val="6A3E3E"/>
+                </a:solidFill>
+                <a:latin typeface="Consolas" panose="020B0609020204030204" pitchFamily="49" charset="0"/>
+              </a:rPr>
+              <a:t>count</a:t>
+            </a:r>
+            <a:r>
+              <a:rPr lang="en-US" altLang="ko-KR" sz="1100" b="1" dirty="0">
+                <a:solidFill>
+                  <a:srgbClr val="000000"/>
+                </a:solidFill>
+                <a:latin typeface="Consolas" panose="020B0609020204030204" pitchFamily="49" charset="0"/>
+              </a:rPr>
+              <a:t> = 0;</a:t>
+            </a:r>
+          </a:p>
+          <a:p>
+            <a:r>
+              <a:rPr lang="nn-NO" altLang="ko-KR" sz="1100" dirty="0">
+                <a:solidFill>
+                  <a:srgbClr val="000000"/>
+                </a:solidFill>
+                <a:latin typeface="Consolas" panose="020B0609020204030204" pitchFamily="49" charset="0"/>
+              </a:rPr>
+              <a:t>        </a:t>
+            </a:r>
+            <a:r>
+              <a:rPr lang="nn-NO" altLang="ko-KR" sz="1100" b="1" dirty="0">
+                <a:solidFill>
+                  <a:srgbClr val="7F0055"/>
+                </a:solidFill>
+                <a:latin typeface="Consolas" panose="020B0609020204030204" pitchFamily="49" charset="0"/>
+              </a:rPr>
+              <a:t>for</a:t>
+            </a:r>
+            <a:r>
+              <a:rPr lang="nn-NO" altLang="ko-KR" sz="1100" b="1" dirty="0">
+                <a:solidFill>
+                  <a:srgbClr val="000000"/>
+                </a:solidFill>
+                <a:latin typeface="Consolas" panose="020B0609020204030204" pitchFamily="49" charset="0"/>
+              </a:rPr>
+              <a:t>(</a:t>
+            </a:r>
+            <a:r>
+              <a:rPr lang="nn-NO" altLang="ko-KR" sz="1100" b="1" dirty="0">
+                <a:solidFill>
+                  <a:srgbClr val="7F0055"/>
+                </a:solidFill>
+                <a:latin typeface="Consolas" panose="020B0609020204030204" pitchFamily="49" charset="0"/>
+              </a:rPr>
+              <a:t>int</a:t>
+            </a:r>
+            <a:r>
+              <a:rPr lang="nn-NO" altLang="ko-KR" sz="1100" b="1" dirty="0">
+                <a:solidFill>
+                  <a:srgbClr val="000000"/>
+                </a:solidFill>
+                <a:latin typeface="Consolas" panose="020B0609020204030204" pitchFamily="49" charset="0"/>
+              </a:rPr>
+              <a:t> </a:t>
+            </a:r>
+            <a:r>
+              <a:rPr lang="nn-NO" altLang="ko-KR" sz="1100" b="1" dirty="0">
+                <a:solidFill>
+                  <a:srgbClr val="6A3E3E"/>
+                </a:solidFill>
+                <a:latin typeface="Consolas" panose="020B0609020204030204" pitchFamily="49" charset="0"/>
+              </a:rPr>
+              <a:t>i</a:t>
+            </a:r>
+            <a:r>
+              <a:rPr lang="nn-NO" altLang="ko-KR" sz="1100" b="1" dirty="0">
+                <a:solidFill>
+                  <a:srgbClr val="000000"/>
+                </a:solidFill>
+                <a:latin typeface="Consolas" panose="020B0609020204030204" pitchFamily="49" charset="0"/>
+              </a:rPr>
+              <a:t>=0; </a:t>
+            </a:r>
+            <a:r>
+              <a:rPr lang="nn-NO" altLang="ko-KR" sz="1100" b="1" dirty="0">
+                <a:solidFill>
+                  <a:srgbClr val="6A3E3E"/>
+                </a:solidFill>
+                <a:latin typeface="Consolas" panose="020B0609020204030204" pitchFamily="49" charset="0"/>
+              </a:rPr>
+              <a:t>i</a:t>
+            </a:r>
+            <a:r>
+              <a:rPr lang="nn-NO" altLang="ko-KR" sz="1100" b="1" dirty="0">
+                <a:solidFill>
+                  <a:srgbClr val="000000"/>
+                </a:solidFill>
+                <a:latin typeface="Consolas" panose="020B0609020204030204" pitchFamily="49" charset="0"/>
+              </a:rPr>
+              <a:t>&lt;</a:t>
+            </a:r>
+            <a:r>
+              <a:rPr lang="nn-NO" altLang="ko-KR" sz="1100" b="1" dirty="0">
+                <a:solidFill>
+                  <a:srgbClr val="6A3E3E"/>
+                </a:solidFill>
+                <a:latin typeface="Consolas" panose="020B0609020204030204" pitchFamily="49" charset="0"/>
+              </a:rPr>
+              <a:t>height</a:t>
+            </a:r>
+            <a:r>
+              <a:rPr lang="nn-NO" altLang="ko-KR" sz="1100" b="1" dirty="0">
+                <a:solidFill>
+                  <a:srgbClr val="000000"/>
+                </a:solidFill>
+                <a:latin typeface="Consolas" panose="020B0609020204030204" pitchFamily="49" charset="0"/>
+              </a:rPr>
+              <a:t>.</a:t>
+            </a:r>
+            <a:r>
+              <a:rPr lang="nn-NO" altLang="ko-KR" sz="1100" b="1" dirty="0">
+                <a:solidFill>
+                  <a:srgbClr val="0000C0"/>
+                </a:solidFill>
+                <a:latin typeface="Consolas" panose="020B0609020204030204" pitchFamily="49" charset="0"/>
+              </a:rPr>
+              <a:t>length</a:t>
+            </a:r>
+            <a:r>
+              <a:rPr lang="nn-NO" altLang="ko-KR" sz="1100" b="1" dirty="0">
+                <a:solidFill>
+                  <a:srgbClr val="000000"/>
+                </a:solidFill>
+                <a:latin typeface="Consolas" panose="020B0609020204030204" pitchFamily="49" charset="0"/>
+              </a:rPr>
+              <a:t>; </a:t>
+            </a:r>
+            <a:r>
+              <a:rPr lang="nn-NO" altLang="ko-KR" sz="1100" b="1" dirty="0">
+                <a:solidFill>
+                  <a:srgbClr val="6A3E3E"/>
+                </a:solidFill>
+                <a:latin typeface="Consolas" panose="020B0609020204030204" pitchFamily="49" charset="0"/>
+              </a:rPr>
+              <a:t>i</a:t>
+            </a:r>
+            <a:r>
+              <a:rPr lang="nn-NO" altLang="ko-KR" sz="1100" b="1" dirty="0">
+                <a:solidFill>
+                  <a:srgbClr val="000000"/>
+                </a:solidFill>
+                <a:latin typeface="Consolas" panose="020B0609020204030204" pitchFamily="49" charset="0"/>
+              </a:rPr>
+              <a:t>++) {</a:t>
+            </a:r>
+          </a:p>
+          <a:p>
             <a:pPr lvl="1"/>
             <a:r>
               <a:rPr lang="en-US" altLang="ko-KR" sz="1100" dirty="0">
                 <a:solidFill>
+                  <a:srgbClr val="000000"/>
+                </a:solidFill>
+                <a:latin typeface="Consolas" panose="020B0609020204030204" pitchFamily="49" charset="0"/>
+              </a:rPr>
+              <a:t>        </a:t>
+            </a:r>
+            <a:r>
+              <a:rPr lang="en-US" altLang="ko-KR" sz="1100" b="1" dirty="0" err="1">
+                <a:solidFill>
+                  <a:srgbClr val="7F0055"/>
+                </a:solidFill>
+                <a:latin typeface="Consolas" panose="020B0609020204030204" pitchFamily="49" charset="0"/>
+              </a:rPr>
+              <a:t>boolean</a:t>
+            </a:r>
+            <a:r>
+              <a:rPr lang="en-US" altLang="ko-KR" sz="1100" b="1" dirty="0">
+                <a:solidFill>
+                  <a:srgbClr val="000000"/>
+                </a:solidFill>
+                <a:latin typeface="Consolas" panose="020B0609020204030204" pitchFamily="49" charset="0"/>
+              </a:rPr>
+              <a:t> </a:t>
+            </a:r>
+            <a:r>
+              <a:rPr lang="en-US" altLang="ko-KR" sz="1100" b="1" dirty="0" err="1">
+                <a:solidFill>
+                  <a:srgbClr val="6A3E3E"/>
+                </a:solidFill>
+                <a:latin typeface="Consolas" panose="020B0609020204030204" pitchFamily="49" charset="0"/>
+              </a:rPr>
+              <a:t>isSafe</a:t>
+            </a:r>
+            <a:r>
+              <a:rPr lang="en-US" altLang="ko-KR" sz="1100" b="1" dirty="0">
+                <a:solidFill>
+                  <a:srgbClr val="000000"/>
+                </a:solidFill>
+                <a:latin typeface="Consolas" panose="020B0609020204030204" pitchFamily="49" charset="0"/>
+              </a:rPr>
+              <a:t>=</a:t>
+            </a:r>
+            <a:r>
+              <a:rPr lang="en-US" altLang="ko-KR" sz="1100" b="1" dirty="0">
+                <a:solidFill>
+                  <a:srgbClr val="7F0055"/>
+                </a:solidFill>
+                <a:latin typeface="Consolas" panose="020B0609020204030204" pitchFamily="49" charset="0"/>
+              </a:rPr>
+              <a:t>false</a:t>
+            </a:r>
+            <a:r>
+              <a:rPr lang="en-US" altLang="ko-KR" sz="1100" b="1" dirty="0">
+                <a:solidFill>
+                  <a:srgbClr val="000000"/>
+                </a:solidFill>
+                <a:latin typeface="Consolas" panose="020B0609020204030204" pitchFamily="49" charset="0"/>
+              </a:rPr>
+              <a:t>;        </a:t>
+            </a:r>
+          </a:p>
+          <a:p>
+            <a:pPr lvl="1"/>
+            <a:r>
+              <a:rPr lang="en-US" altLang="ko-KR" sz="1100" dirty="0">
+                <a:solidFill>
+                  <a:srgbClr val="000000"/>
+                </a:solidFill>
+                <a:latin typeface="Consolas" panose="020B0609020204030204" pitchFamily="49" charset="0"/>
+              </a:rPr>
+              <a:t>        </a:t>
+            </a:r>
+            <a:r>
+              <a:rPr lang="en-US" altLang="ko-KR" sz="1100" b="1" dirty="0">
+                <a:solidFill>
+                  <a:srgbClr val="7F0055"/>
+                </a:solidFill>
+                <a:latin typeface="Consolas" panose="020B0609020204030204" pitchFamily="49" charset="0"/>
+              </a:rPr>
+              <a:t>for</a:t>
+            </a:r>
+            <a:r>
+              <a:rPr lang="en-US" altLang="ko-KR" sz="1100" b="1" dirty="0">
+                <a:solidFill>
+                  <a:srgbClr val="000000"/>
+                </a:solidFill>
+                <a:latin typeface="Consolas" panose="020B0609020204030204" pitchFamily="49" charset="0"/>
+              </a:rPr>
+              <a:t>(</a:t>
+            </a:r>
+            <a:r>
+              <a:rPr lang="en-US" altLang="ko-KR" sz="1100" b="1" dirty="0">
+                <a:solidFill>
+                  <a:srgbClr val="7F0055"/>
+                </a:solidFill>
+                <a:latin typeface="Consolas" panose="020B0609020204030204" pitchFamily="49" charset="0"/>
+              </a:rPr>
+              <a:t>int</a:t>
+            </a:r>
+            <a:r>
+              <a:rPr lang="en-US" altLang="ko-KR" sz="1100" b="1" dirty="0">
+                <a:solidFill>
+                  <a:srgbClr val="000000"/>
+                </a:solidFill>
+                <a:latin typeface="Consolas" panose="020B0609020204030204" pitchFamily="49" charset="0"/>
+              </a:rPr>
+              <a:t> </a:t>
+            </a:r>
+            <a:r>
+              <a:rPr lang="en-US" altLang="ko-KR" sz="1100" b="1" dirty="0">
+                <a:solidFill>
+                  <a:srgbClr val="6A3E3E"/>
+                </a:solidFill>
+                <a:latin typeface="Consolas" panose="020B0609020204030204" pitchFamily="49" charset="0"/>
+              </a:rPr>
+              <a:t>j</a:t>
+            </a:r>
+            <a:r>
+              <a:rPr lang="en-US" altLang="ko-KR" sz="1100" b="1" dirty="0">
+                <a:solidFill>
+                  <a:srgbClr val="000000"/>
+                </a:solidFill>
+                <a:latin typeface="Consolas" panose="020B0609020204030204" pitchFamily="49" charset="0"/>
+              </a:rPr>
+              <a:t>=0;</a:t>
+            </a:r>
+            <a:r>
+              <a:rPr lang="en-US" altLang="ko-KR" sz="1100" b="1" dirty="0">
+                <a:solidFill>
+                  <a:srgbClr val="6A3E3E"/>
+                </a:solidFill>
+                <a:latin typeface="Consolas" panose="020B0609020204030204" pitchFamily="49" charset="0"/>
+              </a:rPr>
+              <a:t>j</a:t>
+            </a:r>
+            <a:r>
+              <a:rPr lang="en-US" altLang="ko-KR" sz="1100" b="1" dirty="0">
+                <a:solidFill>
+                  <a:srgbClr val="000000"/>
+                </a:solidFill>
+                <a:latin typeface="Consolas" panose="020B0609020204030204" pitchFamily="49" charset="0"/>
+              </a:rPr>
+              <a:t>&lt;</a:t>
+            </a:r>
+            <a:r>
+              <a:rPr lang="en-US" altLang="ko-KR" sz="1100" b="1" dirty="0">
+                <a:solidFill>
+                  <a:srgbClr val="6A3E3E"/>
+                </a:solidFill>
+                <a:latin typeface="Consolas" panose="020B0609020204030204" pitchFamily="49" charset="0"/>
+              </a:rPr>
+              <a:t>height</a:t>
+            </a:r>
+            <a:r>
+              <a:rPr lang="en-US" altLang="ko-KR" sz="1100" b="1" dirty="0">
+                <a:solidFill>
+                  <a:srgbClr val="000000"/>
+                </a:solidFill>
+                <a:latin typeface="Consolas" panose="020B0609020204030204" pitchFamily="49" charset="0"/>
+              </a:rPr>
+              <a:t>[</a:t>
+            </a:r>
+            <a:r>
+              <a:rPr lang="en-US" altLang="ko-KR" sz="1100" b="1" dirty="0" err="1">
+                <a:solidFill>
+                  <a:srgbClr val="6A3E3E"/>
+                </a:solidFill>
+                <a:latin typeface="Consolas" panose="020B0609020204030204" pitchFamily="49" charset="0"/>
+              </a:rPr>
+              <a:t>i</a:t>
+            </a:r>
+            <a:r>
+              <a:rPr lang="en-US" altLang="ko-KR" sz="1100" b="1" dirty="0">
+                <a:solidFill>
+                  <a:srgbClr val="000000"/>
+                </a:solidFill>
+                <a:latin typeface="Consolas" panose="020B0609020204030204" pitchFamily="49" charset="0"/>
+              </a:rPr>
+              <a:t>].</a:t>
+            </a:r>
+            <a:r>
+              <a:rPr lang="en-US" altLang="ko-KR" sz="1100" b="1" dirty="0">
+                <a:solidFill>
+                  <a:srgbClr val="0000C0"/>
+                </a:solidFill>
+                <a:latin typeface="Consolas" panose="020B0609020204030204" pitchFamily="49" charset="0"/>
+              </a:rPr>
+              <a:t>length</a:t>
+            </a:r>
+            <a:r>
+              <a:rPr lang="en-US" altLang="ko-KR" sz="1100" b="1" dirty="0">
+                <a:solidFill>
+                  <a:srgbClr val="000000"/>
+                </a:solidFill>
+                <a:latin typeface="Consolas" panose="020B0609020204030204" pitchFamily="49" charset="0"/>
+              </a:rPr>
+              <a:t>; </a:t>
+            </a:r>
+            <a:r>
+              <a:rPr lang="en-US" altLang="ko-KR" sz="1100" b="1" dirty="0" err="1">
+                <a:solidFill>
+                  <a:srgbClr val="6A3E3E"/>
+                </a:solidFill>
+                <a:latin typeface="Consolas" panose="020B0609020204030204" pitchFamily="49" charset="0"/>
+              </a:rPr>
+              <a:t>j</a:t>
+            </a:r>
+            <a:r>
+              <a:rPr lang="en-US" altLang="ko-KR" sz="1100" b="1" dirty="0" err="1">
+                <a:solidFill>
+                  <a:srgbClr val="000000"/>
+                </a:solidFill>
+                <a:latin typeface="Consolas" panose="020B0609020204030204" pitchFamily="49" charset="0"/>
+              </a:rPr>
+              <a:t>++</a:t>
+            </a:r>
+            <a:r>
+              <a:rPr lang="en-US" altLang="ko-KR" sz="1100" b="1" dirty="0">
+                <a:solidFill>
+                  <a:srgbClr val="000000"/>
+                </a:solidFill>
+                <a:latin typeface="Consolas" panose="020B0609020204030204" pitchFamily="49" charset="0"/>
+              </a:rPr>
+              <a:t>) {</a:t>
+            </a:r>
+          </a:p>
+          <a:p>
+            <a:pPr lvl="2"/>
+            <a:r>
+              <a:rPr lang="en-US" altLang="ko-KR" sz="1100" dirty="0">
+                <a:solidFill>
+                  <a:srgbClr val="000000"/>
+                </a:solidFill>
+                <a:latin typeface="Consolas" panose="020B0609020204030204" pitchFamily="49" charset="0"/>
+              </a:rPr>
+              <a:t>        </a:t>
+            </a:r>
+            <a:r>
+              <a:rPr lang="en-US" altLang="ko-KR" sz="1100" dirty="0" err="1">
+                <a:solidFill>
+                  <a:srgbClr val="6A3E3E"/>
+                </a:solidFill>
+                <a:latin typeface="Consolas" panose="020B0609020204030204" pitchFamily="49" charset="0"/>
+              </a:rPr>
+              <a:t>isSafe</a:t>
+            </a:r>
+            <a:r>
+              <a:rPr lang="en-US" altLang="ko-KR" sz="1100" dirty="0">
+                <a:solidFill>
+                  <a:srgbClr val="000000"/>
+                </a:solidFill>
+                <a:latin typeface="Consolas" panose="020B0609020204030204" pitchFamily="49" charset="0"/>
+              </a:rPr>
+              <a:t> = </a:t>
+            </a:r>
+            <a:r>
+              <a:rPr lang="en-US" altLang="ko-KR" sz="1100" b="1" dirty="0">
+                <a:solidFill>
+                  <a:srgbClr val="7F0055"/>
+                </a:solidFill>
+                <a:latin typeface="Consolas" panose="020B0609020204030204" pitchFamily="49" charset="0"/>
+              </a:rPr>
+              <a:t>false</a:t>
+            </a:r>
+            <a:r>
+              <a:rPr lang="en-US" altLang="ko-KR" sz="1100" b="1" dirty="0">
+                <a:solidFill>
+                  <a:srgbClr val="000000"/>
+                </a:solidFill>
+                <a:latin typeface="Consolas" panose="020B0609020204030204" pitchFamily="49" charset="0"/>
+              </a:rPr>
+              <a:t>;</a:t>
+            </a:r>
+          </a:p>
+          <a:p>
+            <a:pPr lvl="2"/>
+            <a:r>
+              <a:rPr lang="ko-KR" altLang="en-US" sz="1100" dirty="0">
+                <a:solidFill>
+                  <a:srgbClr val="000000"/>
+                </a:solidFill>
+                <a:latin typeface="Consolas" panose="020B0609020204030204" pitchFamily="49" charset="0"/>
+              </a:rPr>
+              <a:t>        </a:t>
+            </a:r>
+            <a:r>
+              <a:rPr lang="en-US" altLang="ko-KR" sz="1100" dirty="0">
+                <a:solidFill>
                   <a:srgbClr val="3F7F5F"/>
                 </a:solidFill>
                 <a:latin typeface="Consolas" panose="020B0609020204030204" pitchFamily="49" charset="0"/>
@@ -5804,28 +6275,1460 @@
                 </a:solidFill>
                 <a:latin typeface="Consolas" panose="020B0609020204030204" pitchFamily="49" charset="0"/>
               </a:rPr>
-              <a:t>여기에 코드를 작성해주세요</a:t>
-            </a:r>
+              <a:t>왼쪽 검사</a:t>
+            </a:r>
+          </a:p>
+          <a:p>
+            <a:pPr lvl="2"/>
             <a:r>
               <a:rPr lang="en-US" altLang="ko-KR" sz="1100" dirty="0">
                 <a:solidFill>
+                  <a:srgbClr val="000000"/>
+                </a:solidFill>
+                <a:latin typeface="Consolas" panose="020B0609020204030204" pitchFamily="49" charset="0"/>
+              </a:rPr>
+              <a:t>        </a:t>
+            </a:r>
+            <a:r>
+              <a:rPr lang="en-US" altLang="ko-KR" sz="1100" b="1" dirty="0">
+                <a:solidFill>
+                  <a:srgbClr val="7F0055"/>
+                </a:solidFill>
+                <a:latin typeface="Consolas" panose="020B0609020204030204" pitchFamily="49" charset="0"/>
+              </a:rPr>
+              <a:t>if</a:t>
+            </a:r>
+            <a:r>
+              <a:rPr lang="en-US" altLang="ko-KR" sz="1100" b="1" dirty="0">
+                <a:solidFill>
+                  <a:srgbClr val="000000"/>
+                </a:solidFill>
+                <a:latin typeface="Consolas" panose="020B0609020204030204" pitchFamily="49" charset="0"/>
+              </a:rPr>
+              <a:t>(</a:t>
+            </a:r>
+            <a:r>
+              <a:rPr lang="en-US" altLang="ko-KR" sz="1100" b="1" dirty="0">
+                <a:solidFill>
+                  <a:srgbClr val="6A3E3E"/>
+                </a:solidFill>
+                <a:latin typeface="Consolas" panose="020B0609020204030204" pitchFamily="49" charset="0"/>
+              </a:rPr>
+              <a:t>i</a:t>
+            </a:r>
+            <a:r>
+              <a:rPr lang="en-US" altLang="ko-KR" sz="1100" b="1" dirty="0">
+                <a:solidFill>
+                  <a:srgbClr val="000000"/>
+                </a:solidFill>
+                <a:latin typeface="Consolas" panose="020B0609020204030204" pitchFamily="49" charset="0"/>
+              </a:rPr>
+              <a:t>-1 &gt;= 0) {</a:t>
+            </a:r>
+          </a:p>
+          <a:p>
+            <a:pPr lvl="3"/>
+            <a:r>
+              <a:rPr lang="en-US" altLang="ko-KR" sz="1100" dirty="0">
+                <a:solidFill>
+                  <a:srgbClr val="000000"/>
+                </a:solidFill>
+                <a:latin typeface="Consolas" panose="020B0609020204030204" pitchFamily="49" charset="0"/>
+              </a:rPr>
+              <a:t>        </a:t>
+            </a:r>
+            <a:r>
+              <a:rPr lang="en-US" altLang="ko-KR" sz="1100" b="1" dirty="0">
+                <a:solidFill>
+                  <a:srgbClr val="7F0055"/>
+                </a:solidFill>
+                <a:latin typeface="Consolas" panose="020B0609020204030204" pitchFamily="49" charset="0"/>
+              </a:rPr>
+              <a:t>if</a:t>
+            </a:r>
+            <a:r>
+              <a:rPr lang="en-US" altLang="ko-KR" sz="1100" b="1" dirty="0">
+                <a:solidFill>
+                  <a:srgbClr val="000000"/>
+                </a:solidFill>
+                <a:latin typeface="Consolas" panose="020B0609020204030204" pitchFamily="49" charset="0"/>
+              </a:rPr>
+              <a:t>(</a:t>
+            </a:r>
+            <a:r>
+              <a:rPr lang="en-US" altLang="ko-KR" sz="1100" b="1" dirty="0">
+                <a:solidFill>
+                  <a:srgbClr val="6A3E3E"/>
+                </a:solidFill>
+                <a:latin typeface="Consolas" panose="020B0609020204030204" pitchFamily="49" charset="0"/>
+              </a:rPr>
+              <a:t>height</a:t>
+            </a:r>
+            <a:r>
+              <a:rPr lang="en-US" altLang="ko-KR" sz="1100" b="1" dirty="0">
+                <a:solidFill>
+                  <a:srgbClr val="000000"/>
+                </a:solidFill>
+                <a:latin typeface="Consolas" panose="020B0609020204030204" pitchFamily="49" charset="0"/>
+              </a:rPr>
+              <a:t>[</a:t>
+            </a:r>
+            <a:r>
+              <a:rPr lang="en-US" altLang="ko-KR" sz="1100" b="1" dirty="0">
+                <a:solidFill>
+                  <a:srgbClr val="6A3E3E"/>
+                </a:solidFill>
+                <a:latin typeface="Consolas" panose="020B0609020204030204" pitchFamily="49" charset="0"/>
+              </a:rPr>
+              <a:t>i</a:t>
+            </a:r>
+            <a:r>
+              <a:rPr lang="en-US" altLang="ko-KR" sz="1100" b="1" dirty="0">
+                <a:solidFill>
+                  <a:srgbClr val="000000"/>
+                </a:solidFill>
+                <a:latin typeface="Consolas" panose="020B0609020204030204" pitchFamily="49" charset="0"/>
+              </a:rPr>
+              <a:t>-1][</a:t>
+            </a:r>
+            <a:r>
+              <a:rPr lang="en-US" altLang="ko-KR" sz="1100" b="1" dirty="0">
+                <a:solidFill>
+                  <a:srgbClr val="6A3E3E"/>
+                </a:solidFill>
+                <a:latin typeface="Consolas" panose="020B0609020204030204" pitchFamily="49" charset="0"/>
+              </a:rPr>
+              <a:t>j</a:t>
+            </a:r>
+            <a:r>
+              <a:rPr lang="en-US" altLang="ko-KR" sz="1100" b="1" dirty="0">
+                <a:solidFill>
+                  <a:srgbClr val="000000"/>
+                </a:solidFill>
+                <a:latin typeface="Consolas" panose="020B0609020204030204" pitchFamily="49" charset="0"/>
+              </a:rPr>
+              <a:t>] &lt;= </a:t>
+            </a:r>
+            <a:r>
+              <a:rPr lang="en-US" altLang="ko-KR" sz="1100" b="1" dirty="0">
+                <a:solidFill>
+                  <a:srgbClr val="6A3E3E"/>
+                </a:solidFill>
+                <a:latin typeface="Consolas" panose="020B0609020204030204" pitchFamily="49" charset="0"/>
+              </a:rPr>
+              <a:t>height</a:t>
+            </a:r>
+            <a:r>
+              <a:rPr lang="en-US" altLang="ko-KR" sz="1100" b="1" dirty="0">
+                <a:solidFill>
+                  <a:srgbClr val="000000"/>
+                </a:solidFill>
+                <a:latin typeface="Consolas" panose="020B0609020204030204" pitchFamily="49" charset="0"/>
+              </a:rPr>
+              <a:t>[</a:t>
+            </a:r>
+            <a:r>
+              <a:rPr lang="en-US" altLang="ko-KR" sz="1100" b="1" dirty="0" err="1">
+                <a:solidFill>
+                  <a:srgbClr val="6A3E3E"/>
+                </a:solidFill>
+                <a:latin typeface="Consolas" panose="020B0609020204030204" pitchFamily="49" charset="0"/>
+              </a:rPr>
+              <a:t>i</a:t>
+            </a:r>
+            <a:r>
+              <a:rPr lang="en-US" altLang="ko-KR" sz="1100" b="1" dirty="0">
+                <a:solidFill>
+                  <a:srgbClr val="000000"/>
+                </a:solidFill>
+                <a:latin typeface="Consolas" panose="020B0609020204030204" pitchFamily="49" charset="0"/>
+              </a:rPr>
+              <a:t>][</a:t>
+            </a:r>
+            <a:r>
+              <a:rPr lang="en-US" altLang="ko-KR" sz="1100" b="1" dirty="0">
+                <a:solidFill>
+                  <a:srgbClr val="6A3E3E"/>
+                </a:solidFill>
+                <a:latin typeface="Consolas" panose="020B0609020204030204" pitchFamily="49" charset="0"/>
+              </a:rPr>
+              <a:t>j</a:t>
+            </a:r>
+            <a:r>
+              <a:rPr lang="en-US" altLang="ko-KR" sz="1100" b="1" dirty="0">
+                <a:solidFill>
+                  <a:srgbClr val="000000"/>
+                </a:solidFill>
+                <a:latin typeface="Consolas" panose="020B0609020204030204" pitchFamily="49" charset="0"/>
+              </a:rPr>
+              <a:t>]) {</a:t>
+            </a:r>
+          </a:p>
+          <a:p>
+            <a:pPr lvl="3"/>
+            <a:r>
+              <a:rPr lang="en-US" altLang="ko-KR" sz="1100" dirty="0">
+                <a:solidFill>
+                  <a:srgbClr val="000000"/>
+                </a:solidFill>
+                <a:latin typeface="Consolas" panose="020B0609020204030204" pitchFamily="49" charset="0"/>
+              </a:rPr>
+              <a:t>        	</a:t>
+            </a:r>
+            <a:r>
+              <a:rPr lang="en-US" altLang="ko-KR" sz="1100" dirty="0" err="1">
+                <a:solidFill>
+                  <a:srgbClr val="6A3E3E"/>
+                </a:solidFill>
+                <a:latin typeface="Consolas" panose="020B0609020204030204" pitchFamily="49" charset="0"/>
+              </a:rPr>
+              <a:t>isSafe</a:t>
+            </a:r>
+            <a:r>
+              <a:rPr lang="en-US" altLang="ko-KR" sz="1100" dirty="0">
+                <a:solidFill>
+                  <a:srgbClr val="000000"/>
+                </a:solidFill>
+                <a:latin typeface="Consolas" panose="020B0609020204030204" pitchFamily="49" charset="0"/>
+              </a:rPr>
+              <a:t> = </a:t>
+            </a:r>
+            <a:r>
+              <a:rPr lang="en-US" altLang="ko-KR" sz="1100" dirty="0" err="1">
+                <a:solidFill>
+                  <a:srgbClr val="6A3E3E"/>
+                </a:solidFill>
+                <a:latin typeface="Consolas" panose="020B0609020204030204" pitchFamily="49" charset="0"/>
+              </a:rPr>
+              <a:t>isSafe</a:t>
+            </a:r>
+            <a:r>
+              <a:rPr lang="en-US" altLang="ko-KR" sz="1100" dirty="0">
+                <a:solidFill>
+                  <a:srgbClr val="000000"/>
+                </a:solidFill>
+                <a:latin typeface="Consolas" panose="020B0609020204030204" pitchFamily="49" charset="0"/>
+              </a:rPr>
+              <a:t> || </a:t>
+            </a:r>
+            <a:r>
+              <a:rPr lang="en-US" altLang="ko-KR" sz="1100" b="1" dirty="0">
+                <a:solidFill>
+                  <a:srgbClr val="7F0055"/>
+                </a:solidFill>
+                <a:latin typeface="Consolas" panose="020B0609020204030204" pitchFamily="49" charset="0"/>
+              </a:rPr>
+              <a:t>true</a:t>
+            </a:r>
+            <a:r>
+              <a:rPr lang="en-US" altLang="ko-KR" sz="1100" b="1" dirty="0">
+                <a:solidFill>
+                  <a:srgbClr val="000000"/>
+                </a:solidFill>
+                <a:latin typeface="Consolas" panose="020B0609020204030204" pitchFamily="49" charset="0"/>
+              </a:rPr>
+              <a:t>; </a:t>
+            </a:r>
+          </a:p>
+          <a:p>
+            <a:pPr lvl="3"/>
+            <a:r>
+              <a:rPr lang="ko-KR" altLang="en-US" sz="1100" dirty="0">
+                <a:solidFill>
+                  <a:srgbClr val="000000"/>
+                </a:solidFill>
+                <a:latin typeface="Consolas" panose="020B0609020204030204" pitchFamily="49" charset="0"/>
+              </a:rPr>
+              <a:t>        </a:t>
+            </a:r>
+            <a:r>
+              <a:rPr lang="en-US" altLang="ko-KR" sz="1100" dirty="0">
+                <a:solidFill>
+                  <a:srgbClr val="000000"/>
+                </a:solidFill>
+                <a:latin typeface="Consolas" panose="020B0609020204030204" pitchFamily="49" charset="0"/>
+              </a:rPr>
+              <a:t>}</a:t>
+            </a:r>
+          </a:p>
+          <a:p>
+            <a:pPr lvl="2"/>
+            <a:r>
+              <a:rPr lang="ko-KR" altLang="en-US" sz="1100" dirty="0">
+                <a:solidFill>
+                  <a:srgbClr val="000000"/>
+                </a:solidFill>
+                <a:latin typeface="Consolas" panose="020B0609020204030204" pitchFamily="49" charset="0"/>
+              </a:rPr>
+              <a:t>        </a:t>
+            </a:r>
+            <a:r>
+              <a:rPr lang="en-US" altLang="ko-KR" sz="1100" dirty="0">
+                <a:solidFill>
+                  <a:srgbClr val="000000"/>
+                </a:solidFill>
+                <a:latin typeface="Consolas" panose="020B0609020204030204" pitchFamily="49" charset="0"/>
+              </a:rPr>
+              <a:t>}</a:t>
+            </a:r>
+          </a:p>
+          <a:p>
+            <a:pPr lvl="2"/>
+            <a:r>
+              <a:rPr lang="ko-KR" altLang="en-US" sz="1100" dirty="0">
+                <a:solidFill>
+                  <a:srgbClr val="000000"/>
+                </a:solidFill>
+                <a:latin typeface="Consolas" panose="020B0609020204030204" pitchFamily="49" charset="0"/>
+              </a:rPr>
+              <a:t>        </a:t>
+            </a:r>
+            <a:r>
+              <a:rPr lang="en-US" altLang="ko-KR" sz="1100" dirty="0">
+                <a:solidFill>
                   <a:srgbClr val="3F7F5F"/>
                 </a:solidFill>
                 <a:latin typeface="Consolas" panose="020B0609020204030204" pitchFamily="49" charset="0"/>
               </a:rPr>
-              <a:t>.</a:t>
+              <a:t>// </a:t>
+            </a:r>
+            <a:r>
+              <a:rPr lang="ko-KR" altLang="en-US" sz="1100" dirty="0">
+                <a:solidFill>
+                  <a:srgbClr val="3F7F5F"/>
+                </a:solidFill>
+                <a:latin typeface="Consolas" panose="020B0609020204030204" pitchFamily="49" charset="0"/>
+              </a:rPr>
+              <a:t>오른쪽 검사</a:t>
+            </a:r>
+          </a:p>
+          <a:p>
+            <a:pPr lvl="2"/>
+            <a:r>
+              <a:rPr lang="en-US" altLang="ko-KR" sz="1100" dirty="0">
+                <a:solidFill>
+                  <a:srgbClr val="000000"/>
+                </a:solidFill>
+                <a:latin typeface="Consolas" panose="020B0609020204030204" pitchFamily="49" charset="0"/>
+              </a:rPr>
+              <a:t>        </a:t>
+            </a:r>
+            <a:r>
+              <a:rPr lang="en-US" altLang="ko-KR" sz="1100" b="1" dirty="0">
+                <a:solidFill>
+                  <a:srgbClr val="7F0055"/>
+                </a:solidFill>
+                <a:latin typeface="Consolas" panose="020B0609020204030204" pitchFamily="49" charset="0"/>
+              </a:rPr>
+              <a:t>if</a:t>
+            </a:r>
+            <a:r>
+              <a:rPr lang="en-US" altLang="ko-KR" sz="1100" b="1" dirty="0">
+                <a:solidFill>
+                  <a:srgbClr val="000000"/>
+                </a:solidFill>
+                <a:latin typeface="Consolas" panose="020B0609020204030204" pitchFamily="49" charset="0"/>
+              </a:rPr>
+              <a:t>(</a:t>
+            </a:r>
+            <a:r>
+              <a:rPr lang="en-US" altLang="ko-KR" sz="1100" b="1" dirty="0">
+                <a:solidFill>
+                  <a:srgbClr val="6A3E3E"/>
+                </a:solidFill>
+                <a:latin typeface="Consolas" panose="020B0609020204030204" pitchFamily="49" charset="0"/>
+              </a:rPr>
+              <a:t>i</a:t>
+            </a:r>
+            <a:r>
+              <a:rPr lang="en-US" altLang="ko-KR" sz="1100" b="1" dirty="0">
+                <a:solidFill>
+                  <a:srgbClr val="000000"/>
+                </a:solidFill>
+                <a:latin typeface="Consolas" panose="020B0609020204030204" pitchFamily="49" charset="0"/>
+              </a:rPr>
+              <a:t>+1&lt;=3) {</a:t>
+            </a:r>
+          </a:p>
+          <a:p>
+            <a:pPr lvl="3"/>
+            <a:r>
+              <a:rPr lang="en-US" altLang="ko-KR" sz="1100" dirty="0">
+                <a:solidFill>
+                  <a:srgbClr val="000000"/>
+                </a:solidFill>
+                <a:latin typeface="Consolas" panose="020B0609020204030204" pitchFamily="49" charset="0"/>
+              </a:rPr>
+              <a:t>        </a:t>
+            </a:r>
+            <a:r>
+              <a:rPr lang="en-US" altLang="ko-KR" sz="1100" b="1" dirty="0">
+                <a:solidFill>
+                  <a:srgbClr val="7F0055"/>
+                </a:solidFill>
+                <a:latin typeface="Consolas" panose="020B0609020204030204" pitchFamily="49" charset="0"/>
+              </a:rPr>
+              <a:t>if</a:t>
+            </a:r>
+            <a:r>
+              <a:rPr lang="en-US" altLang="ko-KR" sz="1100" b="1" dirty="0">
+                <a:solidFill>
+                  <a:srgbClr val="000000"/>
+                </a:solidFill>
+                <a:latin typeface="Consolas" panose="020B0609020204030204" pitchFamily="49" charset="0"/>
+              </a:rPr>
+              <a:t>(</a:t>
+            </a:r>
+            <a:r>
+              <a:rPr lang="en-US" altLang="ko-KR" sz="1100" b="1" dirty="0">
+                <a:solidFill>
+                  <a:srgbClr val="6A3E3E"/>
+                </a:solidFill>
+                <a:latin typeface="Consolas" panose="020B0609020204030204" pitchFamily="49" charset="0"/>
+              </a:rPr>
+              <a:t>height</a:t>
+            </a:r>
+            <a:r>
+              <a:rPr lang="en-US" altLang="ko-KR" sz="1100" b="1" dirty="0">
+                <a:solidFill>
+                  <a:srgbClr val="000000"/>
+                </a:solidFill>
+                <a:latin typeface="Consolas" panose="020B0609020204030204" pitchFamily="49" charset="0"/>
+              </a:rPr>
+              <a:t>[</a:t>
+            </a:r>
+            <a:r>
+              <a:rPr lang="en-US" altLang="ko-KR" sz="1100" b="1" dirty="0">
+                <a:solidFill>
+                  <a:srgbClr val="6A3E3E"/>
+                </a:solidFill>
+                <a:latin typeface="Consolas" panose="020B0609020204030204" pitchFamily="49" charset="0"/>
+              </a:rPr>
+              <a:t>i</a:t>
+            </a:r>
+            <a:r>
+              <a:rPr lang="en-US" altLang="ko-KR" sz="1100" b="1" dirty="0">
+                <a:solidFill>
+                  <a:srgbClr val="000000"/>
+                </a:solidFill>
+                <a:latin typeface="Consolas" panose="020B0609020204030204" pitchFamily="49" charset="0"/>
+              </a:rPr>
+              <a:t>+1][</a:t>
+            </a:r>
+            <a:r>
+              <a:rPr lang="en-US" altLang="ko-KR" sz="1100" b="1" dirty="0">
+                <a:solidFill>
+                  <a:srgbClr val="6A3E3E"/>
+                </a:solidFill>
+                <a:latin typeface="Consolas" panose="020B0609020204030204" pitchFamily="49" charset="0"/>
+              </a:rPr>
+              <a:t>j</a:t>
+            </a:r>
+            <a:r>
+              <a:rPr lang="en-US" altLang="ko-KR" sz="1100" b="1" dirty="0">
+                <a:solidFill>
+                  <a:srgbClr val="000000"/>
+                </a:solidFill>
+                <a:latin typeface="Consolas" panose="020B0609020204030204" pitchFamily="49" charset="0"/>
+              </a:rPr>
+              <a:t>] &lt;= </a:t>
+            </a:r>
+            <a:r>
+              <a:rPr lang="en-US" altLang="ko-KR" sz="1100" b="1" dirty="0">
+                <a:solidFill>
+                  <a:srgbClr val="6A3E3E"/>
+                </a:solidFill>
+                <a:latin typeface="Consolas" panose="020B0609020204030204" pitchFamily="49" charset="0"/>
+              </a:rPr>
+              <a:t>height</a:t>
+            </a:r>
+            <a:r>
+              <a:rPr lang="en-US" altLang="ko-KR" sz="1100" b="1" dirty="0">
+                <a:solidFill>
+                  <a:srgbClr val="000000"/>
+                </a:solidFill>
+                <a:latin typeface="Consolas" panose="020B0609020204030204" pitchFamily="49" charset="0"/>
+              </a:rPr>
+              <a:t>[</a:t>
+            </a:r>
+            <a:r>
+              <a:rPr lang="en-US" altLang="ko-KR" sz="1100" b="1" dirty="0" err="1">
+                <a:solidFill>
+                  <a:srgbClr val="6A3E3E"/>
+                </a:solidFill>
+                <a:latin typeface="Consolas" panose="020B0609020204030204" pitchFamily="49" charset="0"/>
+              </a:rPr>
+              <a:t>i</a:t>
+            </a:r>
+            <a:r>
+              <a:rPr lang="en-US" altLang="ko-KR" sz="1100" b="1" dirty="0">
+                <a:solidFill>
+                  <a:srgbClr val="000000"/>
+                </a:solidFill>
+                <a:latin typeface="Consolas" panose="020B0609020204030204" pitchFamily="49" charset="0"/>
+              </a:rPr>
+              <a:t>][</a:t>
+            </a:r>
+            <a:r>
+              <a:rPr lang="en-US" altLang="ko-KR" sz="1100" b="1" dirty="0">
+                <a:solidFill>
+                  <a:srgbClr val="6A3E3E"/>
+                </a:solidFill>
+                <a:latin typeface="Consolas" panose="020B0609020204030204" pitchFamily="49" charset="0"/>
+              </a:rPr>
+              <a:t>j</a:t>
+            </a:r>
+            <a:r>
+              <a:rPr lang="en-US" altLang="ko-KR" sz="1100" b="1" dirty="0">
+                <a:solidFill>
+                  <a:srgbClr val="000000"/>
+                </a:solidFill>
+                <a:latin typeface="Consolas" panose="020B0609020204030204" pitchFamily="49" charset="0"/>
+              </a:rPr>
+              <a:t>]) {</a:t>
+            </a:r>
+          </a:p>
+          <a:p>
+            <a:pPr lvl="3"/>
+            <a:r>
+              <a:rPr lang="en-US" altLang="ko-KR" sz="1100" dirty="0">
+                <a:solidFill>
+                  <a:srgbClr val="000000"/>
+                </a:solidFill>
+                <a:latin typeface="Consolas" panose="020B0609020204030204" pitchFamily="49" charset="0"/>
+              </a:rPr>
+              <a:t>        	</a:t>
+            </a:r>
+            <a:r>
+              <a:rPr lang="en-US" altLang="ko-KR" sz="1100" dirty="0" err="1">
+                <a:solidFill>
+                  <a:srgbClr val="6A3E3E"/>
+                </a:solidFill>
+                <a:latin typeface="Consolas" panose="020B0609020204030204" pitchFamily="49" charset="0"/>
+              </a:rPr>
+              <a:t>isSafe</a:t>
+            </a:r>
+            <a:r>
+              <a:rPr lang="en-US" altLang="ko-KR" sz="1100" dirty="0">
+                <a:solidFill>
+                  <a:srgbClr val="000000"/>
+                </a:solidFill>
+                <a:latin typeface="Consolas" panose="020B0609020204030204" pitchFamily="49" charset="0"/>
+              </a:rPr>
+              <a:t> = </a:t>
+            </a:r>
+            <a:r>
+              <a:rPr lang="en-US" altLang="ko-KR" sz="1100" dirty="0" err="1">
+                <a:solidFill>
+                  <a:srgbClr val="6A3E3E"/>
+                </a:solidFill>
+                <a:latin typeface="Consolas" panose="020B0609020204030204" pitchFamily="49" charset="0"/>
+              </a:rPr>
+              <a:t>isSafe</a:t>
+            </a:r>
+            <a:r>
+              <a:rPr lang="en-US" altLang="ko-KR" sz="1100" dirty="0">
+                <a:solidFill>
+                  <a:srgbClr val="000000"/>
+                </a:solidFill>
+                <a:latin typeface="Consolas" panose="020B0609020204030204" pitchFamily="49" charset="0"/>
+              </a:rPr>
+              <a:t> || </a:t>
+            </a:r>
+            <a:r>
+              <a:rPr lang="en-US" altLang="ko-KR" sz="1100" b="1" dirty="0">
+                <a:solidFill>
+                  <a:srgbClr val="7F0055"/>
+                </a:solidFill>
+                <a:latin typeface="Consolas" panose="020B0609020204030204" pitchFamily="49" charset="0"/>
+              </a:rPr>
+              <a:t>true</a:t>
+            </a:r>
+            <a:r>
+              <a:rPr lang="en-US" altLang="ko-KR" sz="1100" b="1" dirty="0">
+                <a:solidFill>
+                  <a:srgbClr val="000000"/>
+                </a:solidFill>
+                <a:latin typeface="Consolas" panose="020B0609020204030204" pitchFamily="49" charset="0"/>
+              </a:rPr>
+              <a:t>;</a:t>
+            </a:r>
+          </a:p>
+          <a:p>
+            <a:pPr lvl="3"/>
+            <a:r>
+              <a:rPr lang="ko-KR" altLang="en-US" sz="1100" dirty="0">
+                <a:solidFill>
+                  <a:srgbClr val="000000"/>
+                </a:solidFill>
+                <a:latin typeface="Consolas" panose="020B0609020204030204" pitchFamily="49" charset="0"/>
+              </a:rPr>
+              <a:t>        </a:t>
+            </a:r>
+            <a:r>
+              <a:rPr lang="en-US" altLang="ko-KR" sz="1100" dirty="0">
+                <a:solidFill>
+                  <a:srgbClr val="000000"/>
+                </a:solidFill>
+                <a:latin typeface="Consolas" panose="020B0609020204030204" pitchFamily="49" charset="0"/>
+              </a:rPr>
+              <a:t>}</a:t>
+            </a:r>
+          </a:p>
+          <a:p>
+            <a:pPr lvl="2"/>
+            <a:r>
+              <a:rPr lang="ko-KR" altLang="en-US" sz="1100" dirty="0">
+                <a:solidFill>
+                  <a:srgbClr val="000000"/>
+                </a:solidFill>
+                <a:latin typeface="Consolas" panose="020B0609020204030204" pitchFamily="49" charset="0"/>
+              </a:rPr>
+              <a:t>        </a:t>
+            </a:r>
+            <a:r>
+              <a:rPr lang="en-US" altLang="ko-KR" sz="1100" dirty="0">
+                <a:solidFill>
+                  <a:srgbClr val="000000"/>
+                </a:solidFill>
+                <a:latin typeface="Consolas" panose="020B0609020204030204" pitchFamily="49" charset="0"/>
+              </a:rPr>
+              <a:t>}</a:t>
+            </a:r>
+          </a:p>
+          <a:p>
+            <a:pPr lvl="2"/>
+            <a:r>
+              <a:rPr lang="ko-KR" altLang="en-US" sz="1100" dirty="0">
+                <a:solidFill>
+                  <a:srgbClr val="000000"/>
+                </a:solidFill>
+                <a:latin typeface="Consolas" panose="020B0609020204030204" pitchFamily="49" charset="0"/>
+              </a:rPr>
+              <a:t>        </a:t>
+            </a:r>
+            <a:r>
+              <a:rPr lang="en-US" altLang="ko-KR" sz="1100" dirty="0">
+                <a:solidFill>
+                  <a:srgbClr val="3F7F5F"/>
+                </a:solidFill>
+                <a:latin typeface="Consolas" panose="020B0609020204030204" pitchFamily="49" charset="0"/>
+              </a:rPr>
+              <a:t>// </a:t>
+            </a:r>
+            <a:r>
+              <a:rPr lang="ko-KR" altLang="en-US" sz="1100" dirty="0" err="1">
+                <a:solidFill>
+                  <a:srgbClr val="3F7F5F"/>
+                </a:solidFill>
+                <a:latin typeface="Consolas" panose="020B0609020204030204" pitchFamily="49" charset="0"/>
+              </a:rPr>
+              <a:t>윗쪽</a:t>
+            </a:r>
+            <a:r>
+              <a:rPr lang="ko-KR" altLang="en-US" sz="1100" dirty="0">
+                <a:solidFill>
+                  <a:srgbClr val="3F7F5F"/>
+                </a:solidFill>
+                <a:latin typeface="Consolas" panose="020B0609020204030204" pitchFamily="49" charset="0"/>
+              </a:rPr>
+              <a:t> 검사</a:t>
+            </a:r>
+          </a:p>
+          <a:p>
+            <a:pPr lvl="2"/>
+            <a:r>
+              <a:rPr lang="en-US" altLang="ko-KR" sz="1100" dirty="0">
+                <a:solidFill>
+                  <a:srgbClr val="000000"/>
+                </a:solidFill>
+                <a:latin typeface="Consolas" panose="020B0609020204030204" pitchFamily="49" charset="0"/>
+              </a:rPr>
+              <a:t>        </a:t>
+            </a:r>
+            <a:r>
+              <a:rPr lang="en-US" altLang="ko-KR" sz="1100" b="1" dirty="0">
+                <a:solidFill>
+                  <a:srgbClr val="7F0055"/>
+                </a:solidFill>
+                <a:latin typeface="Consolas" panose="020B0609020204030204" pitchFamily="49" charset="0"/>
+              </a:rPr>
+              <a:t>if</a:t>
+            </a:r>
+            <a:r>
+              <a:rPr lang="en-US" altLang="ko-KR" sz="1100" b="1" dirty="0">
+                <a:solidFill>
+                  <a:srgbClr val="000000"/>
+                </a:solidFill>
+                <a:latin typeface="Consolas" panose="020B0609020204030204" pitchFamily="49" charset="0"/>
+              </a:rPr>
+              <a:t>(</a:t>
+            </a:r>
+            <a:r>
+              <a:rPr lang="en-US" altLang="ko-KR" sz="1100" b="1" dirty="0">
+                <a:solidFill>
+                  <a:srgbClr val="6A3E3E"/>
+                </a:solidFill>
+                <a:latin typeface="Consolas" panose="020B0609020204030204" pitchFamily="49" charset="0"/>
+              </a:rPr>
+              <a:t>j</a:t>
+            </a:r>
+            <a:r>
+              <a:rPr lang="en-US" altLang="ko-KR" sz="1100" b="1" dirty="0">
+                <a:solidFill>
+                  <a:srgbClr val="000000"/>
+                </a:solidFill>
+                <a:latin typeface="Consolas" panose="020B0609020204030204" pitchFamily="49" charset="0"/>
+              </a:rPr>
+              <a:t>-1 &gt;= 0) {</a:t>
+            </a:r>
+          </a:p>
+          <a:p>
+            <a:pPr lvl="3"/>
+            <a:r>
+              <a:rPr lang="en-US" altLang="ko-KR" sz="1100" dirty="0">
+                <a:solidFill>
+                  <a:srgbClr val="000000"/>
+                </a:solidFill>
+                <a:latin typeface="Consolas" panose="020B0609020204030204" pitchFamily="49" charset="0"/>
+              </a:rPr>
+              <a:t>        </a:t>
+            </a:r>
+            <a:r>
+              <a:rPr lang="en-US" altLang="ko-KR" sz="1100" b="1" dirty="0">
+                <a:solidFill>
+                  <a:srgbClr val="7F0055"/>
+                </a:solidFill>
+                <a:latin typeface="Consolas" panose="020B0609020204030204" pitchFamily="49" charset="0"/>
+              </a:rPr>
+              <a:t>if</a:t>
+            </a:r>
+            <a:r>
+              <a:rPr lang="en-US" altLang="ko-KR" sz="1100" b="1" dirty="0">
+                <a:solidFill>
+                  <a:srgbClr val="000000"/>
+                </a:solidFill>
+                <a:latin typeface="Consolas" panose="020B0609020204030204" pitchFamily="49" charset="0"/>
+              </a:rPr>
+              <a:t>(</a:t>
+            </a:r>
+            <a:r>
+              <a:rPr lang="en-US" altLang="ko-KR" sz="1100" b="1" dirty="0">
+                <a:solidFill>
+                  <a:srgbClr val="6A3E3E"/>
+                </a:solidFill>
+                <a:latin typeface="Consolas" panose="020B0609020204030204" pitchFamily="49" charset="0"/>
+              </a:rPr>
+              <a:t>height</a:t>
+            </a:r>
+            <a:r>
+              <a:rPr lang="en-US" altLang="ko-KR" sz="1100" b="1" dirty="0">
+                <a:solidFill>
+                  <a:srgbClr val="000000"/>
+                </a:solidFill>
+                <a:latin typeface="Consolas" panose="020B0609020204030204" pitchFamily="49" charset="0"/>
+              </a:rPr>
+              <a:t>[</a:t>
+            </a:r>
+            <a:r>
+              <a:rPr lang="en-US" altLang="ko-KR" sz="1100" b="1" dirty="0" err="1">
+                <a:solidFill>
+                  <a:srgbClr val="6A3E3E"/>
+                </a:solidFill>
+                <a:latin typeface="Consolas" panose="020B0609020204030204" pitchFamily="49" charset="0"/>
+              </a:rPr>
+              <a:t>i</a:t>
+            </a:r>
+            <a:r>
+              <a:rPr lang="en-US" altLang="ko-KR" sz="1100" b="1" dirty="0">
+                <a:solidFill>
+                  <a:srgbClr val="000000"/>
+                </a:solidFill>
+                <a:latin typeface="Consolas" panose="020B0609020204030204" pitchFamily="49" charset="0"/>
+              </a:rPr>
+              <a:t>][</a:t>
+            </a:r>
+            <a:r>
+              <a:rPr lang="en-US" altLang="ko-KR" sz="1100" b="1" dirty="0">
+                <a:solidFill>
+                  <a:srgbClr val="6A3E3E"/>
+                </a:solidFill>
+                <a:latin typeface="Consolas" panose="020B0609020204030204" pitchFamily="49" charset="0"/>
+              </a:rPr>
+              <a:t>j</a:t>
+            </a:r>
+            <a:r>
+              <a:rPr lang="en-US" altLang="ko-KR" sz="1100" b="1" dirty="0">
+                <a:solidFill>
+                  <a:srgbClr val="000000"/>
+                </a:solidFill>
+                <a:latin typeface="Consolas" panose="020B0609020204030204" pitchFamily="49" charset="0"/>
+              </a:rPr>
+              <a:t>-1] &lt;= </a:t>
+            </a:r>
+            <a:r>
+              <a:rPr lang="en-US" altLang="ko-KR" sz="1100" b="1" dirty="0">
+                <a:solidFill>
+                  <a:srgbClr val="6A3E3E"/>
+                </a:solidFill>
+                <a:latin typeface="Consolas" panose="020B0609020204030204" pitchFamily="49" charset="0"/>
+              </a:rPr>
+              <a:t>height</a:t>
+            </a:r>
+            <a:r>
+              <a:rPr lang="en-US" altLang="ko-KR" sz="1100" b="1" dirty="0">
+                <a:solidFill>
+                  <a:srgbClr val="000000"/>
+                </a:solidFill>
+                <a:latin typeface="Consolas" panose="020B0609020204030204" pitchFamily="49" charset="0"/>
+              </a:rPr>
+              <a:t>[</a:t>
+            </a:r>
+            <a:r>
+              <a:rPr lang="en-US" altLang="ko-KR" sz="1100" b="1" dirty="0" err="1">
+                <a:solidFill>
+                  <a:srgbClr val="6A3E3E"/>
+                </a:solidFill>
+                <a:latin typeface="Consolas" panose="020B0609020204030204" pitchFamily="49" charset="0"/>
+              </a:rPr>
+              <a:t>i</a:t>
+            </a:r>
+            <a:r>
+              <a:rPr lang="en-US" altLang="ko-KR" sz="1100" b="1" dirty="0">
+                <a:solidFill>
+                  <a:srgbClr val="000000"/>
+                </a:solidFill>
+                <a:latin typeface="Consolas" panose="020B0609020204030204" pitchFamily="49" charset="0"/>
+              </a:rPr>
+              <a:t>][</a:t>
+            </a:r>
+            <a:r>
+              <a:rPr lang="en-US" altLang="ko-KR" sz="1100" b="1" dirty="0">
+                <a:solidFill>
+                  <a:srgbClr val="6A3E3E"/>
+                </a:solidFill>
+                <a:latin typeface="Consolas" panose="020B0609020204030204" pitchFamily="49" charset="0"/>
+              </a:rPr>
+              <a:t>j</a:t>
+            </a:r>
+            <a:r>
+              <a:rPr lang="en-US" altLang="ko-KR" sz="1100" b="1" dirty="0">
+                <a:solidFill>
+                  <a:srgbClr val="000000"/>
+                </a:solidFill>
+                <a:latin typeface="Consolas" panose="020B0609020204030204" pitchFamily="49" charset="0"/>
+              </a:rPr>
+              <a:t>]) {</a:t>
+            </a:r>
+          </a:p>
+          <a:p>
+            <a:pPr lvl="3"/>
+            <a:r>
+              <a:rPr lang="en-US" altLang="ko-KR" sz="1100" dirty="0">
+                <a:solidFill>
+                  <a:srgbClr val="000000"/>
+                </a:solidFill>
+                <a:latin typeface="Consolas" panose="020B0609020204030204" pitchFamily="49" charset="0"/>
+              </a:rPr>
+              <a:t>        	</a:t>
+            </a:r>
+            <a:r>
+              <a:rPr lang="en-US" altLang="ko-KR" sz="1100" dirty="0" err="1">
+                <a:solidFill>
+                  <a:srgbClr val="6A3E3E"/>
+                </a:solidFill>
+                <a:latin typeface="Consolas" panose="020B0609020204030204" pitchFamily="49" charset="0"/>
+              </a:rPr>
+              <a:t>isSafe</a:t>
+            </a:r>
+            <a:r>
+              <a:rPr lang="en-US" altLang="ko-KR" sz="1100" dirty="0">
+                <a:solidFill>
+                  <a:srgbClr val="000000"/>
+                </a:solidFill>
+                <a:latin typeface="Consolas" panose="020B0609020204030204" pitchFamily="49" charset="0"/>
+              </a:rPr>
+              <a:t> = </a:t>
+            </a:r>
+            <a:r>
+              <a:rPr lang="en-US" altLang="ko-KR" sz="1100" dirty="0" err="1">
+                <a:solidFill>
+                  <a:srgbClr val="6A3E3E"/>
+                </a:solidFill>
+                <a:latin typeface="Consolas" panose="020B0609020204030204" pitchFamily="49" charset="0"/>
+              </a:rPr>
+              <a:t>isSafe</a:t>
+            </a:r>
+            <a:r>
+              <a:rPr lang="en-US" altLang="ko-KR" sz="1100" dirty="0">
+                <a:solidFill>
+                  <a:srgbClr val="000000"/>
+                </a:solidFill>
+                <a:latin typeface="Consolas" panose="020B0609020204030204" pitchFamily="49" charset="0"/>
+              </a:rPr>
+              <a:t> || </a:t>
+            </a:r>
+            <a:r>
+              <a:rPr lang="en-US" altLang="ko-KR" sz="1100" b="1" dirty="0">
+                <a:solidFill>
+                  <a:srgbClr val="7F0055"/>
+                </a:solidFill>
+                <a:latin typeface="Consolas" panose="020B0609020204030204" pitchFamily="49" charset="0"/>
+              </a:rPr>
+              <a:t>true</a:t>
+            </a:r>
+            <a:r>
+              <a:rPr lang="en-US" altLang="ko-KR" sz="1100" b="1" dirty="0">
+                <a:solidFill>
+                  <a:srgbClr val="000000"/>
+                </a:solidFill>
+                <a:latin typeface="Consolas" panose="020B0609020204030204" pitchFamily="49" charset="0"/>
+              </a:rPr>
+              <a:t>;</a:t>
+            </a:r>
+          </a:p>
+          <a:p>
+            <a:pPr lvl="3"/>
+            <a:r>
+              <a:rPr lang="ko-KR" altLang="en-US" sz="1100" dirty="0">
+                <a:solidFill>
+                  <a:srgbClr val="000000"/>
+                </a:solidFill>
+                <a:latin typeface="Consolas" panose="020B0609020204030204" pitchFamily="49" charset="0"/>
+              </a:rPr>
+              <a:t>        </a:t>
+            </a:r>
+            <a:r>
+              <a:rPr lang="en-US" altLang="ko-KR" sz="1100" dirty="0">
+                <a:solidFill>
+                  <a:srgbClr val="000000"/>
+                </a:solidFill>
+                <a:latin typeface="Consolas" panose="020B0609020204030204" pitchFamily="49" charset="0"/>
+              </a:rPr>
+              <a:t>}</a:t>
+            </a:r>
+          </a:p>
+          <a:p>
+            <a:pPr lvl="2"/>
+            <a:r>
+              <a:rPr lang="ko-KR" altLang="en-US" sz="1100" dirty="0">
+                <a:solidFill>
+                  <a:srgbClr val="000000"/>
+                </a:solidFill>
+                <a:latin typeface="Consolas" panose="020B0609020204030204" pitchFamily="49" charset="0"/>
+              </a:rPr>
+              <a:t>        </a:t>
+            </a:r>
+            <a:r>
+              <a:rPr lang="en-US" altLang="ko-KR" sz="1100" dirty="0">
+                <a:solidFill>
+                  <a:srgbClr val="000000"/>
+                </a:solidFill>
+                <a:latin typeface="Consolas" panose="020B0609020204030204" pitchFamily="49" charset="0"/>
+              </a:rPr>
+              <a:t>}</a:t>
+            </a:r>
+          </a:p>
+          <a:p>
+            <a:pPr lvl="2"/>
+            <a:r>
+              <a:rPr lang="ko-KR" altLang="en-US" sz="1100" dirty="0">
+                <a:solidFill>
+                  <a:srgbClr val="000000"/>
+                </a:solidFill>
+                <a:latin typeface="Consolas" panose="020B0609020204030204" pitchFamily="49" charset="0"/>
+              </a:rPr>
+              <a:t>        </a:t>
+            </a:r>
+            <a:r>
+              <a:rPr lang="en-US" altLang="ko-KR" sz="1100" dirty="0">
+                <a:solidFill>
+                  <a:srgbClr val="3F7F5F"/>
+                </a:solidFill>
+                <a:latin typeface="Consolas" panose="020B0609020204030204" pitchFamily="49" charset="0"/>
+              </a:rPr>
+              <a:t>// </a:t>
+            </a:r>
+            <a:r>
+              <a:rPr lang="ko-KR" altLang="en-US" sz="1100" dirty="0">
+                <a:solidFill>
+                  <a:srgbClr val="3F7F5F"/>
+                </a:solidFill>
+                <a:latin typeface="Consolas" panose="020B0609020204030204" pitchFamily="49" charset="0"/>
+              </a:rPr>
+              <a:t>아래쪽 검사</a:t>
+            </a:r>
+          </a:p>
+          <a:p>
+            <a:pPr lvl="2"/>
+            <a:r>
+              <a:rPr lang="en-US" altLang="ko-KR" sz="1100" dirty="0">
+                <a:solidFill>
+                  <a:srgbClr val="000000"/>
+                </a:solidFill>
+                <a:latin typeface="Consolas" panose="020B0609020204030204" pitchFamily="49" charset="0"/>
+              </a:rPr>
+              <a:t>        </a:t>
+            </a:r>
+            <a:r>
+              <a:rPr lang="en-US" altLang="ko-KR" sz="1100" b="1" dirty="0">
+                <a:solidFill>
+                  <a:srgbClr val="7F0055"/>
+                </a:solidFill>
+                <a:latin typeface="Consolas" panose="020B0609020204030204" pitchFamily="49" charset="0"/>
+              </a:rPr>
+              <a:t>if</a:t>
+            </a:r>
+            <a:r>
+              <a:rPr lang="en-US" altLang="ko-KR" sz="1100" b="1" dirty="0">
+                <a:solidFill>
+                  <a:srgbClr val="000000"/>
+                </a:solidFill>
+                <a:latin typeface="Consolas" panose="020B0609020204030204" pitchFamily="49" charset="0"/>
+              </a:rPr>
+              <a:t>(</a:t>
+            </a:r>
+            <a:r>
+              <a:rPr lang="en-US" altLang="ko-KR" sz="1100" b="1" dirty="0">
+                <a:solidFill>
+                  <a:srgbClr val="6A3E3E"/>
+                </a:solidFill>
+                <a:latin typeface="Consolas" panose="020B0609020204030204" pitchFamily="49" charset="0"/>
+              </a:rPr>
+              <a:t>j</a:t>
+            </a:r>
+            <a:r>
+              <a:rPr lang="en-US" altLang="ko-KR" sz="1100" b="1" dirty="0">
+                <a:solidFill>
+                  <a:srgbClr val="000000"/>
+                </a:solidFill>
+                <a:latin typeface="Consolas" panose="020B0609020204030204" pitchFamily="49" charset="0"/>
+              </a:rPr>
+              <a:t>+1 &lt;= 3) {</a:t>
+            </a:r>
+          </a:p>
+          <a:p>
+            <a:pPr lvl="3"/>
+            <a:r>
+              <a:rPr lang="en-US" altLang="ko-KR" sz="1100" dirty="0">
+                <a:solidFill>
+                  <a:srgbClr val="000000"/>
+                </a:solidFill>
+                <a:latin typeface="Consolas" panose="020B0609020204030204" pitchFamily="49" charset="0"/>
+              </a:rPr>
+              <a:t>        </a:t>
+            </a:r>
+            <a:r>
+              <a:rPr lang="en-US" altLang="ko-KR" sz="1100" b="1" dirty="0">
+                <a:solidFill>
+                  <a:srgbClr val="7F0055"/>
+                </a:solidFill>
+                <a:latin typeface="Consolas" panose="020B0609020204030204" pitchFamily="49" charset="0"/>
+              </a:rPr>
+              <a:t>if</a:t>
+            </a:r>
+            <a:r>
+              <a:rPr lang="en-US" altLang="ko-KR" sz="1100" b="1" dirty="0">
+                <a:solidFill>
+                  <a:srgbClr val="000000"/>
+                </a:solidFill>
+                <a:latin typeface="Consolas" panose="020B0609020204030204" pitchFamily="49" charset="0"/>
+              </a:rPr>
+              <a:t>(</a:t>
+            </a:r>
+            <a:r>
+              <a:rPr lang="en-US" altLang="ko-KR" sz="1100" b="1" dirty="0">
+                <a:solidFill>
+                  <a:srgbClr val="6A3E3E"/>
+                </a:solidFill>
+                <a:latin typeface="Consolas" panose="020B0609020204030204" pitchFamily="49" charset="0"/>
+              </a:rPr>
+              <a:t>height</a:t>
+            </a:r>
+            <a:r>
+              <a:rPr lang="en-US" altLang="ko-KR" sz="1100" b="1" dirty="0">
+                <a:solidFill>
+                  <a:srgbClr val="000000"/>
+                </a:solidFill>
+                <a:latin typeface="Consolas" panose="020B0609020204030204" pitchFamily="49" charset="0"/>
+              </a:rPr>
+              <a:t>[</a:t>
+            </a:r>
+            <a:r>
+              <a:rPr lang="en-US" altLang="ko-KR" sz="1100" b="1" dirty="0" err="1">
+                <a:solidFill>
+                  <a:srgbClr val="6A3E3E"/>
+                </a:solidFill>
+                <a:latin typeface="Consolas" panose="020B0609020204030204" pitchFamily="49" charset="0"/>
+              </a:rPr>
+              <a:t>i</a:t>
+            </a:r>
+            <a:r>
+              <a:rPr lang="en-US" altLang="ko-KR" sz="1100" b="1" dirty="0">
+                <a:solidFill>
+                  <a:srgbClr val="000000"/>
+                </a:solidFill>
+                <a:latin typeface="Consolas" panose="020B0609020204030204" pitchFamily="49" charset="0"/>
+              </a:rPr>
+              <a:t>][</a:t>
+            </a:r>
+            <a:r>
+              <a:rPr lang="en-US" altLang="ko-KR" sz="1100" b="1" dirty="0">
+                <a:solidFill>
+                  <a:srgbClr val="6A3E3E"/>
+                </a:solidFill>
+                <a:latin typeface="Consolas" panose="020B0609020204030204" pitchFamily="49" charset="0"/>
+              </a:rPr>
+              <a:t>j</a:t>
+            </a:r>
+            <a:r>
+              <a:rPr lang="en-US" altLang="ko-KR" sz="1100" b="1" dirty="0">
+                <a:solidFill>
+                  <a:srgbClr val="000000"/>
+                </a:solidFill>
+                <a:latin typeface="Consolas" panose="020B0609020204030204" pitchFamily="49" charset="0"/>
+              </a:rPr>
+              <a:t>+1] &lt;= </a:t>
+            </a:r>
+            <a:r>
+              <a:rPr lang="en-US" altLang="ko-KR" sz="1100" b="1" dirty="0">
+                <a:solidFill>
+                  <a:srgbClr val="6A3E3E"/>
+                </a:solidFill>
+                <a:latin typeface="Consolas" panose="020B0609020204030204" pitchFamily="49" charset="0"/>
+              </a:rPr>
+              <a:t>height</a:t>
+            </a:r>
+            <a:r>
+              <a:rPr lang="en-US" altLang="ko-KR" sz="1100" b="1" dirty="0">
+                <a:solidFill>
+                  <a:srgbClr val="000000"/>
+                </a:solidFill>
+                <a:latin typeface="Consolas" panose="020B0609020204030204" pitchFamily="49" charset="0"/>
+              </a:rPr>
+              <a:t>[</a:t>
+            </a:r>
+            <a:r>
+              <a:rPr lang="en-US" altLang="ko-KR" sz="1100" b="1" dirty="0" err="1">
+                <a:solidFill>
+                  <a:srgbClr val="6A3E3E"/>
+                </a:solidFill>
+                <a:latin typeface="Consolas" panose="020B0609020204030204" pitchFamily="49" charset="0"/>
+              </a:rPr>
+              <a:t>i</a:t>
+            </a:r>
+            <a:r>
+              <a:rPr lang="en-US" altLang="ko-KR" sz="1100" b="1" dirty="0">
+                <a:solidFill>
+                  <a:srgbClr val="000000"/>
+                </a:solidFill>
+                <a:latin typeface="Consolas" panose="020B0609020204030204" pitchFamily="49" charset="0"/>
+              </a:rPr>
+              <a:t>][</a:t>
+            </a:r>
+            <a:r>
+              <a:rPr lang="en-US" altLang="ko-KR" sz="1100" b="1" dirty="0">
+                <a:solidFill>
+                  <a:srgbClr val="6A3E3E"/>
+                </a:solidFill>
+                <a:latin typeface="Consolas" panose="020B0609020204030204" pitchFamily="49" charset="0"/>
+              </a:rPr>
+              <a:t>j</a:t>
+            </a:r>
+            <a:r>
+              <a:rPr lang="en-US" altLang="ko-KR" sz="1100" b="1" dirty="0">
+                <a:solidFill>
+                  <a:srgbClr val="000000"/>
+                </a:solidFill>
+                <a:latin typeface="Consolas" panose="020B0609020204030204" pitchFamily="49" charset="0"/>
+              </a:rPr>
+              <a:t>]) {</a:t>
+            </a:r>
+          </a:p>
+          <a:p>
+            <a:pPr lvl="3"/>
+            <a:r>
+              <a:rPr lang="en-US" altLang="ko-KR" sz="1100" dirty="0">
+                <a:solidFill>
+                  <a:srgbClr val="000000"/>
+                </a:solidFill>
+                <a:latin typeface="Consolas" panose="020B0609020204030204" pitchFamily="49" charset="0"/>
+              </a:rPr>
+              <a:t>        	</a:t>
+            </a:r>
+            <a:r>
+              <a:rPr lang="en-US" altLang="ko-KR" sz="1100" dirty="0" err="1">
+                <a:solidFill>
+                  <a:srgbClr val="6A3E3E"/>
+                </a:solidFill>
+                <a:latin typeface="Consolas" panose="020B0609020204030204" pitchFamily="49" charset="0"/>
+              </a:rPr>
+              <a:t>isSafe</a:t>
+            </a:r>
+            <a:r>
+              <a:rPr lang="en-US" altLang="ko-KR" sz="1100" dirty="0">
+                <a:solidFill>
+                  <a:srgbClr val="000000"/>
+                </a:solidFill>
+                <a:latin typeface="Consolas" panose="020B0609020204030204" pitchFamily="49" charset="0"/>
+              </a:rPr>
+              <a:t> = </a:t>
+            </a:r>
+            <a:r>
+              <a:rPr lang="en-US" altLang="ko-KR" sz="1100" dirty="0" err="1">
+                <a:solidFill>
+                  <a:srgbClr val="6A3E3E"/>
+                </a:solidFill>
+                <a:latin typeface="Consolas" panose="020B0609020204030204" pitchFamily="49" charset="0"/>
+              </a:rPr>
+              <a:t>isSafe</a:t>
+            </a:r>
+            <a:r>
+              <a:rPr lang="en-US" altLang="ko-KR" sz="1100" dirty="0">
+                <a:solidFill>
+                  <a:srgbClr val="000000"/>
+                </a:solidFill>
+                <a:latin typeface="Consolas" panose="020B0609020204030204" pitchFamily="49" charset="0"/>
+              </a:rPr>
+              <a:t> || </a:t>
+            </a:r>
+            <a:r>
+              <a:rPr lang="en-US" altLang="ko-KR" sz="1100" b="1" dirty="0">
+                <a:solidFill>
+                  <a:srgbClr val="7F0055"/>
+                </a:solidFill>
+                <a:latin typeface="Consolas" panose="020B0609020204030204" pitchFamily="49" charset="0"/>
+              </a:rPr>
+              <a:t>true</a:t>
+            </a:r>
+            <a:r>
+              <a:rPr lang="en-US" altLang="ko-KR" sz="1100" b="1" dirty="0">
+                <a:solidFill>
+                  <a:srgbClr val="000000"/>
+                </a:solidFill>
+                <a:latin typeface="Consolas" panose="020B0609020204030204" pitchFamily="49" charset="0"/>
+              </a:rPr>
+              <a:t>;</a:t>
+            </a:r>
+          </a:p>
+          <a:p>
+            <a:pPr lvl="3"/>
+            <a:r>
+              <a:rPr lang="ko-KR" altLang="en-US" sz="1100" dirty="0">
+                <a:solidFill>
+                  <a:srgbClr val="000000"/>
+                </a:solidFill>
+                <a:latin typeface="Consolas" panose="020B0609020204030204" pitchFamily="49" charset="0"/>
+              </a:rPr>
+              <a:t>        </a:t>
+            </a:r>
+            <a:r>
+              <a:rPr lang="en-US" altLang="ko-KR" sz="1100" dirty="0">
+                <a:solidFill>
+                  <a:srgbClr val="000000"/>
+                </a:solidFill>
+                <a:latin typeface="Consolas" panose="020B0609020204030204" pitchFamily="49" charset="0"/>
+              </a:rPr>
+              <a:t>}</a:t>
+            </a:r>
+          </a:p>
+          <a:p>
+            <a:pPr lvl="2"/>
+            <a:r>
+              <a:rPr lang="ko-KR" altLang="en-US" sz="1100" dirty="0">
+                <a:solidFill>
+                  <a:srgbClr val="000000"/>
+                </a:solidFill>
+                <a:latin typeface="Consolas" panose="020B0609020204030204" pitchFamily="49" charset="0"/>
+              </a:rPr>
+              <a:t>        </a:t>
+            </a:r>
+            <a:r>
+              <a:rPr lang="en-US" altLang="ko-KR" sz="1100" dirty="0">
+                <a:solidFill>
+                  <a:srgbClr val="000000"/>
+                </a:solidFill>
+                <a:latin typeface="Consolas" panose="020B0609020204030204" pitchFamily="49" charset="0"/>
+              </a:rPr>
+              <a:t>}</a:t>
+            </a:r>
+          </a:p>
+          <a:p>
+            <a:pPr lvl="2"/>
+            <a:r>
+              <a:rPr lang="en-US" altLang="ko-KR" sz="1100" dirty="0">
+                <a:solidFill>
+                  <a:srgbClr val="000000"/>
+                </a:solidFill>
+                <a:latin typeface="Consolas" panose="020B0609020204030204" pitchFamily="49" charset="0"/>
+              </a:rPr>
+              <a:t>        </a:t>
+            </a:r>
+            <a:r>
+              <a:rPr lang="en-US" altLang="ko-KR" sz="1100" b="1" dirty="0">
+                <a:solidFill>
+                  <a:srgbClr val="7F0055"/>
+                </a:solidFill>
+                <a:latin typeface="Consolas" panose="020B0609020204030204" pitchFamily="49" charset="0"/>
+              </a:rPr>
+              <a:t>if</a:t>
+            </a:r>
+            <a:r>
+              <a:rPr lang="en-US" altLang="ko-KR" sz="1100" b="1" dirty="0">
+                <a:solidFill>
+                  <a:srgbClr val="000000"/>
+                </a:solidFill>
+                <a:latin typeface="Consolas" panose="020B0609020204030204" pitchFamily="49" charset="0"/>
+              </a:rPr>
+              <a:t>(</a:t>
+            </a:r>
+            <a:r>
+              <a:rPr lang="en-US" altLang="ko-KR" sz="1100" b="1" dirty="0" err="1">
+                <a:solidFill>
+                  <a:srgbClr val="6A3E3E"/>
+                </a:solidFill>
+                <a:latin typeface="Consolas" panose="020B0609020204030204" pitchFamily="49" charset="0"/>
+              </a:rPr>
+              <a:t>isSafe</a:t>
+            </a:r>
+            <a:r>
+              <a:rPr lang="en-US" altLang="ko-KR" sz="1100" b="1" dirty="0">
+                <a:solidFill>
+                  <a:srgbClr val="000000"/>
+                </a:solidFill>
+                <a:latin typeface="Consolas" panose="020B0609020204030204" pitchFamily="49" charset="0"/>
+              </a:rPr>
+              <a:t>==</a:t>
+            </a:r>
+            <a:r>
+              <a:rPr lang="en-US" altLang="ko-KR" sz="1100" b="1" dirty="0">
+                <a:solidFill>
+                  <a:srgbClr val="7F0055"/>
+                </a:solidFill>
+                <a:latin typeface="Consolas" panose="020B0609020204030204" pitchFamily="49" charset="0"/>
+              </a:rPr>
+              <a:t>false</a:t>
+            </a:r>
+            <a:r>
+              <a:rPr lang="en-US" altLang="ko-KR" sz="1100" b="1" dirty="0">
+                <a:solidFill>
+                  <a:srgbClr val="000000"/>
+                </a:solidFill>
+                <a:latin typeface="Consolas" panose="020B0609020204030204" pitchFamily="49" charset="0"/>
+              </a:rPr>
+              <a:t>) {</a:t>
+            </a:r>
+          </a:p>
+          <a:p>
+            <a:pPr lvl="2"/>
+            <a:r>
+              <a:rPr lang="en-US" altLang="ko-KR" sz="1100" dirty="0">
+                <a:solidFill>
+                  <a:srgbClr val="000000"/>
+                </a:solidFill>
+                <a:latin typeface="Consolas" panose="020B0609020204030204" pitchFamily="49" charset="0"/>
+              </a:rPr>
+              <a:t>        	</a:t>
+            </a:r>
+            <a:r>
+              <a:rPr lang="en-US" altLang="ko-KR" sz="1100" dirty="0">
+                <a:solidFill>
+                  <a:srgbClr val="6A3E3E"/>
+                </a:solidFill>
+                <a:latin typeface="Consolas" panose="020B0609020204030204" pitchFamily="49" charset="0"/>
+              </a:rPr>
+              <a:t>count</a:t>
+            </a:r>
+            <a:r>
+              <a:rPr lang="en-US" altLang="ko-KR" sz="1100" dirty="0">
+                <a:solidFill>
+                  <a:srgbClr val="000000"/>
+                </a:solidFill>
+                <a:latin typeface="Consolas" panose="020B0609020204030204" pitchFamily="49" charset="0"/>
+              </a:rPr>
+              <a:t>++;</a:t>
+            </a:r>
+          </a:p>
+          <a:p>
+            <a:pPr lvl="2"/>
+            <a:r>
+              <a:rPr lang="ko-KR" altLang="en-US" sz="1100" dirty="0">
+                <a:solidFill>
+                  <a:srgbClr val="000000"/>
+                </a:solidFill>
+                <a:latin typeface="Consolas" panose="020B0609020204030204" pitchFamily="49" charset="0"/>
+              </a:rPr>
+              <a:t>        </a:t>
+            </a:r>
+            <a:r>
+              <a:rPr lang="en-US" altLang="ko-KR" sz="1100" dirty="0">
+                <a:solidFill>
+                  <a:srgbClr val="000000"/>
+                </a:solidFill>
+                <a:latin typeface="Consolas" panose="020B0609020204030204" pitchFamily="49" charset="0"/>
+              </a:rPr>
+              <a:t>}</a:t>
             </a:r>
           </a:p>
           <a:p>
             <a:pPr lvl="1"/>
             <a:r>
+              <a:rPr lang="ko-KR" altLang="en-US" sz="1100" dirty="0">
+                <a:solidFill>
+                  <a:srgbClr val="000000"/>
+                </a:solidFill>
+                <a:latin typeface="Consolas" panose="020B0609020204030204" pitchFamily="49" charset="0"/>
+              </a:rPr>
+              <a:t>        </a:t>
+            </a:r>
+            <a:r>
+              <a:rPr lang="en-US" altLang="ko-KR" sz="1100" dirty="0">
+                <a:solidFill>
+                  <a:srgbClr val="000000"/>
+                </a:solidFill>
+                <a:latin typeface="Consolas" panose="020B0609020204030204" pitchFamily="49" charset="0"/>
+              </a:rPr>
+              <a:t>}</a:t>
+            </a:r>
+          </a:p>
+          <a:p>
+            <a:r>
+              <a:rPr lang="ko-KR" altLang="en-US" sz="1100" dirty="0">
+                <a:solidFill>
+                  <a:srgbClr val="000000"/>
+                </a:solidFill>
+                <a:latin typeface="Consolas" panose="020B0609020204030204" pitchFamily="49" charset="0"/>
+              </a:rPr>
+              <a:t>        </a:t>
+            </a:r>
+            <a:r>
+              <a:rPr lang="en-US" altLang="ko-KR" sz="1100" dirty="0">
+                <a:solidFill>
+                  <a:srgbClr val="000000"/>
+                </a:solidFill>
+                <a:latin typeface="Consolas" panose="020B0609020204030204" pitchFamily="49" charset="0"/>
+              </a:rPr>
+              <a:t>}</a:t>
+            </a:r>
+          </a:p>
+          <a:p>
+            <a:r>
+              <a:rPr lang="en-US" altLang="ko-KR" sz="1100" dirty="0">
+                <a:solidFill>
+                  <a:srgbClr val="000000"/>
+                </a:solidFill>
+                <a:latin typeface="Consolas" panose="020B0609020204030204" pitchFamily="49" charset="0"/>
+              </a:rPr>
+              <a:t>        </a:t>
+            </a:r>
+            <a:r>
               <a:rPr lang="en-US" altLang="ko-KR" sz="1100" b="1" dirty="0">
                 <a:solidFill>
                   <a:srgbClr val="7F0055"/>
                 </a:solidFill>
                 <a:latin typeface="Consolas" panose="020B0609020204030204" pitchFamily="49" charset="0"/>
               </a:rPr>
-              <a:t>int</a:t>
+              <a:t>return</a:t>
             </a:r>
             <a:r>
               <a:rPr lang="en-US" altLang="ko-KR" sz="1100" b="1" dirty="0">
@@ -5852,1880 +7755,20 @@
                 </a:solidFill>
                 <a:latin typeface="Consolas" panose="020B0609020204030204" pitchFamily="49" charset="0"/>
               </a:rPr>
-              <a:t> = 0;</a:t>
-            </a:r>
-          </a:p>
-          <a:p>
-            <a:pPr lvl="1"/>
-            <a:endParaRPr lang="ko-KR" altLang="en-US" sz="1100" dirty="0">
-              <a:latin typeface="Consolas" panose="020B0609020204030204" pitchFamily="49" charset="0"/>
-            </a:endParaRPr>
-          </a:p>
-          <a:p>
-            <a:pPr lvl="1"/>
-            <a:r>
-              <a:rPr lang="nn-NO" altLang="ko-KR" sz="1100" b="1" dirty="0">
-                <a:solidFill>
-                  <a:srgbClr val="7F0055"/>
-                </a:solidFill>
-                <a:latin typeface="Consolas" panose="020B0609020204030204" pitchFamily="49" charset="0"/>
-              </a:rPr>
-              <a:t>for</a:t>
-            </a:r>
-            <a:r>
-              <a:rPr lang="nn-NO" altLang="ko-KR" sz="1100" b="1" dirty="0">
-                <a:solidFill>
-                  <a:srgbClr val="000000"/>
-                </a:solidFill>
-                <a:latin typeface="Consolas" panose="020B0609020204030204" pitchFamily="49" charset="0"/>
-              </a:rPr>
-              <a:t>(</a:t>
-            </a:r>
-            <a:r>
-              <a:rPr lang="nn-NO" altLang="ko-KR" sz="1100" b="1" dirty="0">
-                <a:solidFill>
-                  <a:srgbClr val="7F0055"/>
-                </a:solidFill>
-                <a:latin typeface="Consolas" panose="020B0609020204030204" pitchFamily="49" charset="0"/>
-              </a:rPr>
-              <a:t>int</a:t>
-            </a:r>
-            <a:r>
-              <a:rPr lang="nn-NO" altLang="ko-KR" sz="1100" b="1" dirty="0">
-                <a:solidFill>
-                  <a:srgbClr val="000000"/>
-                </a:solidFill>
-                <a:latin typeface="Consolas" panose="020B0609020204030204" pitchFamily="49" charset="0"/>
-              </a:rPr>
-              <a:t> </a:t>
-            </a:r>
-            <a:r>
-              <a:rPr lang="nn-NO" altLang="ko-KR" sz="1100" b="1" dirty="0">
-                <a:solidFill>
-                  <a:srgbClr val="6A3E3E"/>
-                </a:solidFill>
-                <a:latin typeface="Consolas" panose="020B0609020204030204" pitchFamily="49" charset="0"/>
-              </a:rPr>
-              <a:t>i</a:t>
-            </a:r>
-            <a:r>
-              <a:rPr lang="nn-NO" altLang="ko-KR" sz="1100" b="1" dirty="0">
-                <a:solidFill>
-                  <a:srgbClr val="000000"/>
-                </a:solidFill>
-                <a:latin typeface="Consolas" panose="020B0609020204030204" pitchFamily="49" charset="0"/>
-              </a:rPr>
-              <a:t>=0; </a:t>
-            </a:r>
-            <a:r>
-              <a:rPr lang="nn-NO" altLang="ko-KR" sz="1100" b="1" dirty="0">
-                <a:solidFill>
-                  <a:srgbClr val="6A3E3E"/>
-                </a:solidFill>
-                <a:latin typeface="Consolas" panose="020B0609020204030204" pitchFamily="49" charset="0"/>
-              </a:rPr>
-              <a:t>i</a:t>
-            </a:r>
-            <a:r>
-              <a:rPr lang="nn-NO" altLang="ko-KR" sz="1100" b="1" dirty="0">
-                <a:solidFill>
-                  <a:srgbClr val="000000"/>
-                </a:solidFill>
-                <a:latin typeface="Consolas" panose="020B0609020204030204" pitchFamily="49" charset="0"/>
-              </a:rPr>
-              <a:t>&lt;</a:t>
-            </a:r>
-            <a:r>
-              <a:rPr lang="nn-NO" altLang="ko-KR" sz="1100" b="1" dirty="0">
-                <a:solidFill>
-                  <a:srgbClr val="6A3E3E"/>
-                </a:solidFill>
-                <a:latin typeface="Consolas" panose="020B0609020204030204" pitchFamily="49" charset="0"/>
-              </a:rPr>
-              <a:t>height</a:t>
-            </a:r>
-            <a:r>
-              <a:rPr lang="nn-NO" altLang="ko-KR" sz="1100" b="1" dirty="0">
-                <a:solidFill>
-                  <a:srgbClr val="000000"/>
-                </a:solidFill>
-                <a:latin typeface="Consolas" panose="020B0609020204030204" pitchFamily="49" charset="0"/>
-              </a:rPr>
-              <a:t>.</a:t>
-            </a:r>
-            <a:r>
-              <a:rPr lang="nn-NO" altLang="ko-KR" sz="1100" b="1" dirty="0">
-                <a:solidFill>
-                  <a:srgbClr val="0000C0"/>
-                </a:solidFill>
-                <a:latin typeface="Consolas" panose="020B0609020204030204" pitchFamily="49" charset="0"/>
-              </a:rPr>
-              <a:t>length</a:t>
-            </a:r>
-            <a:r>
-              <a:rPr lang="nn-NO" altLang="ko-KR" sz="1100" b="1" dirty="0">
-                <a:solidFill>
-                  <a:srgbClr val="000000"/>
-                </a:solidFill>
-                <a:latin typeface="Consolas" panose="020B0609020204030204" pitchFamily="49" charset="0"/>
-              </a:rPr>
-              <a:t>; </a:t>
-            </a:r>
-            <a:r>
-              <a:rPr lang="nn-NO" altLang="ko-KR" sz="1100" b="1" dirty="0">
-                <a:solidFill>
-                  <a:srgbClr val="6A3E3E"/>
-                </a:solidFill>
-                <a:latin typeface="Consolas" panose="020B0609020204030204" pitchFamily="49" charset="0"/>
-              </a:rPr>
-              <a:t>i</a:t>
-            </a:r>
-            <a:r>
-              <a:rPr lang="nn-NO" altLang="ko-KR" sz="1100" b="1" dirty="0">
-                <a:solidFill>
-                  <a:srgbClr val="000000"/>
-                </a:solidFill>
-                <a:latin typeface="Consolas" panose="020B0609020204030204" pitchFamily="49" charset="0"/>
-              </a:rPr>
-              <a:t>++) {</a:t>
-            </a:r>
-          </a:p>
-          <a:p>
-            <a:pPr lvl="2"/>
-            <a:r>
-              <a:rPr lang="en-US" altLang="ko-KR" sz="1100" b="1" dirty="0">
-                <a:solidFill>
-                  <a:srgbClr val="7F0055"/>
-                </a:solidFill>
-                <a:latin typeface="Consolas" panose="020B0609020204030204" pitchFamily="49" charset="0"/>
-              </a:rPr>
-              <a:t>for</a:t>
-            </a:r>
-            <a:r>
-              <a:rPr lang="en-US" altLang="ko-KR" sz="1100" b="1" dirty="0">
-                <a:solidFill>
-                  <a:srgbClr val="000000"/>
-                </a:solidFill>
-                <a:latin typeface="Consolas" panose="020B0609020204030204" pitchFamily="49" charset="0"/>
-              </a:rPr>
-              <a:t>(</a:t>
-            </a:r>
-            <a:r>
-              <a:rPr lang="en-US" altLang="ko-KR" sz="1100" b="1" dirty="0">
-                <a:solidFill>
-                  <a:srgbClr val="7F0055"/>
-                </a:solidFill>
-                <a:latin typeface="Consolas" panose="020B0609020204030204" pitchFamily="49" charset="0"/>
-              </a:rPr>
-              <a:t>int</a:t>
-            </a:r>
-            <a:r>
-              <a:rPr lang="en-US" altLang="ko-KR" sz="1100" b="1" dirty="0">
-                <a:solidFill>
-                  <a:srgbClr val="000000"/>
-                </a:solidFill>
-                <a:latin typeface="Consolas" panose="020B0609020204030204" pitchFamily="49" charset="0"/>
-              </a:rPr>
-              <a:t> </a:t>
-            </a:r>
-            <a:r>
-              <a:rPr lang="en-US" altLang="ko-KR" sz="1100" b="1" dirty="0">
-                <a:solidFill>
-                  <a:srgbClr val="6A3E3E"/>
-                </a:solidFill>
-                <a:latin typeface="Consolas" panose="020B0609020204030204" pitchFamily="49" charset="0"/>
-              </a:rPr>
-              <a:t>j</a:t>
-            </a:r>
-            <a:r>
-              <a:rPr lang="en-US" altLang="ko-KR" sz="1100" b="1" dirty="0">
-                <a:solidFill>
-                  <a:srgbClr val="000000"/>
-                </a:solidFill>
-                <a:latin typeface="Consolas" panose="020B0609020204030204" pitchFamily="49" charset="0"/>
-              </a:rPr>
-              <a:t>=0; </a:t>
-            </a:r>
-            <a:r>
-              <a:rPr lang="en-US" altLang="ko-KR" sz="1100" b="1" dirty="0">
-                <a:solidFill>
-                  <a:srgbClr val="6A3E3E"/>
-                </a:solidFill>
-                <a:latin typeface="Consolas" panose="020B0609020204030204" pitchFamily="49" charset="0"/>
-              </a:rPr>
-              <a:t>j</a:t>
-            </a:r>
-            <a:r>
-              <a:rPr lang="en-US" altLang="ko-KR" sz="1100" b="1" dirty="0">
-                <a:solidFill>
-                  <a:srgbClr val="000000"/>
-                </a:solidFill>
-                <a:latin typeface="Consolas" panose="020B0609020204030204" pitchFamily="49" charset="0"/>
-              </a:rPr>
-              <a:t>&lt;</a:t>
-            </a:r>
-            <a:r>
-              <a:rPr lang="en-US" altLang="ko-KR" sz="1100" b="1" dirty="0">
-                <a:solidFill>
-                  <a:srgbClr val="6A3E3E"/>
-                </a:solidFill>
-                <a:latin typeface="Consolas" panose="020B0609020204030204" pitchFamily="49" charset="0"/>
-              </a:rPr>
-              <a:t>height</a:t>
-            </a:r>
-            <a:r>
-              <a:rPr lang="en-US" altLang="ko-KR" sz="1100" b="1" dirty="0">
-                <a:solidFill>
-                  <a:srgbClr val="000000"/>
-                </a:solidFill>
-                <a:latin typeface="Consolas" panose="020B0609020204030204" pitchFamily="49" charset="0"/>
-              </a:rPr>
-              <a:t>[</a:t>
-            </a:r>
-            <a:r>
-              <a:rPr lang="en-US" altLang="ko-KR" sz="1100" b="1" dirty="0" err="1">
-                <a:solidFill>
-                  <a:srgbClr val="6A3E3E"/>
-                </a:solidFill>
-                <a:latin typeface="Consolas" panose="020B0609020204030204" pitchFamily="49" charset="0"/>
-              </a:rPr>
-              <a:t>i</a:t>
-            </a:r>
-            <a:r>
-              <a:rPr lang="en-US" altLang="ko-KR" sz="1100" b="1" dirty="0">
-                <a:solidFill>
-                  <a:srgbClr val="000000"/>
-                </a:solidFill>
-                <a:latin typeface="Consolas" panose="020B0609020204030204" pitchFamily="49" charset="0"/>
-              </a:rPr>
-              <a:t>].</a:t>
-            </a:r>
-            <a:r>
-              <a:rPr lang="en-US" altLang="ko-KR" sz="1100" b="1" dirty="0">
-                <a:solidFill>
-                  <a:srgbClr val="0000C0"/>
-                </a:solidFill>
-                <a:latin typeface="Consolas" panose="020B0609020204030204" pitchFamily="49" charset="0"/>
-              </a:rPr>
-              <a:t>length</a:t>
-            </a:r>
-            <a:r>
-              <a:rPr lang="en-US" altLang="ko-KR" sz="1100" b="1" dirty="0">
-                <a:solidFill>
-                  <a:srgbClr val="000000"/>
-                </a:solidFill>
-                <a:latin typeface="Consolas" panose="020B0609020204030204" pitchFamily="49" charset="0"/>
-              </a:rPr>
-              <a:t>; </a:t>
-            </a:r>
-            <a:r>
-              <a:rPr lang="en-US" altLang="ko-KR" sz="1100" b="1" dirty="0" err="1">
-                <a:solidFill>
-                  <a:srgbClr val="6A3E3E"/>
-                </a:solidFill>
-                <a:latin typeface="Consolas" panose="020B0609020204030204" pitchFamily="49" charset="0"/>
-              </a:rPr>
-              <a:t>j</a:t>
-            </a:r>
-            <a:r>
-              <a:rPr lang="en-US" altLang="ko-KR" sz="1100" b="1" dirty="0" err="1">
-                <a:solidFill>
-                  <a:srgbClr val="000000"/>
-                </a:solidFill>
-                <a:latin typeface="Consolas" panose="020B0609020204030204" pitchFamily="49" charset="0"/>
-              </a:rPr>
-              <a:t>++</a:t>
-            </a:r>
-            <a:r>
-              <a:rPr lang="en-US" altLang="ko-KR" sz="1100" b="1" dirty="0">
-                <a:solidFill>
-                  <a:srgbClr val="000000"/>
-                </a:solidFill>
-                <a:latin typeface="Consolas" panose="020B0609020204030204" pitchFamily="49" charset="0"/>
-              </a:rPr>
-              <a:t>) {</a:t>
-            </a:r>
-          </a:p>
-          <a:p>
-            <a:pPr lvl="3"/>
-            <a:r>
-              <a:rPr lang="en-US" altLang="ko-KR" sz="1100" b="1" dirty="0">
-                <a:solidFill>
-                  <a:srgbClr val="7F0055"/>
-                </a:solidFill>
-                <a:latin typeface="Consolas" panose="020B0609020204030204" pitchFamily="49" charset="0"/>
-              </a:rPr>
-              <a:t>int</a:t>
-            </a:r>
-            <a:r>
-              <a:rPr lang="en-US" altLang="ko-KR" sz="1100" b="1" dirty="0">
-                <a:solidFill>
-                  <a:srgbClr val="000000"/>
-                </a:solidFill>
-                <a:latin typeface="Consolas" panose="020B0609020204030204" pitchFamily="49" charset="0"/>
-              </a:rPr>
-              <a:t> </a:t>
-            </a:r>
-            <a:r>
-              <a:rPr lang="en-US" altLang="ko-KR" sz="1100" b="1" dirty="0">
-                <a:solidFill>
-                  <a:srgbClr val="6A3E3E"/>
-                </a:solidFill>
-                <a:latin typeface="Consolas" panose="020B0609020204030204" pitchFamily="49" charset="0"/>
-              </a:rPr>
-              <a:t>left</a:t>
-            </a:r>
-            <a:r>
-              <a:rPr lang="en-US" altLang="ko-KR" sz="1100" b="1" dirty="0">
-                <a:solidFill>
-                  <a:srgbClr val="000000"/>
-                </a:solidFill>
-                <a:latin typeface="Consolas" panose="020B0609020204030204" pitchFamily="49" charset="0"/>
-              </a:rPr>
-              <a:t> = </a:t>
-            </a:r>
-            <a:r>
-              <a:rPr lang="en-US" altLang="ko-KR" sz="1100" b="1" dirty="0">
-                <a:solidFill>
-                  <a:srgbClr val="6A3E3E"/>
-                </a:solidFill>
-                <a:latin typeface="Consolas" panose="020B0609020204030204" pitchFamily="49" charset="0"/>
-              </a:rPr>
-              <a:t>j</a:t>
-            </a:r>
-            <a:r>
-              <a:rPr lang="en-US" altLang="ko-KR" sz="1100" b="1" dirty="0">
-                <a:solidFill>
-                  <a:srgbClr val="000000"/>
-                </a:solidFill>
-                <a:latin typeface="Consolas" panose="020B0609020204030204" pitchFamily="49" charset="0"/>
-              </a:rPr>
-              <a:t>-1;</a:t>
-            </a:r>
-          </a:p>
-          <a:p>
-            <a:pPr lvl="3"/>
-            <a:r>
-              <a:rPr lang="en-US" altLang="ko-KR" sz="1100" b="1" dirty="0">
-                <a:solidFill>
-                  <a:srgbClr val="7F0055"/>
-                </a:solidFill>
-                <a:latin typeface="Consolas" panose="020B0609020204030204" pitchFamily="49" charset="0"/>
-              </a:rPr>
-              <a:t>int</a:t>
-            </a:r>
-            <a:r>
-              <a:rPr lang="en-US" altLang="ko-KR" sz="1100" b="1" dirty="0">
-                <a:solidFill>
-                  <a:srgbClr val="000000"/>
-                </a:solidFill>
-                <a:latin typeface="Consolas" panose="020B0609020204030204" pitchFamily="49" charset="0"/>
-              </a:rPr>
-              <a:t> </a:t>
-            </a:r>
-            <a:r>
-              <a:rPr lang="en-US" altLang="ko-KR" sz="1100" b="1" dirty="0">
-                <a:solidFill>
-                  <a:srgbClr val="6A3E3E"/>
-                </a:solidFill>
-                <a:latin typeface="Consolas" panose="020B0609020204030204" pitchFamily="49" charset="0"/>
-              </a:rPr>
-              <a:t>right</a:t>
-            </a:r>
-            <a:r>
-              <a:rPr lang="en-US" altLang="ko-KR" sz="1100" b="1" dirty="0">
-                <a:solidFill>
-                  <a:srgbClr val="000000"/>
-                </a:solidFill>
-                <a:latin typeface="Consolas" panose="020B0609020204030204" pitchFamily="49" charset="0"/>
-              </a:rPr>
-              <a:t> = </a:t>
-            </a:r>
-            <a:r>
-              <a:rPr lang="en-US" altLang="ko-KR" sz="1100" b="1" dirty="0">
-                <a:solidFill>
-                  <a:srgbClr val="6A3E3E"/>
-                </a:solidFill>
-                <a:latin typeface="Consolas" panose="020B0609020204030204" pitchFamily="49" charset="0"/>
-              </a:rPr>
-              <a:t>j</a:t>
-            </a:r>
-            <a:r>
-              <a:rPr lang="en-US" altLang="ko-KR" sz="1100" b="1" dirty="0">
-                <a:solidFill>
-                  <a:srgbClr val="000000"/>
-                </a:solidFill>
-                <a:latin typeface="Consolas" panose="020B0609020204030204" pitchFamily="49" charset="0"/>
-              </a:rPr>
-              <a:t>+1;</a:t>
-            </a:r>
-          </a:p>
-          <a:p>
-            <a:pPr lvl="3"/>
-            <a:r>
-              <a:rPr lang="en-US" altLang="ko-KR" sz="1100" b="1" dirty="0">
-                <a:solidFill>
-                  <a:srgbClr val="7F0055"/>
-                </a:solidFill>
-                <a:latin typeface="Consolas" panose="020B0609020204030204" pitchFamily="49" charset="0"/>
-              </a:rPr>
-              <a:t>int</a:t>
-            </a:r>
-            <a:r>
-              <a:rPr lang="en-US" altLang="ko-KR" sz="1100" b="1" dirty="0">
-                <a:solidFill>
-                  <a:srgbClr val="000000"/>
-                </a:solidFill>
-                <a:latin typeface="Consolas" panose="020B0609020204030204" pitchFamily="49" charset="0"/>
-              </a:rPr>
-              <a:t> </a:t>
-            </a:r>
-            <a:r>
-              <a:rPr lang="en-US" altLang="ko-KR" sz="1100" b="1" dirty="0">
-                <a:solidFill>
-                  <a:srgbClr val="6A3E3E"/>
-                </a:solidFill>
-                <a:latin typeface="Consolas" panose="020B0609020204030204" pitchFamily="49" charset="0"/>
-              </a:rPr>
-              <a:t>up</a:t>
-            </a:r>
-            <a:r>
-              <a:rPr lang="en-US" altLang="ko-KR" sz="1100" b="1" dirty="0">
-                <a:solidFill>
-                  <a:srgbClr val="000000"/>
-                </a:solidFill>
-                <a:latin typeface="Consolas" panose="020B0609020204030204" pitchFamily="49" charset="0"/>
-              </a:rPr>
-              <a:t> = </a:t>
-            </a:r>
-            <a:r>
-              <a:rPr lang="en-US" altLang="ko-KR" sz="1100" b="1" dirty="0">
-                <a:solidFill>
-                  <a:srgbClr val="6A3E3E"/>
-                </a:solidFill>
-                <a:latin typeface="Consolas" panose="020B0609020204030204" pitchFamily="49" charset="0"/>
-              </a:rPr>
-              <a:t>i</a:t>
-            </a:r>
-            <a:r>
-              <a:rPr lang="en-US" altLang="ko-KR" sz="1100" b="1" dirty="0">
-                <a:solidFill>
-                  <a:srgbClr val="000000"/>
-                </a:solidFill>
-                <a:latin typeface="Consolas" panose="020B0609020204030204" pitchFamily="49" charset="0"/>
-              </a:rPr>
-              <a:t>-1;</a:t>
-            </a:r>
-          </a:p>
-          <a:p>
-            <a:pPr lvl="3"/>
-            <a:r>
-              <a:rPr lang="en-US" altLang="ko-KR" sz="1100" b="1" dirty="0">
-                <a:solidFill>
-                  <a:srgbClr val="7F0055"/>
-                </a:solidFill>
-                <a:latin typeface="Consolas" panose="020B0609020204030204" pitchFamily="49" charset="0"/>
-              </a:rPr>
-              <a:t>int</a:t>
-            </a:r>
-            <a:r>
-              <a:rPr lang="en-US" altLang="ko-KR" sz="1100" b="1" dirty="0">
-                <a:solidFill>
-                  <a:srgbClr val="000000"/>
-                </a:solidFill>
-                <a:latin typeface="Consolas" panose="020B0609020204030204" pitchFamily="49" charset="0"/>
-              </a:rPr>
-              <a:t> </a:t>
-            </a:r>
-            <a:r>
-              <a:rPr lang="en-US" altLang="ko-KR" sz="1100" b="1" dirty="0">
-                <a:solidFill>
-                  <a:srgbClr val="6A3E3E"/>
-                </a:solidFill>
-                <a:latin typeface="Consolas" panose="020B0609020204030204" pitchFamily="49" charset="0"/>
-              </a:rPr>
-              <a:t>down</a:t>
-            </a:r>
-            <a:r>
-              <a:rPr lang="en-US" altLang="ko-KR" sz="1100" b="1" dirty="0">
-                <a:solidFill>
-                  <a:srgbClr val="000000"/>
-                </a:solidFill>
-                <a:latin typeface="Consolas" panose="020B0609020204030204" pitchFamily="49" charset="0"/>
-              </a:rPr>
-              <a:t> = </a:t>
-            </a:r>
-            <a:r>
-              <a:rPr lang="en-US" altLang="ko-KR" sz="1100" b="1" dirty="0">
-                <a:solidFill>
-                  <a:srgbClr val="6A3E3E"/>
-                </a:solidFill>
-                <a:latin typeface="Consolas" panose="020B0609020204030204" pitchFamily="49" charset="0"/>
-              </a:rPr>
-              <a:t>i</a:t>
-            </a:r>
-            <a:r>
-              <a:rPr lang="en-US" altLang="ko-KR" sz="1100" b="1" dirty="0">
-                <a:solidFill>
-                  <a:srgbClr val="000000"/>
-                </a:solidFill>
-                <a:latin typeface="Consolas" panose="020B0609020204030204" pitchFamily="49" charset="0"/>
-              </a:rPr>
-              <a:t>+1;</a:t>
-            </a:r>
-          </a:p>
-          <a:p>
-            <a:pPr lvl="3"/>
-            <a:endParaRPr lang="ko-KR" altLang="en-US" sz="1100" dirty="0">
-              <a:latin typeface="Consolas" panose="020B0609020204030204" pitchFamily="49" charset="0"/>
-            </a:endParaRPr>
-          </a:p>
-          <a:p>
-            <a:pPr lvl="3"/>
-            <a:r>
-              <a:rPr lang="en-US" altLang="ko-KR" sz="1100" b="1" dirty="0" err="1">
-                <a:solidFill>
-                  <a:srgbClr val="7F0055"/>
-                </a:solidFill>
-                <a:latin typeface="Consolas" panose="020B0609020204030204" pitchFamily="49" charset="0"/>
-              </a:rPr>
-              <a:t>boolean</a:t>
-            </a:r>
-            <a:r>
-              <a:rPr lang="en-US" altLang="ko-KR" sz="1100" b="1" dirty="0">
-                <a:solidFill>
-                  <a:srgbClr val="000000"/>
-                </a:solidFill>
-                <a:latin typeface="Consolas" panose="020B0609020204030204" pitchFamily="49" charset="0"/>
-              </a:rPr>
-              <a:t> </a:t>
-            </a:r>
-            <a:r>
-              <a:rPr lang="en-US" altLang="ko-KR" sz="1100" b="1" dirty="0">
-                <a:solidFill>
-                  <a:srgbClr val="6A3E3E"/>
-                </a:solidFill>
-                <a:latin typeface="Consolas" panose="020B0609020204030204" pitchFamily="49" charset="0"/>
-              </a:rPr>
-              <a:t>warning</a:t>
-            </a:r>
-            <a:r>
-              <a:rPr lang="en-US" altLang="ko-KR" sz="1100" b="1" dirty="0">
-                <a:solidFill>
-                  <a:srgbClr val="000000"/>
-                </a:solidFill>
-                <a:latin typeface="Consolas" panose="020B0609020204030204" pitchFamily="49" charset="0"/>
-              </a:rPr>
-              <a:t> = </a:t>
-            </a:r>
-            <a:r>
-              <a:rPr lang="en-US" altLang="ko-KR" sz="1100" b="1" dirty="0">
-                <a:solidFill>
-                  <a:srgbClr val="7F0055"/>
-                </a:solidFill>
-                <a:latin typeface="Consolas" panose="020B0609020204030204" pitchFamily="49" charset="0"/>
-              </a:rPr>
-              <a:t>true</a:t>
-            </a:r>
-            <a:r>
-              <a:rPr lang="en-US" altLang="ko-KR" sz="1100" b="1" dirty="0">
-                <a:solidFill>
-                  <a:srgbClr val="000000"/>
-                </a:solidFill>
-                <a:latin typeface="Consolas" panose="020B0609020204030204" pitchFamily="49" charset="0"/>
-              </a:rPr>
               <a:t>;</a:t>
             </a:r>
           </a:p>
           <a:p>
-            <a:pPr lvl="3"/>
-            <a:r>
-              <a:rPr lang="en-US" altLang="ko-KR" sz="1100" b="1" dirty="0">
-                <a:solidFill>
-                  <a:srgbClr val="7F0055"/>
-                </a:solidFill>
-                <a:latin typeface="Consolas" panose="020B0609020204030204" pitchFamily="49" charset="0"/>
-              </a:rPr>
-              <a:t>int</a:t>
-            </a:r>
-            <a:r>
-              <a:rPr lang="en-US" altLang="ko-KR" sz="1100" b="1" dirty="0">
-                <a:solidFill>
-                  <a:srgbClr val="000000"/>
-                </a:solidFill>
-                <a:latin typeface="Consolas" panose="020B0609020204030204" pitchFamily="49" charset="0"/>
-              </a:rPr>
-              <a:t> </a:t>
-            </a:r>
-            <a:r>
-              <a:rPr lang="en-US" altLang="ko-KR" sz="1100" b="1" dirty="0">
-                <a:solidFill>
-                  <a:srgbClr val="6A3E3E"/>
-                </a:solidFill>
-                <a:latin typeface="Consolas" panose="020B0609020204030204" pitchFamily="49" charset="0"/>
-              </a:rPr>
-              <a:t>current</a:t>
-            </a:r>
-            <a:r>
-              <a:rPr lang="en-US" altLang="ko-KR" sz="1100" b="1" dirty="0">
-                <a:solidFill>
-                  <a:srgbClr val="000000"/>
-                </a:solidFill>
-                <a:latin typeface="Consolas" panose="020B0609020204030204" pitchFamily="49" charset="0"/>
-              </a:rPr>
-              <a:t> = </a:t>
-            </a:r>
-            <a:r>
-              <a:rPr lang="en-US" altLang="ko-KR" sz="1100" b="1" dirty="0">
-                <a:solidFill>
-                  <a:srgbClr val="6A3E3E"/>
-                </a:solidFill>
-                <a:latin typeface="Consolas" panose="020B0609020204030204" pitchFamily="49" charset="0"/>
-              </a:rPr>
-              <a:t>height</a:t>
-            </a:r>
-            <a:r>
-              <a:rPr lang="en-US" altLang="ko-KR" sz="1100" b="1" dirty="0">
-                <a:solidFill>
-                  <a:srgbClr val="000000"/>
-                </a:solidFill>
-                <a:latin typeface="Consolas" panose="020B0609020204030204" pitchFamily="49" charset="0"/>
-              </a:rPr>
-              <a:t>[</a:t>
-            </a:r>
-            <a:r>
-              <a:rPr lang="en-US" altLang="ko-KR" sz="1100" b="1" dirty="0" err="1">
-                <a:solidFill>
-                  <a:srgbClr val="6A3E3E"/>
-                </a:solidFill>
-                <a:latin typeface="Consolas" panose="020B0609020204030204" pitchFamily="49" charset="0"/>
-              </a:rPr>
-              <a:t>i</a:t>
-            </a:r>
-            <a:r>
-              <a:rPr lang="en-US" altLang="ko-KR" sz="1100" b="1" dirty="0">
-                <a:solidFill>
-                  <a:srgbClr val="000000"/>
-                </a:solidFill>
-                <a:latin typeface="Consolas" panose="020B0609020204030204" pitchFamily="49" charset="0"/>
-              </a:rPr>
-              <a:t>][</a:t>
-            </a:r>
-            <a:r>
-              <a:rPr lang="en-US" altLang="ko-KR" sz="1100" b="1" dirty="0">
-                <a:solidFill>
-                  <a:srgbClr val="6A3E3E"/>
-                </a:solidFill>
-                <a:latin typeface="Consolas" panose="020B0609020204030204" pitchFamily="49" charset="0"/>
-              </a:rPr>
-              <a:t>j</a:t>
-            </a:r>
-            <a:r>
-              <a:rPr lang="en-US" altLang="ko-KR" sz="1100" b="1" dirty="0">
-                <a:solidFill>
-                  <a:srgbClr val="000000"/>
-                </a:solidFill>
-                <a:latin typeface="Consolas" panose="020B0609020204030204" pitchFamily="49" charset="0"/>
-              </a:rPr>
-              <a:t>];</a:t>
-            </a:r>
-          </a:p>
-          <a:p>
-            <a:pPr lvl="3"/>
-            <a:r>
-              <a:rPr lang="en-US" altLang="ko-KR" sz="1100" b="1" dirty="0">
-                <a:solidFill>
-                  <a:srgbClr val="7F0055"/>
-                </a:solidFill>
-                <a:latin typeface="Consolas" panose="020B0609020204030204" pitchFamily="49" charset="0"/>
-              </a:rPr>
-              <a:t>if</a:t>
-            </a:r>
-            <a:r>
-              <a:rPr lang="en-US" altLang="ko-KR" sz="1100" b="1" dirty="0">
-                <a:solidFill>
-                  <a:srgbClr val="000000"/>
-                </a:solidFill>
-                <a:latin typeface="Consolas" panose="020B0609020204030204" pitchFamily="49" charset="0"/>
-              </a:rPr>
-              <a:t>(</a:t>
-            </a:r>
-            <a:r>
-              <a:rPr lang="en-US" altLang="ko-KR" sz="1100" b="1" dirty="0">
-                <a:solidFill>
-                  <a:srgbClr val="6A3E3E"/>
-                </a:solidFill>
-                <a:latin typeface="Consolas" panose="020B0609020204030204" pitchFamily="49" charset="0"/>
-              </a:rPr>
-              <a:t>left</a:t>
-            </a:r>
-            <a:r>
-              <a:rPr lang="en-US" altLang="ko-KR" sz="1100" b="1" dirty="0">
-                <a:solidFill>
-                  <a:srgbClr val="000000"/>
-                </a:solidFill>
-                <a:latin typeface="Consolas" panose="020B0609020204030204" pitchFamily="49" charset="0"/>
-              </a:rPr>
-              <a:t> &gt; 0) {</a:t>
-            </a:r>
-          </a:p>
-          <a:p>
-            <a:pPr lvl="4"/>
-            <a:r>
-              <a:rPr lang="en-US" altLang="ko-KR" sz="1100" b="1" dirty="0">
-                <a:solidFill>
-                  <a:srgbClr val="7F0055"/>
-                </a:solidFill>
-                <a:latin typeface="Consolas" panose="020B0609020204030204" pitchFamily="49" charset="0"/>
-              </a:rPr>
-              <a:t>int</a:t>
-            </a:r>
-            <a:r>
-              <a:rPr lang="en-US" altLang="ko-KR" sz="1100" b="1" dirty="0">
-                <a:solidFill>
-                  <a:srgbClr val="000000"/>
-                </a:solidFill>
-                <a:latin typeface="Consolas" panose="020B0609020204030204" pitchFamily="49" charset="0"/>
-              </a:rPr>
-              <a:t> </a:t>
-            </a:r>
-            <a:r>
-              <a:rPr lang="en-US" altLang="ko-KR" sz="1100" b="1" dirty="0" err="1">
-                <a:solidFill>
-                  <a:srgbClr val="6A3E3E"/>
-                </a:solidFill>
-                <a:latin typeface="Consolas" panose="020B0609020204030204" pitchFamily="49" charset="0"/>
-              </a:rPr>
-              <a:t>leftVal</a:t>
-            </a:r>
-            <a:r>
-              <a:rPr lang="en-US" altLang="ko-KR" sz="1100" b="1" dirty="0">
-                <a:solidFill>
-                  <a:srgbClr val="000000"/>
-                </a:solidFill>
-                <a:latin typeface="Consolas" panose="020B0609020204030204" pitchFamily="49" charset="0"/>
-              </a:rPr>
-              <a:t> = </a:t>
-            </a:r>
-            <a:r>
-              <a:rPr lang="en-US" altLang="ko-KR" sz="1100" b="1" dirty="0">
-                <a:solidFill>
-                  <a:srgbClr val="6A3E3E"/>
-                </a:solidFill>
-                <a:latin typeface="Consolas" panose="020B0609020204030204" pitchFamily="49" charset="0"/>
-              </a:rPr>
-              <a:t>height</a:t>
-            </a:r>
-            <a:r>
-              <a:rPr lang="en-US" altLang="ko-KR" sz="1100" b="1" dirty="0">
-                <a:solidFill>
-                  <a:srgbClr val="000000"/>
-                </a:solidFill>
-                <a:latin typeface="Consolas" panose="020B0609020204030204" pitchFamily="49" charset="0"/>
-              </a:rPr>
-              <a:t>[</a:t>
-            </a:r>
-            <a:r>
-              <a:rPr lang="en-US" altLang="ko-KR" sz="1100" b="1" dirty="0" err="1">
-                <a:solidFill>
-                  <a:srgbClr val="6A3E3E"/>
-                </a:solidFill>
-                <a:latin typeface="Consolas" panose="020B0609020204030204" pitchFamily="49" charset="0"/>
-              </a:rPr>
-              <a:t>i</a:t>
-            </a:r>
-            <a:r>
-              <a:rPr lang="en-US" altLang="ko-KR" sz="1100" b="1" dirty="0">
-                <a:solidFill>
-                  <a:srgbClr val="000000"/>
-                </a:solidFill>
-                <a:latin typeface="Consolas" panose="020B0609020204030204" pitchFamily="49" charset="0"/>
-              </a:rPr>
-              <a:t>][</a:t>
-            </a:r>
-            <a:r>
-              <a:rPr lang="en-US" altLang="ko-KR" sz="1100" b="1" dirty="0">
-                <a:solidFill>
-                  <a:srgbClr val="6A3E3E"/>
-                </a:solidFill>
-                <a:latin typeface="Consolas" panose="020B0609020204030204" pitchFamily="49" charset="0"/>
-              </a:rPr>
-              <a:t>left</a:t>
-            </a:r>
-            <a:r>
-              <a:rPr lang="en-US" altLang="ko-KR" sz="1100" b="1" dirty="0">
-                <a:solidFill>
-                  <a:srgbClr val="000000"/>
-                </a:solidFill>
-                <a:latin typeface="Consolas" panose="020B0609020204030204" pitchFamily="49" charset="0"/>
-              </a:rPr>
-              <a:t>];</a:t>
-            </a:r>
-          </a:p>
-          <a:p>
-            <a:pPr lvl="4"/>
             <a:r>
               <a:rPr lang="en-US" altLang="ko-KR" sz="1100" dirty="0">
                 <a:solidFill>
-                  <a:srgbClr val="6A3E3E"/>
-                </a:solidFill>
-                <a:latin typeface="Consolas" panose="020B0609020204030204" pitchFamily="49" charset="0"/>
-              </a:rPr>
-              <a:t>warning</a:t>
-            </a:r>
-            <a:r>
-              <a:rPr lang="en-US" altLang="ko-KR" sz="1100" dirty="0">
-                <a:solidFill>
-                  <a:srgbClr val="000000"/>
-                </a:solidFill>
-                <a:latin typeface="Consolas" panose="020B0609020204030204" pitchFamily="49" charset="0"/>
-              </a:rPr>
-              <a:t> = </a:t>
-            </a:r>
-            <a:r>
-              <a:rPr lang="en-US" altLang="ko-KR" sz="1100" dirty="0">
-                <a:solidFill>
-                  <a:srgbClr val="6A3E3E"/>
-                </a:solidFill>
-                <a:latin typeface="Consolas" panose="020B0609020204030204" pitchFamily="49" charset="0"/>
-              </a:rPr>
-              <a:t>warning</a:t>
-            </a:r>
-            <a:r>
-              <a:rPr lang="en-US" altLang="ko-KR" sz="1100" dirty="0">
-                <a:solidFill>
-                  <a:srgbClr val="000000"/>
-                </a:solidFill>
-                <a:latin typeface="Consolas" panose="020B0609020204030204" pitchFamily="49" charset="0"/>
-              </a:rPr>
-              <a:t> &amp;&amp; (</a:t>
-            </a:r>
-            <a:r>
-              <a:rPr lang="en-US" altLang="ko-KR" sz="1100" dirty="0" err="1">
-                <a:solidFill>
-                  <a:srgbClr val="6A3E3E"/>
-                </a:solidFill>
-                <a:latin typeface="Consolas" panose="020B0609020204030204" pitchFamily="49" charset="0"/>
-              </a:rPr>
-              <a:t>leftVal</a:t>
-            </a:r>
-            <a:r>
-              <a:rPr lang="en-US" altLang="ko-KR" sz="1100" dirty="0">
-                <a:solidFill>
-                  <a:srgbClr val="000000"/>
-                </a:solidFill>
-                <a:latin typeface="Consolas" panose="020B0609020204030204" pitchFamily="49" charset="0"/>
-              </a:rPr>
-              <a:t> &gt;= </a:t>
-            </a:r>
-            <a:r>
-              <a:rPr lang="en-US" altLang="ko-KR" sz="1100" dirty="0">
-                <a:solidFill>
-                  <a:srgbClr val="6A3E3E"/>
-                </a:solidFill>
-                <a:latin typeface="Consolas" panose="020B0609020204030204" pitchFamily="49" charset="0"/>
-              </a:rPr>
-              <a:t>current</a:t>
-            </a:r>
-            <a:r>
-              <a:rPr lang="en-US" altLang="ko-KR" sz="1100" dirty="0">
-                <a:solidFill>
-                  <a:srgbClr val="000000"/>
-                </a:solidFill>
-                <a:latin typeface="Consolas" panose="020B0609020204030204" pitchFamily="49" charset="0"/>
-              </a:rPr>
-              <a:t>);</a:t>
-            </a:r>
-          </a:p>
-          <a:p>
-            <a:pPr lvl="3"/>
-            <a:r>
-              <a:rPr lang="en-US" altLang="ko-KR" sz="1100" dirty="0">
-                <a:solidFill>
                   <a:srgbClr val="000000"/>
                 </a:solidFill>
                 <a:latin typeface="Consolas" panose="020B0609020204030204" pitchFamily="49" charset="0"/>
               </a:rPr>
               <a:t>}</a:t>
             </a:r>
-          </a:p>
-          <a:p>
-            <a:pPr lvl="3"/>
-            <a:r>
-              <a:rPr lang="en-US" altLang="ko-KR" sz="1100" b="1" dirty="0">
-                <a:solidFill>
-                  <a:srgbClr val="7F0055"/>
-                </a:solidFill>
-                <a:latin typeface="Consolas" panose="020B0609020204030204" pitchFamily="49" charset="0"/>
-              </a:rPr>
-              <a:t>if</a:t>
-            </a:r>
-            <a:r>
-              <a:rPr lang="en-US" altLang="ko-KR" sz="1100" b="1" dirty="0">
-                <a:solidFill>
-                  <a:srgbClr val="000000"/>
-                </a:solidFill>
-                <a:latin typeface="Consolas" panose="020B0609020204030204" pitchFamily="49" charset="0"/>
-              </a:rPr>
-              <a:t>(</a:t>
-            </a:r>
-            <a:r>
-              <a:rPr lang="en-US" altLang="ko-KR" sz="1100" b="1" dirty="0">
-                <a:solidFill>
-                  <a:srgbClr val="6A3E3E"/>
-                </a:solidFill>
-                <a:latin typeface="Consolas" panose="020B0609020204030204" pitchFamily="49" charset="0"/>
-              </a:rPr>
-              <a:t>right</a:t>
-            </a:r>
-            <a:r>
-              <a:rPr lang="en-US" altLang="ko-KR" sz="1100" b="1" dirty="0">
-                <a:solidFill>
-                  <a:srgbClr val="000000"/>
-                </a:solidFill>
-                <a:latin typeface="Consolas" panose="020B0609020204030204" pitchFamily="49" charset="0"/>
-              </a:rPr>
-              <a:t> &lt; 4) {</a:t>
-            </a:r>
-          </a:p>
-          <a:p>
-            <a:pPr lvl="4"/>
-            <a:r>
-              <a:rPr lang="en-US" altLang="ko-KR" sz="1100" b="1" dirty="0">
-                <a:solidFill>
-                  <a:srgbClr val="7F0055"/>
-                </a:solidFill>
-                <a:latin typeface="Consolas" panose="020B0609020204030204" pitchFamily="49" charset="0"/>
-              </a:rPr>
-              <a:t>int</a:t>
-            </a:r>
-            <a:r>
-              <a:rPr lang="en-US" altLang="ko-KR" sz="1100" b="1" dirty="0">
-                <a:solidFill>
-                  <a:srgbClr val="000000"/>
-                </a:solidFill>
-                <a:latin typeface="Consolas" panose="020B0609020204030204" pitchFamily="49" charset="0"/>
-              </a:rPr>
-              <a:t> </a:t>
-            </a:r>
-            <a:r>
-              <a:rPr lang="en-US" altLang="ko-KR" sz="1100" b="1" dirty="0" err="1">
-                <a:solidFill>
-                  <a:srgbClr val="6A3E3E"/>
-                </a:solidFill>
-                <a:latin typeface="Consolas" panose="020B0609020204030204" pitchFamily="49" charset="0"/>
-              </a:rPr>
-              <a:t>rightVal</a:t>
-            </a:r>
-            <a:r>
-              <a:rPr lang="en-US" altLang="ko-KR" sz="1100" b="1" dirty="0">
-                <a:solidFill>
-                  <a:srgbClr val="000000"/>
-                </a:solidFill>
-                <a:latin typeface="Consolas" panose="020B0609020204030204" pitchFamily="49" charset="0"/>
-              </a:rPr>
-              <a:t> = </a:t>
-            </a:r>
-            <a:r>
-              <a:rPr lang="en-US" altLang="ko-KR" sz="1100" b="1" dirty="0">
-                <a:solidFill>
-                  <a:srgbClr val="6A3E3E"/>
-                </a:solidFill>
-                <a:latin typeface="Consolas" panose="020B0609020204030204" pitchFamily="49" charset="0"/>
-              </a:rPr>
-              <a:t>height</a:t>
-            </a:r>
-            <a:r>
-              <a:rPr lang="en-US" altLang="ko-KR" sz="1100" b="1" dirty="0">
-                <a:solidFill>
-                  <a:srgbClr val="000000"/>
-                </a:solidFill>
-                <a:latin typeface="Consolas" panose="020B0609020204030204" pitchFamily="49" charset="0"/>
-              </a:rPr>
-              <a:t>[</a:t>
-            </a:r>
-            <a:r>
-              <a:rPr lang="en-US" altLang="ko-KR" sz="1100" b="1" dirty="0" err="1">
-                <a:solidFill>
-                  <a:srgbClr val="6A3E3E"/>
-                </a:solidFill>
-                <a:latin typeface="Consolas" panose="020B0609020204030204" pitchFamily="49" charset="0"/>
-              </a:rPr>
-              <a:t>i</a:t>
-            </a:r>
-            <a:r>
-              <a:rPr lang="en-US" altLang="ko-KR" sz="1100" b="1" dirty="0">
-                <a:solidFill>
-                  <a:srgbClr val="000000"/>
-                </a:solidFill>
-                <a:latin typeface="Consolas" panose="020B0609020204030204" pitchFamily="49" charset="0"/>
-              </a:rPr>
-              <a:t>][</a:t>
-            </a:r>
-            <a:r>
-              <a:rPr lang="en-US" altLang="ko-KR" sz="1100" b="1" dirty="0">
-                <a:solidFill>
-                  <a:srgbClr val="6A3E3E"/>
-                </a:solidFill>
-                <a:latin typeface="Consolas" panose="020B0609020204030204" pitchFamily="49" charset="0"/>
-              </a:rPr>
-              <a:t>right</a:t>
-            </a:r>
-            <a:r>
-              <a:rPr lang="en-US" altLang="ko-KR" sz="1100" b="1" dirty="0">
-                <a:solidFill>
-                  <a:srgbClr val="000000"/>
-                </a:solidFill>
-                <a:latin typeface="Consolas" panose="020B0609020204030204" pitchFamily="49" charset="0"/>
-              </a:rPr>
-              <a:t>];</a:t>
-            </a:r>
-          </a:p>
-          <a:p>
-            <a:pPr lvl="4"/>
-            <a:r>
-              <a:rPr lang="en-US" altLang="ko-KR" sz="1100" dirty="0">
-                <a:solidFill>
-                  <a:srgbClr val="6A3E3E"/>
-                </a:solidFill>
-                <a:latin typeface="Consolas" panose="020B0609020204030204" pitchFamily="49" charset="0"/>
-              </a:rPr>
-              <a:t>warning</a:t>
-            </a:r>
-            <a:r>
-              <a:rPr lang="en-US" altLang="ko-KR" sz="1100" dirty="0">
-                <a:solidFill>
-                  <a:srgbClr val="000000"/>
-                </a:solidFill>
-                <a:latin typeface="Consolas" panose="020B0609020204030204" pitchFamily="49" charset="0"/>
-              </a:rPr>
-              <a:t> = </a:t>
-            </a:r>
-            <a:r>
-              <a:rPr lang="en-US" altLang="ko-KR" sz="1100" dirty="0">
-                <a:solidFill>
-                  <a:srgbClr val="6A3E3E"/>
-                </a:solidFill>
-                <a:latin typeface="Consolas" panose="020B0609020204030204" pitchFamily="49" charset="0"/>
-              </a:rPr>
-              <a:t>warning</a:t>
-            </a:r>
-            <a:r>
-              <a:rPr lang="en-US" altLang="ko-KR" sz="1100" dirty="0">
-                <a:solidFill>
-                  <a:srgbClr val="000000"/>
-                </a:solidFill>
-                <a:latin typeface="Consolas" panose="020B0609020204030204" pitchFamily="49" charset="0"/>
-              </a:rPr>
-              <a:t> &amp;&amp; (</a:t>
-            </a:r>
-            <a:r>
-              <a:rPr lang="en-US" altLang="ko-KR" sz="1100" dirty="0" err="1">
-                <a:solidFill>
-                  <a:srgbClr val="6A3E3E"/>
-                </a:solidFill>
-                <a:latin typeface="Consolas" panose="020B0609020204030204" pitchFamily="49" charset="0"/>
-              </a:rPr>
-              <a:t>rightVal</a:t>
-            </a:r>
-            <a:r>
-              <a:rPr lang="en-US" altLang="ko-KR" sz="1100" dirty="0">
-                <a:solidFill>
-                  <a:srgbClr val="000000"/>
-                </a:solidFill>
-                <a:latin typeface="Consolas" panose="020B0609020204030204" pitchFamily="49" charset="0"/>
-              </a:rPr>
-              <a:t> &gt;= </a:t>
-            </a:r>
-            <a:r>
-              <a:rPr lang="en-US" altLang="ko-KR" sz="1100" dirty="0">
-                <a:solidFill>
-                  <a:srgbClr val="6A3E3E"/>
-                </a:solidFill>
-                <a:latin typeface="Consolas" panose="020B0609020204030204" pitchFamily="49" charset="0"/>
-              </a:rPr>
-              <a:t>current</a:t>
-            </a:r>
-            <a:r>
-              <a:rPr lang="en-US" altLang="ko-KR" sz="1100" dirty="0">
-                <a:solidFill>
-                  <a:srgbClr val="000000"/>
-                </a:solidFill>
-                <a:latin typeface="Consolas" panose="020B0609020204030204" pitchFamily="49" charset="0"/>
-              </a:rPr>
-              <a:t>);</a:t>
-            </a:r>
-          </a:p>
-          <a:p>
-            <a:pPr lvl="3"/>
-            <a:r>
-              <a:rPr lang="en-US" altLang="ko-KR" sz="1100" dirty="0">
-                <a:solidFill>
-                  <a:srgbClr val="000000"/>
-                </a:solidFill>
-                <a:latin typeface="Consolas" panose="020B0609020204030204" pitchFamily="49" charset="0"/>
-              </a:rPr>
-              <a:t>}</a:t>
-            </a:r>
-          </a:p>
-          <a:p>
-            <a:pPr lvl="3"/>
-            <a:r>
-              <a:rPr lang="en-US" altLang="ko-KR" sz="1100" b="1" dirty="0">
-                <a:solidFill>
-                  <a:srgbClr val="7F0055"/>
-                </a:solidFill>
-                <a:latin typeface="Consolas" panose="020B0609020204030204" pitchFamily="49" charset="0"/>
-              </a:rPr>
-              <a:t>if</a:t>
-            </a:r>
-            <a:r>
-              <a:rPr lang="en-US" altLang="ko-KR" sz="1100" b="1" dirty="0">
-                <a:solidFill>
-                  <a:srgbClr val="000000"/>
-                </a:solidFill>
-                <a:latin typeface="Consolas" panose="020B0609020204030204" pitchFamily="49" charset="0"/>
-              </a:rPr>
-              <a:t>(</a:t>
-            </a:r>
-            <a:r>
-              <a:rPr lang="en-US" altLang="ko-KR" sz="1100" b="1" dirty="0">
-                <a:solidFill>
-                  <a:srgbClr val="6A3E3E"/>
-                </a:solidFill>
-                <a:latin typeface="Consolas" panose="020B0609020204030204" pitchFamily="49" charset="0"/>
-              </a:rPr>
-              <a:t>up</a:t>
-            </a:r>
-            <a:r>
-              <a:rPr lang="en-US" altLang="ko-KR" sz="1100" b="1" dirty="0">
-                <a:solidFill>
-                  <a:srgbClr val="000000"/>
-                </a:solidFill>
-                <a:latin typeface="Consolas" panose="020B0609020204030204" pitchFamily="49" charset="0"/>
-              </a:rPr>
-              <a:t> &gt; 0) {</a:t>
-            </a:r>
-          </a:p>
-          <a:p>
-            <a:pPr lvl="4"/>
-            <a:r>
-              <a:rPr lang="en-US" altLang="ko-KR" sz="1100" b="1" dirty="0">
-                <a:solidFill>
-                  <a:srgbClr val="7F0055"/>
-                </a:solidFill>
-                <a:latin typeface="Consolas" panose="020B0609020204030204" pitchFamily="49" charset="0"/>
-              </a:rPr>
-              <a:t>int</a:t>
-            </a:r>
-            <a:r>
-              <a:rPr lang="en-US" altLang="ko-KR" sz="1100" b="1" dirty="0">
-                <a:solidFill>
-                  <a:srgbClr val="000000"/>
-                </a:solidFill>
-                <a:latin typeface="Consolas" panose="020B0609020204030204" pitchFamily="49" charset="0"/>
-              </a:rPr>
-              <a:t> </a:t>
-            </a:r>
-            <a:r>
-              <a:rPr lang="en-US" altLang="ko-KR" sz="1100" b="1" dirty="0" err="1">
-                <a:solidFill>
-                  <a:srgbClr val="6A3E3E"/>
-                </a:solidFill>
-                <a:latin typeface="Consolas" panose="020B0609020204030204" pitchFamily="49" charset="0"/>
-              </a:rPr>
-              <a:t>upVal</a:t>
-            </a:r>
-            <a:r>
-              <a:rPr lang="en-US" altLang="ko-KR" sz="1100" b="1" dirty="0">
-                <a:solidFill>
-                  <a:srgbClr val="000000"/>
-                </a:solidFill>
-                <a:latin typeface="Consolas" panose="020B0609020204030204" pitchFamily="49" charset="0"/>
-              </a:rPr>
-              <a:t> = </a:t>
-            </a:r>
-            <a:r>
-              <a:rPr lang="en-US" altLang="ko-KR" sz="1100" b="1" dirty="0">
-                <a:solidFill>
-                  <a:srgbClr val="6A3E3E"/>
-                </a:solidFill>
-                <a:latin typeface="Consolas" panose="020B0609020204030204" pitchFamily="49" charset="0"/>
-              </a:rPr>
-              <a:t>height</a:t>
-            </a:r>
-            <a:r>
-              <a:rPr lang="en-US" altLang="ko-KR" sz="1100" b="1" dirty="0">
-                <a:solidFill>
-                  <a:srgbClr val="000000"/>
-                </a:solidFill>
-                <a:latin typeface="Consolas" panose="020B0609020204030204" pitchFamily="49" charset="0"/>
-              </a:rPr>
-              <a:t>[</a:t>
-            </a:r>
-            <a:r>
-              <a:rPr lang="en-US" altLang="ko-KR" sz="1100" b="1" dirty="0">
-                <a:solidFill>
-                  <a:srgbClr val="6A3E3E"/>
-                </a:solidFill>
-                <a:latin typeface="Consolas" panose="020B0609020204030204" pitchFamily="49" charset="0"/>
-              </a:rPr>
-              <a:t>up</a:t>
-            </a:r>
-            <a:r>
-              <a:rPr lang="en-US" altLang="ko-KR" sz="1100" b="1" dirty="0">
-                <a:solidFill>
-                  <a:srgbClr val="000000"/>
-                </a:solidFill>
-                <a:latin typeface="Consolas" panose="020B0609020204030204" pitchFamily="49" charset="0"/>
-              </a:rPr>
-              <a:t>][</a:t>
-            </a:r>
-            <a:r>
-              <a:rPr lang="en-US" altLang="ko-KR" sz="1100" b="1" dirty="0">
-                <a:solidFill>
-                  <a:srgbClr val="6A3E3E"/>
-                </a:solidFill>
-                <a:latin typeface="Consolas" panose="020B0609020204030204" pitchFamily="49" charset="0"/>
-              </a:rPr>
-              <a:t>j</a:t>
-            </a:r>
-            <a:r>
-              <a:rPr lang="en-US" altLang="ko-KR" sz="1100" b="1" dirty="0">
-                <a:solidFill>
-                  <a:srgbClr val="000000"/>
-                </a:solidFill>
-                <a:latin typeface="Consolas" panose="020B0609020204030204" pitchFamily="49" charset="0"/>
-              </a:rPr>
-              <a:t>];</a:t>
-            </a:r>
-          </a:p>
-          <a:p>
-            <a:pPr lvl="4"/>
-            <a:r>
-              <a:rPr lang="en-US" altLang="ko-KR" sz="1100" dirty="0">
-                <a:solidFill>
-                  <a:srgbClr val="6A3E3E"/>
-                </a:solidFill>
-                <a:latin typeface="Consolas" panose="020B0609020204030204" pitchFamily="49" charset="0"/>
-              </a:rPr>
-              <a:t>warning</a:t>
-            </a:r>
-            <a:r>
-              <a:rPr lang="en-US" altLang="ko-KR" sz="1100" dirty="0">
-                <a:solidFill>
-                  <a:srgbClr val="000000"/>
-                </a:solidFill>
-                <a:latin typeface="Consolas" panose="020B0609020204030204" pitchFamily="49" charset="0"/>
-              </a:rPr>
-              <a:t> = </a:t>
-            </a:r>
-            <a:r>
-              <a:rPr lang="en-US" altLang="ko-KR" sz="1100" dirty="0">
-                <a:solidFill>
-                  <a:srgbClr val="6A3E3E"/>
-                </a:solidFill>
-                <a:latin typeface="Consolas" panose="020B0609020204030204" pitchFamily="49" charset="0"/>
-              </a:rPr>
-              <a:t>warning</a:t>
-            </a:r>
-            <a:r>
-              <a:rPr lang="en-US" altLang="ko-KR" sz="1100" dirty="0">
-                <a:solidFill>
-                  <a:srgbClr val="000000"/>
-                </a:solidFill>
-                <a:latin typeface="Consolas" panose="020B0609020204030204" pitchFamily="49" charset="0"/>
-              </a:rPr>
-              <a:t> &amp;&amp; (</a:t>
-            </a:r>
-            <a:r>
-              <a:rPr lang="en-US" altLang="ko-KR" sz="1100" dirty="0" err="1">
-                <a:solidFill>
-                  <a:srgbClr val="6A3E3E"/>
-                </a:solidFill>
-                <a:latin typeface="Consolas" panose="020B0609020204030204" pitchFamily="49" charset="0"/>
-              </a:rPr>
-              <a:t>upVal</a:t>
-            </a:r>
-            <a:r>
-              <a:rPr lang="en-US" altLang="ko-KR" sz="1100" dirty="0">
-                <a:solidFill>
-                  <a:srgbClr val="000000"/>
-                </a:solidFill>
-                <a:latin typeface="Consolas" panose="020B0609020204030204" pitchFamily="49" charset="0"/>
-              </a:rPr>
-              <a:t> &gt;= </a:t>
-            </a:r>
-            <a:r>
-              <a:rPr lang="en-US" altLang="ko-KR" sz="1100" dirty="0">
-                <a:solidFill>
-                  <a:srgbClr val="6A3E3E"/>
-                </a:solidFill>
-                <a:latin typeface="Consolas" panose="020B0609020204030204" pitchFamily="49" charset="0"/>
-              </a:rPr>
-              <a:t>current</a:t>
-            </a:r>
-            <a:r>
-              <a:rPr lang="en-US" altLang="ko-KR" sz="1100" dirty="0">
-                <a:solidFill>
-                  <a:srgbClr val="000000"/>
-                </a:solidFill>
-                <a:latin typeface="Consolas" panose="020B0609020204030204" pitchFamily="49" charset="0"/>
-              </a:rPr>
-              <a:t>);</a:t>
-            </a:r>
-          </a:p>
-          <a:p>
-            <a:pPr lvl="3"/>
-            <a:r>
-              <a:rPr lang="en-US" altLang="ko-KR" sz="1100" dirty="0">
-                <a:solidFill>
-                  <a:srgbClr val="000000"/>
-                </a:solidFill>
-                <a:latin typeface="Consolas" panose="020B0609020204030204" pitchFamily="49" charset="0"/>
-              </a:rPr>
-              <a:t>}</a:t>
-            </a:r>
-          </a:p>
-          <a:p>
-            <a:pPr lvl="3"/>
-            <a:r>
-              <a:rPr lang="en-US" altLang="ko-KR" sz="1100" b="1" dirty="0">
-                <a:solidFill>
-                  <a:srgbClr val="7F0055"/>
-                </a:solidFill>
-                <a:latin typeface="Consolas" panose="020B0609020204030204" pitchFamily="49" charset="0"/>
-              </a:rPr>
-              <a:t>if</a:t>
-            </a:r>
-            <a:r>
-              <a:rPr lang="en-US" altLang="ko-KR" sz="1100" b="1" dirty="0">
-                <a:solidFill>
-                  <a:srgbClr val="000000"/>
-                </a:solidFill>
-                <a:latin typeface="Consolas" panose="020B0609020204030204" pitchFamily="49" charset="0"/>
-              </a:rPr>
-              <a:t>(</a:t>
-            </a:r>
-            <a:r>
-              <a:rPr lang="en-US" altLang="ko-KR" sz="1100" b="1" dirty="0">
-                <a:solidFill>
-                  <a:srgbClr val="6A3E3E"/>
-                </a:solidFill>
-                <a:latin typeface="Consolas" panose="020B0609020204030204" pitchFamily="49" charset="0"/>
-              </a:rPr>
-              <a:t>down</a:t>
-            </a:r>
-            <a:r>
-              <a:rPr lang="en-US" altLang="ko-KR" sz="1100" b="1" dirty="0">
-                <a:solidFill>
-                  <a:srgbClr val="000000"/>
-                </a:solidFill>
-                <a:latin typeface="Consolas" panose="020B0609020204030204" pitchFamily="49" charset="0"/>
-              </a:rPr>
-              <a:t> &lt; 4) {</a:t>
-            </a:r>
-          </a:p>
-          <a:p>
-            <a:pPr lvl="4"/>
-            <a:r>
-              <a:rPr lang="en-US" altLang="ko-KR" sz="1100" b="1" dirty="0">
-                <a:solidFill>
-                  <a:srgbClr val="7F0055"/>
-                </a:solidFill>
-                <a:latin typeface="Consolas" panose="020B0609020204030204" pitchFamily="49" charset="0"/>
-              </a:rPr>
-              <a:t>int</a:t>
-            </a:r>
-            <a:r>
-              <a:rPr lang="en-US" altLang="ko-KR" sz="1100" b="1" dirty="0">
-                <a:solidFill>
-                  <a:srgbClr val="000000"/>
-                </a:solidFill>
-                <a:latin typeface="Consolas" panose="020B0609020204030204" pitchFamily="49" charset="0"/>
-              </a:rPr>
-              <a:t> </a:t>
-            </a:r>
-            <a:r>
-              <a:rPr lang="en-US" altLang="ko-KR" sz="1100" b="1" dirty="0" err="1">
-                <a:solidFill>
-                  <a:srgbClr val="6A3E3E"/>
-                </a:solidFill>
-                <a:latin typeface="Consolas" panose="020B0609020204030204" pitchFamily="49" charset="0"/>
-              </a:rPr>
-              <a:t>downVal</a:t>
-            </a:r>
-            <a:r>
-              <a:rPr lang="en-US" altLang="ko-KR" sz="1100" b="1" dirty="0">
-                <a:solidFill>
-                  <a:srgbClr val="000000"/>
-                </a:solidFill>
-                <a:latin typeface="Consolas" panose="020B0609020204030204" pitchFamily="49" charset="0"/>
-              </a:rPr>
-              <a:t> = </a:t>
-            </a:r>
-            <a:r>
-              <a:rPr lang="en-US" altLang="ko-KR" sz="1100" b="1" dirty="0">
-                <a:solidFill>
-                  <a:srgbClr val="6A3E3E"/>
-                </a:solidFill>
-                <a:latin typeface="Consolas" panose="020B0609020204030204" pitchFamily="49" charset="0"/>
-              </a:rPr>
-              <a:t>height</a:t>
-            </a:r>
-            <a:r>
-              <a:rPr lang="en-US" altLang="ko-KR" sz="1100" b="1" dirty="0">
-                <a:solidFill>
-                  <a:srgbClr val="000000"/>
-                </a:solidFill>
-                <a:latin typeface="Consolas" panose="020B0609020204030204" pitchFamily="49" charset="0"/>
-              </a:rPr>
-              <a:t>[</a:t>
-            </a:r>
-            <a:r>
-              <a:rPr lang="en-US" altLang="ko-KR" sz="1100" b="1" dirty="0">
-                <a:solidFill>
-                  <a:srgbClr val="6A3E3E"/>
-                </a:solidFill>
-                <a:latin typeface="Consolas" panose="020B0609020204030204" pitchFamily="49" charset="0"/>
-              </a:rPr>
-              <a:t>down</a:t>
-            </a:r>
-            <a:r>
-              <a:rPr lang="en-US" altLang="ko-KR" sz="1100" b="1" dirty="0">
-                <a:solidFill>
-                  <a:srgbClr val="000000"/>
-                </a:solidFill>
-                <a:latin typeface="Consolas" panose="020B0609020204030204" pitchFamily="49" charset="0"/>
-              </a:rPr>
-              <a:t>][</a:t>
-            </a:r>
-            <a:r>
-              <a:rPr lang="en-US" altLang="ko-KR" sz="1100" b="1" dirty="0">
-                <a:solidFill>
-                  <a:srgbClr val="6A3E3E"/>
-                </a:solidFill>
-                <a:latin typeface="Consolas" panose="020B0609020204030204" pitchFamily="49" charset="0"/>
-              </a:rPr>
-              <a:t>j</a:t>
-            </a:r>
-            <a:r>
-              <a:rPr lang="en-US" altLang="ko-KR" sz="1100" b="1" dirty="0">
-                <a:solidFill>
-                  <a:srgbClr val="000000"/>
-                </a:solidFill>
-                <a:latin typeface="Consolas" panose="020B0609020204030204" pitchFamily="49" charset="0"/>
-              </a:rPr>
-              <a:t>];</a:t>
-            </a:r>
-          </a:p>
-          <a:p>
-            <a:pPr lvl="4"/>
-            <a:r>
-              <a:rPr lang="en-US" altLang="ko-KR" sz="1100" dirty="0">
-                <a:solidFill>
-                  <a:srgbClr val="6A3E3E"/>
-                </a:solidFill>
-                <a:latin typeface="Consolas" panose="020B0609020204030204" pitchFamily="49" charset="0"/>
-              </a:rPr>
-              <a:t>warning</a:t>
-            </a:r>
-            <a:r>
-              <a:rPr lang="en-US" altLang="ko-KR" sz="1100" dirty="0">
-                <a:solidFill>
-                  <a:srgbClr val="000000"/>
-                </a:solidFill>
-                <a:latin typeface="Consolas" panose="020B0609020204030204" pitchFamily="49" charset="0"/>
-              </a:rPr>
-              <a:t> = </a:t>
-            </a:r>
-            <a:r>
-              <a:rPr lang="en-US" altLang="ko-KR" sz="1100" dirty="0">
-                <a:solidFill>
-                  <a:srgbClr val="6A3E3E"/>
-                </a:solidFill>
-                <a:latin typeface="Consolas" panose="020B0609020204030204" pitchFamily="49" charset="0"/>
-              </a:rPr>
-              <a:t>warning</a:t>
-            </a:r>
-            <a:r>
-              <a:rPr lang="en-US" altLang="ko-KR" sz="1100" dirty="0">
-                <a:solidFill>
-                  <a:srgbClr val="000000"/>
-                </a:solidFill>
-                <a:latin typeface="Consolas" panose="020B0609020204030204" pitchFamily="49" charset="0"/>
-              </a:rPr>
-              <a:t> &amp;&amp; (</a:t>
-            </a:r>
-            <a:r>
-              <a:rPr lang="en-US" altLang="ko-KR" sz="1100" dirty="0" err="1">
-                <a:solidFill>
-                  <a:srgbClr val="6A3E3E"/>
-                </a:solidFill>
-                <a:latin typeface="Consolas" panose="020B0609020204030204" pitchFamily="49" charset="0"/>
-              </a:rPr>
-              <a:t>downVal</a:t>
-            </a:r>
-            <a:r>
-              <a:rPr lang="en-US" altLang="ko-KR" sz="1100" dirty="0">
-                <a:solidFill>
-                  <a:srgbClr val="000000"/>
-                </a:solidFill>
-                <a:latin typeface="Consolas" panose="020B0609020204030204" pitchFamily="49" charset="0"/>
-              </a:rPr>
-              <a:t> &gt;= </a:t>
-            </a:r>
-            <a:r>
-              <a:rPr lang="en-US" altLang="ko-KR" sz="1100" dirty="0">
-                <a:solidFill>
-                  <a:srgbClr val="6A3E3E"/>
-                </a:solidFill>
-                <a:latin typeface="Consolas" panose="020B0609020204030204" pitchFamily="49" charset="0"/>
-              </a:rPr>
-              <a:t>current</a:t>
-            </a:r>
-            <a:r>
-              <a:rPr lang="en-US" altLang="ko-KR" sz="1100" dirty="0">
-                <a:solidFill>
-                  <a:srgbClr val="000000"/>
-                </a:solidFill>
-                <a:latin typeface="Consolas" panose="020B0609020204030204" pitchFamily="49" charset="0"/>
-              </a:rPr>
-              <a:t>);</a:t>
-            </a:r>
-          </a:p>
-          <a:p>
-            <a:pPr lvl="3"/>
-            <a:r>
-              <a:rPr lang="en-US" altLang="ko-KR" sz="1100" dirty="0">
-                <a:solidFill>
-                  <a:srgbClr val="000000"/>
-                </a:solidFill>
-                <a:latin typeface="Consolas" panose="020B0609020204030204" pitchFamily="49" charset="0"/>
-              </a:rPr>
-              <a:t>}</a:t>
-            </a:r>
-          </a:p>
-          <a:p>
-            <a:pPr lvl="3"/>
-            <a:r>
-              <a:rPr lang="en-US" altLang="ko-KR" sz="1100" b="1" dirty="0">
-                <a:solidFill>
-                  <a:srgbClr val="7F0055"/>
-                </a:solidFill>
-                <a:latin typeface="Consolas" panose="020B0609020204030204" pitchFamily="49" charset="0"/>
-              </a:rPr>
-              <a:t>if</a:t>
-            </a:r>
-            <a:r>
-              <a:rPr lang="en-US" altLang="ko-KR" sz="1100" b="1" dirty="0">
-                <a:solidFill>
-                  <a:srgbClr val="000000"/>
-                </a:solidFill>
-                <a:latin typeface="Consolas" panose="020B0609020204030204" pitchFamily="49" charset="0"/>
-              </a:rPr>
-              <a:t>(</a:t>
-            </a:r>
-            <a:r>
-              <a:rPr lang="en-US" altLang="ko-KR" sz="1100" b="1" dirty="0">
-                <a:solidFill>
-                  <a:srgbClr val="6A3E3E"/>
-                </a:solidFill>
-                <a:latin typeface="Consolas" panose="020B0609020204030204" pitchFamily="49" charset="0"/>
-              </a:rPr>
-              <a:t>warning</a:t>
-            </a:r>
-            <a:r>
-              <a:rPr lang="en-US" altLang="ko-KR" sz="1100" b="1" dirty="0">
-                <a:solidFill>
-                  <a:srgbClr val="000000"/>
-                </a:solidFill>
-                <a:latin typeface="Consolas" panose="020B0609020204030204" pitchFamily="49" charset="0"/>
-              </a:rPr>
-              <a:t>) {</a:t>
-            </a:r>
-          </a:p>
-          <a:p>
-            <a:pPr lvl="4"/>
-            <a:r>
-              <a:rPr lang="en-US" altLang="ko-KR" sz="1100" dirty="0" err="1">
-                <a:solidFill>
-                  <a:srgbClr val="000000"/>
-                </a:solidFill>
-                <a:latin typeface="Consolas" panose="020B0609020204030204" pitchFamily="49" charset="0"/>
-              </a:rPr>
-              <a:t>System.</a:t>
-            </a:r>
-            <a:r>
-              <a:rPr lang="en-US" altLang="ko-KR" sz="1100" b="1" i="1" dirty="0" err="1">
-                <a:solidFill>
-                  <a:srgbClr val="0000C0"/>
-                </a:solidFill>
-                <a:latin typeface="Consolas" panose="020B0609020204030204" pitchFamily="49" charset="0"/>
-              </a:rPr>
-              <a:t>out</a:t>
-            </a:r>
-            <a:r>
-              <a:rPr lang="en-US" altLang="ko-KR" sz="1100" b="1" i="1" dirty="0" err="1">
-                <a:solidFill>
-                  <a:srgbClr val="000000"/>
-                </a:solidFill>
-                <a:latin typeface="Consolas" panose="020B0609020204030204" pitchFamily="49" charset="0"/>
-              </a:rPr>
-              <a:t>.printf</a:t>
-            </a:r>
-            <a:r>
-              <a:rPr lang="en-US" altLang="ko-KR" sz="1100" b="1" i="1" dirty="0">
-                <a:solidFill>
-                  <a:srgbClr val="000000"/>
-                </a:solidFill>
-                <a:latin typeface="Consolas" panose="020B0609020204030204" pitchFamily="49" charset="0"/>
-              </a:rPr>
-              <a:t>(</a:t>
-            </a:r>
-            <a:r>
-              <a:rPr lang="en-US" altLang="ko-KR" sz="1100" b="1" i="1" dirty="0">
-                <a:solidFill>
-                  <a:srgbClr val="2A00FF"/>
-                </a:solidFill>
-                <a:latin typeface="Consolas" panose="020B0609020204030204" pitchFamily="49" charset="0"/>
-              </a:rPr>
-              <a:t>"i:%d, j:%d, warning: %b\n"</a:t>
-            </a:r>
-            <a:r>
-              <a:rPr lang="en-US" altLang="ko-KR" sz="1100" b="1" i="1" dirty="0">
-                <a:solidFill>
-                  <a:srgbClr val="000000"/>
-                </a:solidFill>
-                <a:latin typeface="Consolas" panose="020B0609020204030204" pitchFamily="49" charset="0"/>
-              </a:rPr>
-              <a:t>,</a:t>
-            </a:r>
-            <a:r>
-              <a:rPr lang="en-US" altLang="ko-KR" sz="1100" b="1" i="1" dirty="0" err="1">
-                <a:solidFill>
-                  <a:srgbClr val="6A3E3E"/>
-                </a:solidFill>
-                <a:latin typeface="Consolas" panose="020B0609020204030204" pitchFamily="49" charset="0"/>
-              </a:rPr>
-              <a:t>i</a:t>
-            </a:r>
-            <a:r>
-              <a:rPr lang="en-US" altLang="ko-KR" sz="1100" b="1" i="1" dirty="0" err="1">
-                <a:solidFill>
-                  <a:srgbClr val="000000"/>
-                </a:solidFill>
-                <a:latin typeface="Consolas" panose="020B0609020204030204" pitchFamily="49" charset="0"/>
-              </a:rPr>
-              <a:t>,</a:t>
-            </a:r>
-            <a:r>
-              <a:rPr lang="en-US" altLang="ko-KR" sz="1100" b="1" i="1" dirty="0" err="1">
-                <a:solidFill>
-                  <a:srgbClr val="6A3E3E"/>
-                </a:solidFill>
-                <a:latin typeface="Consolas" panose="020B0609020204030204" pitchFamily="49" charset="0"/>
-              </a:rPr>
-              <a:t>j</a:t>
-            </a:r>
-            <a:r>
-              <a:rPr lang="en-US" altLang="ko-KR" sz="1100" b="1" i="1" dirty="0" err="1">
-                <a:solidFill>
-                  <a:srgbClr val="000000"/>
-                </a:solidFill>
-                <a:latin typeface="Consolas" panose="020B0609020204030204" pitchFamily="49" charset="0"/>
-              </a:rPr>
-              <a:t>,</a:t>
-            </a:r>
-            <a:r>
-              <a:rPr lang="en-US" altLang="ko-KR" sz="1100" b="1" i="1" dirty="0" err="1">
-                <a:solidFill>
-                  <a:srgbClr val="6A3E3E"/>
-                </a:solidFill>
-                <a:latin typeface="Consolas" panose="020B0609020204030204" pitchFamily="49" charset="0"/>
-              </a:rPr>
-              <a:t>warning</a:t>
-            </a:r>
-            <a:r>
-              <a:rPr lang="en-US" altLang="ko-KR" sz="1100" b="1" i="1" dirty="0">
-                <a:solidFill>
-                  <a:srgbClr val="000000"/>
-                </a:solidFill>
-                <a:latin typeface="Consolas" panose="020B0609020204030204" pitchFamily="49" charset="0"/>
-              </a:rPr>
-              <a:t>);</a:t>
-            </a:r>
-          </a:p>
-          <a:p>
-            <a:pPr lvl="4"/>
-            <a:r>
-              <a:rPr lang="en-US" altLang="ko-KR" sz="1100" dirty="0">
-                <a:solidFill>
-                  <a:srgbClr val="6A3E3E"/>
-                </a:solidFill>
-                <a:latin typeface="Consolas" panose="020B0609020204030204" pitchFamily="49" charset="0"/>
-              </a:rPr>
-              <a:t>count</a:t>
-            </a:r>
-            <a:r>
-              <a:rPr lang="en-US" altLang="ko-KR" sz="1100" dirty="0">
-                <a:solidFill>
-                  <a:srgbClr val="000000"/>
-                </a:solidFill>
-                <a:latin typeface="Consolas" panose="020B0609020204030204" pitchFamily="49" charset="0"/>
-              </a:rPr>
-              <a:t>++;</a:t>
-            </a:r>
-          </a:p>
-          <a:p>
-            <a:pPr lvl="3"/>
-            <a:r>
-              <a:rPr lang="en-US" altLang="ko-KR" sz="1100" dirty="0">
-                <a:solidFill>
-                  <a:srgbClr val="000000"/>
-                </a:solidFill>
-                <a:latin typeface="Consolas" panose="020B0609020204030204" pitchFamily="49" charset="0"/>
-              </a:rPr>
-              <a:t>}</a:t>
-            </a:r>
-          </a:p>
-          <a:p>
-            <a:pPr lvl="2"/>
-            <a:r>
-              <a:rPr lang="en-US" altLang="ko-KR" sz="1100" dirty="0">
-                <a:solidFill>
-                  <a:srgbClr val="000000"/>
-                </a:solidFill>
-                <a:latin typeface="Consolas" panose="020B0609020204030204" pitchFamily="49" charset="0"/>
-              </a:rPr>
-              <a:t>}</a:t>
-            </a:r>
-          </a:p>
-          <a:p>
-            <a:pPr lvl="2"/>
-            <a:r>
-              <a:rPr lang="en-US" altLang="ko-KR" sz="1100" dirty="0" err="1">
-                <a:solidFill>
-                  <a:srgbClr val="000000"/>
-                </a:solidFill>
-                <a:latin typeface="Consolas" panose="020B0609020204030204" pitchFamily="49" charset="0"/>
-              </a:rPr>
-              <a:t>System.</a:t>
-            </a:r>
-            <a:r>
-              <a:rPr lang="en-US" altLang="ko-KR" sz="1100" b="1" i="1" dirty="0" err="1">
-                <a:solidFill>
-                  <a:srgbClr val="0000C0"/>
-                </a:solidFill>
-                <a:latin typeface="Consolas" panose="020B0609020204030204" pitchFamily="49" charset="0"/>
-              </a:rPr>
-              <a:t>out</a:t>
-            </a:r>
-            <a:r>
-              <a:rPr lang="en-US" altLang="ko-KR" sz="1100" b="1" i="1" dirty="0" err="1">
-                <a:solidFill>
-                  <a:srgbClr val="000000"/>
-                </a:solidFill>
-                <a:latin typeface="Consolas" panose="020B0609020204030204" pitchFamily="49" charset="0"/>
-              </a:rPr>
-              <a:t>.println</a:t>
-            </a:r>
-            <a:r>
-              <a:rPr lang="en-US" altLang="ko-KR" sz="1100" b="1" i="1" dirty="0">
-                <a:solidFill>
-                  <a:srgbClr val="000000"/>
-                </a:solidFill>
-                <a:latin typeface="Consolas" panose="020B0609020204030204" pitchFamily="49" charset="0"/>
-              </a:rPr>
-              <a:t>(</a:t>
-            </a:r>
-            <a:r>
-              <a:rPr lang="en-US" altLang="ko-KR" sz="1100" b="1" i="1" dirty="0">
-                <a:solidFill>
-                  <a:srgbClr val="2A00FF"/>
-                </a:solidFill>
-                <a:latin typeface="Consolas" panose="020B0609020204030204" pitchFamily="49" charset="0"/>
-              </a:rPr>
-              <a:t>"_________________"</a:t>
-            </a:r>
-            <a:r>
-              <a:rPr lang="en-US" altLang="ko-KR" sz="1100" b="1" i="1" dirty="0">
-                <a:solidFill>
-                  <a:srgbClr val="000000"/>
-                </a:solidFill>
-                <a:latin typeface="Consolas" panose="020B0609020204030204" pitchFamily="49" charset="0"/>
-              </a:rPr>
-              <a:t>);</a:t>
-            </a:r>
-          </a:p>
-          <a:p>
-            <a:pPr lvl="1"/>
-            <a:r>
-              <a:rPr lang="en-US" altLang="ko-KR" sz="1100" dirty="0">
-                <a:solidFill>
-                  <a:srgbClr val="000000"/>
-                </a:solidFill>
-                <a:latin typeface="Consolas" panose="020B0609020204030204" pitchFamily="49" charset="0"/>
-              </a:rPr>
-              <a:t>}</a:t>
-            </a:r>
-          </a:p>
-          <a:p>
-            <a:pPr lvl="1"/>
-            <a:r>
-              <a:rPr lang="en-US" altLang="ko-KR" sz="1100" b="1" dirty="0">
-                <a:solidFill>
-                  <a:srgbClr val="7F0055"/>
-                </a:solidFill>
-                <a:latin typeface="Consolas" panose="020B0609020204030204" pitchFamily="49" charset="0"/>
-              </a:rPr>
-              <a:t>return</a:t>
-            </a:r>
-            <a:r>
-              <a:rPr lang="en-US" altLang="ko-KR" sz="1100" b="1" dirty="0">
-                <a:solidFill>
-                  <a:srgbClr val="000000"/>
-                </a:solidFill>
-                <a:latin typeface="Consolas" panose="020B0609020204030204" pitchFamily="49" charset="0"/>
-              </a:rPr>
-              <a:t> </a:t>
-            </a:r>
-            <a:r>
-              <a:rPr lang="en-US" altLang="ko-KR" sz="1100" b="1" dirty="0">
-                <a:solidFill>
-                  <a:srgbClr val="6A3E3E"/>
-                </a:solidFill>
-                <a:latin typeface="Consolas" panose="020B0609020204030204" pitchFamily="49" charset="0"/>
-              </a:rPr>
-              <a:t>count</a:t>
-            </a:r>
-            <a:r>
-              <a:rPr lang="en-US" altLang="ko-KR" sz="1100" b="1" dirty="0">
-                <a:solidFill>
-                  <a:srgbClr val="000000"/>
-                </a:solidFill>
-                <a:latin typeface="Consolas" panose="020B0609020204030204" pitchFamily="49" charset="0"/>
-              </a:rPr>
-              <a:t>;</a:t>
-            </a:r>
-            <a:endParaRPr lang="en-US" altLang="ko-KR" sz="1500" b="1" dirty="0">
-              <a:solidFill>
-                <a:srgbClr val="000000"/>
-              </a:solidFill>
-              <a:latin typeface="Consolas" panose="020B0609020204030204" pitchFamily="49" charset="0"/>
-            </a:endParaRPr>
-          </a:p>
-          <a:p>
-            <a:r>
-              <a:rPr lang="en-US" altLang="ko-KR" sz="1500" dirty="0">
-                <a:solidFill>
-                  <a:srgbClr val="000000"/>
-                </a:solidFill>
-                <a:latin typeface="Consolas" panose="020B0609020204030204" pitchFamily="49" charset="0"/>
-              </a:rPr>
-              <a:t>}</a:t>
-            </a:r>
-            <a:endParaRPr lang="ko-KR" altLang="en-US" sz="1500" dirty="0"/>
+            <a:endParaRPr lang="ko-KR" altLang="en-US" sz="1100" dirty="0"/>
           </a:p>
         </p:txBody>
       </p:sp>
@@ -7744,7 +7787,7 @@
         <p:spPr>
           <a:xfrm>
             <a:off x="5812643" y="433492"/>
-            <a:ext cx="5624249" cy="1600438"/>
+            <a:ext cx="6253666" cy="1600438"/>
           </a:xfrm>
           <a:prstGeom prst="rect">
             <a:avLst/>
@@ -7891,7 +7934,16 @@
                 </a:solidFill>
                 <a:latin typeface="Consolas" panose="020B0609020204030204" pitchFamily="49" charset="0"/>
               </a:rPr>
-              <a:t>보다 자신이 모두 작다면 </a:t>
+              <a:t>중에서 자신보다 작거나 같은 영역이 있다면 </a:t>
+            </a:r>
+            <a:r>
+              <a:rPr lang="en-US" altLang="ko-KR" sz="1400" dirty="0" err="1">
+                <a:solidFill>
+                  <a:srgbClr val="3F7F5F"/>
+                </a:solidFill>
+                <a:latin typeface="Consolas" panose="020B0609020204030204" pitchFamily="49" charset="0"/>
+              </a:rPr>
+              <a:t>isSafe</a:t>
             </a:r>
             <a:r>
               <a:rPr lang="en-US" altLang="ko-KR" sz="1400" dirty="0">
@@ -7900,7 +7952,19 @@
                 </a:solidFill>
                 <a:latin typeface="Consolas" panose="020B0609020204030204" pitchFamily="49" charset="0"/>
               </a:rPr>
-              <a:t>count</a:t>
+              <a:t>=true</a:t>
+            </a:r>
+          </a:p>
+          <a:p>
+            <a:pPr lvl="1"/>
+            <a:r>
+              <a:rPr lang="en-US" altLang="ko-KR" sz="1400" dirty="0">
+                <a:solidFill>
+                  <a:srgbClr val="3F7F5F"/>
+                </a:solidFill>
+                <a:latin typeface="Consolas" panose="020B0609020204030204" pitchFamily="49" charset="0"/>
+              </a:rPr>
+              <a:t>// </a:t>
             </a:r>
             <a:r>
               <a:rPr lang="ko-KR" altLang="en-US" sz="1400" dirty="0">
@@ -7909,7 +7973,7 @@
                 </a:solidFill>
                 <a:latin typeface="Consolas" panose="020B0609020204030204" pitchFamily="49" charset="0"/>
               </a:rPr>
-              <a:t>를 하나 증가시킨다</a:t>
+              <a:t>영역을 넘어가지 않도록 조심한다</a:t>
             </a:r>
             <a:r>
               <a:rPr lang="en-US" altLang="ko-KR" sz="1400" dirty="0">
@@ -7918,7 +7982,7 @@
                 </a:solidFill>
                 <a:latin typeface="Consolas" panose="020B0609020204030204" pitchFamily="49" charset="0"/>
               </a:rPr>
-              <a:t>.</a:t>
+              <a:t>. </a:t>
             </a:r>
           </a:p>
           <a:p>
@@ -7930,49 +7994,19 @@
                 </a:solidFill>
                 <a:latin typeface="Consolas" panose="020B0609020204030204" pitchFamily="49" charset="0"/>
               </a:rPr>
-              <a:t>// </a:t>
-            </a:r>
-            <a:r>
-              <a:rPr lang="ko-KR" altLang="en-US" sz="1400" dirty="0">
+              <a:t>// x &gt;= 0, x &lt;= 3</a:t>
+            </a:r>
+          </a:p>
+          <a:p>
+            <a:pPr lvl="1"/>
+            <a:r>
+              <a:rPr lang="en-US" altLang="ko-KR" sz="1400" dirty="0">
                 <a:solidFill>
                   <a:srgbClr val="3F7F5F"/>
                 </a:solidFill>
                 <a:latin typeface="Consolas" panose="020B0609020204030204" pitchFamily="49" charset="0"/>
               </a:rPr>
-              <a:t>영역을 넘어가지 않도록 조심한다</a:t>
-            </a:r>
-            <a:r>
-              <a:rPr lang="en-US" altLang="ko-KR" sz="1400" dirty="0">
-                <a:solidFill>
-                  <a:srgbClr val="3F7F5F"/>
-                </a:solidFill>
-                <a:latin typeface="Consolas" panose="020B0609020204030204" pitchFamily="49" charset="0"/>
-              </a:rPr>
-              <a:t>. </a:t>
-            </a:r>
-          </a:p>
-          <a:p>
-            <a:pPr lvl="1"/>
-            <a:r>
-              <a:rPr lang="en-US" altLang="ko-KR" sz="1400" dirty="0">
-                <a:solidFill>
-                  <a:srgbClr val="3F7F5F"/>
-                </a:solidFill>
-                <a:latin typeface="Consolas" panose="020B0609020204030204" pitchFamily="49" charset="0"/>
-              </a:rPr>
-              <a:t>// x &gt; 0, x &lt; 4</a:t>
-            </a:r>
-          </a:p>
-          <a:p>
-            <a:pPr lvl="1"/>
-            <a:r>
-              <a:rPr lang="en-US" altLang="ko-KR" sz="1400" dirty="0">
-                <a:solidFill>
-                  <a:srgbClr val="3F7F5F"/>
-                </a:solidFill>
-                <a:latin typeface="Consolas" panose="020B0609020204030204" pitchFamily="49" charset="0"/>
-              </a:rPr>
-              <a:t>// y &gt; 0, y &lt; 4</a:t>
+              <a:t>// y &gt;= 0, y &lt;= 3</a:t>
             </a:r>
           </a:p>
         </p:txBody>
@@ -7980,3408 +8014,7 @@
     </p:spTree>
     <p:extLst>
       <p:ext uri="{BB962C8B-B14F-4D97-AF65-F5344CB8AC3E}">
-        <p14:creationId xmlns:p14="http://schemas.microsoft.com/office/powerpoint/2010/main" val="2212378234"/>
-      </p:ext>
-    </p:extLst>
-  </p:cSld>
-  <p:clrMapOvr>
-    <a:masterClrMapping/>
-  </p:clrMapOvr>
-</p:sld>
-</file>
-
-<file path=ppt/slides/slide7.xml><?xml version="1.0" encoding="utf-8"?>
-<p:sld xmlns:a="http://schemas.openxmlformats.org/drawingml/2006/main" xmlns:r="http://schemas.openxmlformats.org/officeDocument/2006/relationships" xmlns:p="http://schemas.openxmlformats.org/presentationml/2006/main">
-  <p:cSld>
-    <p:spTree>
-      <p:nvGrpSpPr>
-        <p:cNvPr id="1" name=""/>
-        <p:cNvGrpSpPr/>
-        <p:nvPr/>
-      </p:nvGrpSpPr>
-      <p:grpSpPr>
-        <a:xfrm>
-          <a:off x="0" y="0"/>
-          <a:ext cx="0" cy="0"/>
-          <a:chOff x="0" y="0"/>
-          <a:chExt cx="0" cy="0"/>
-        </a:xfrm>
-      </p:grpSpPr>
-      <p:graphicFrame>
-        <p:nvGraphicFramePr>
-          <p:cNvPr id="6" name="표 6">
-            <a:extLst>
-              <a:ext uri="{FF2B5EF4-FFF2-40B4-BE49-F238E27FC236}">
-                <a16:creationId xmlns:a16="http://schemas.microsoft.com/office/drawing/2014/main" id="{175AA1E7-D4F0-4113-8F8F-7F8F8D1C358E}"/>
-              </a:ext>
-            </a:extLst>
-          </p:cNvPr>
-          <p:cNvGraphicFramePr>
-            <a:graphicFrameLocks noGrp="1"/>
-          </p:cNvGraphicFramePr>
-          <p:nvPr>
-            <p:ph idx="1"/>
-            <p:extLst>
-              <p:ext uri="{D42A27DB-BD31-4B8C-83A1-F6EECF244321}">
-                <p14:modId xmlns:p14="http://schemas.microsoft.com/office/powerpoint/2010/main" val="3045243621"/>
-              </p:ext>
-            </p:extLst>
-          </p:nvPr>
-        </p:nvGraphicFramePr>
-        <p:xfrm>
-          <a:off x="599261" y="276860"/>
-          <a:ext cx="10874393" cy="6304280"/>
-        </p:xfrm>
-        <a:graphic>
-          <a:graphicData uri="http://schemas.openxmlformats.org/drawingml/2006/table">
-            <a:tbl>
-              <a:tblPr firstRow="1" bandRow="1">
-                <a:tableStyleId>{5C22544A-7EE6-4342-B048-85BDC9FD1C3A}</a:tableStyleId>
-              </a:tblPr>
-              <a:tblGrid>
-                <a:gridCol w="572982">
-                  <a:extLst>
-                    <a:ext uri="{9D8B030D-6E8A-4147-A177-3AD203B41FA5}">
-                      <a16:colId xmlns:a16="http://schemas.microsoft.com/office/drawing/2014/main" val="1686323279"/>
-                    </a:ext>
-                  </a:extLst>
-                </a:gridCol>
-                <a:gridCol w="522694">
-                  <a:extLst>
-                    <a:ext uri="{9D8B030D-6E8A-4147-A177-3AD203B41FA5}">
-                      <a16:colId xmlns:a16="http://schemas.microsoft.com/office/drawing/2014/main" val="711959983"/>
-                    </a:ext>
-                  </a:extLst>
-                </a:gridCol>
-                <a:gridCol w="616335">
-                  <a:extLst>
-                    <a:ext uri="{9D8B030D-6E8A-4147-A177-3AD203B41FA5}">
-                      <a16:colId xmlns:a16="http://schemas.microsoft.com/office/drawing/2014/main" val="3431789522"/>
-                    </a:ext>
-                  </a:extLst>
-                </a:gridCol>
-                <a:gridCol w="730601">
-                  <a:extLst>
-                    <a:ext uri="{9D8B030D-6E8A-4147-A177-3AD203B41FA5}">
-                      <a16:colId xmlns:a16="http://schemas.microsoft.com/office/drawing/2014/main" val="229715161"/>
-                    </a:ext>
-                  </a:extLst>
-                </a:gridCol>
-                <a:gridCol w="680057">
-                  <a:extLst>
-                    <a:ext uri="{9D8B030D-6E8A-4147-A177-3AD203B41FA5}">
-                      <a16:colId xmlns:a16="http://schemas.microsoft.com/office/drawing/2014/main" val="893711770"/>
-                    </a:ext>
-                  </a:extLst>
-                </a:gridCol>
-                <a:gridCol w="817905">
-                  <a:extLst>
-                    <a:ext uri="{9D8B030D-6E8A-4147-A177-3AD203B41FA5}">
-                      <a16:colId xmlns:a16="http://schemas.microsoft.com/office/drawing/2014/main" val="3734957382"/>
-                    </a:ext>
-                  </a:extLst>
-                </a:gridCol>
-                <a:gridCol w="1043059">
-                  <a:extLst>
-                    <a:ext uri="{9D8B030D-6E8A-4147-A177-3AD203B41FA5}">
-                      <a16:colId xmlns:a16="http://schemas.microsoft.com/office/drawing/2014/main" val="3301981266"/>
-                    </a:ext>
-                  </a:extLst>
-                </a:gridCol>
-                <a:gridCol w="1010895">
-                  <a:extLst>
-                    <a:ext uri="{9D8B030D-6E8A-4147-A177-3AD203B41FA5}">
-                      <a16:colId xmlns:a16="http://schemas.microsoft.com/office/drawing/2014/main" val="1384738179"/>
-                    </a:ext>
-                  </a:extLst>
-                </a:gridCol>
-                <a:gridCol w="1089009">
-                  <a:extLst>
-                    <a:ext uri="{9D8B030D-6E8A-4147-A177-3AD203B41FA5}">
-                      <a16:colId xmlns:a16="http://schemas.microsoft.com/office/drawing/2014/main" val="4130671967"/>
-                    </a:ext>
-                  </a:extLst>
-                </a:gridCol>
-                <a:gridCol w="896020">
-                  <a:extLst>
-                    <a:ext uri="{9D8B030D-6E8A-4147-A177-3AD203B41FA5}">
-                      <a16:colId xmlns:a16="http://schemas.microsoft.com/office/drawing/2014/main" val="1500531334"/>
-                    </a:ext>
-                  </a:extLst>
-                </a:gridCol>
-                <a:gridCol w="1162529">
-                  <a:extLst>
-                    <a:ext uri="{9D8B030D-6E8A-4147-A177-3AD203B41FA5}">
-                      <a16:colId xmlns:a16="http://schemas.microsoft.com/office/drawing/2014/main" val="2242615482"/>
-                    </a:ext>
-                  </a:extLst>
-                </a:gridCol>
-                <a:gridCol w="1732307">
-                  <a:extLst>
-                    <a:ext uri="{9D8B030D-6E8A-4147-A177-3AD203B41FA5}">
-                      <a16:colId xmlns:a16="http://schemas.microsoft.com/office/drawing/2014/main" val="1473546466"/>
-                    </a:ext>
-                  </a:extLst>
-                </a:gridCol>
-              </a:tblGrid>
-              <a:tr h="370840">
-                <a:tc>
-                  <a:txBody>
-                    <a:bodyPr/>
-                    <a:lstStyle/>
-                    <a:p>
-                      <a:pPr algn="ctr" latinLnBrk="1"/>
-                      <a:r>
-                        <a:rPr lang="en-US" altLang="ko-KR" dirty="0"/>
-                        <a:t>i</a:t>
-                      </a:r>
-                      <a:endParaRPr lang="ko-KR" altLang="en-US" dirty="0"/>
-                    </a:p>
-                  </a:txBody>
-                  <a:tcPr anchor="ctr"/>
-                </a:tc>
-                <a:tc>
-                  <a:txBody>
-                    <a:bodyPr/>
-                    <a:lstStyle/>
-                    <a:p>
-                      <a:pPr algn="ctr" latinLnBrk="1"/>
-                      <a:r>
-                        <a:rPr lang="en-US" altLang="ko-KR" dirty="0"/>
-                        <a:t>j</a:t>
-                      </a:r>
-                      <a:endParaRPr lang="ko-KR" altLang="en-US" dirty="0"/>
-                    </a:p>
-                  </a:txBody>
-                  <a:tcPr anchor="ctr"/>
-                </a:tc>
-                <a:tc>
-                  <a:txBody>
-                    <a:bodyPr/>
-                    <a:lstStyle/>
-                    <a:p>
-                      <a:pPr algn="ctr" latinLnBrk="1"/>
-                      <a:r>
-                        <a:rPr lang="en-US" altLang="ko-KR" dirty="0"/>
-                        <a:t>left</a:t>
-                      </a:r>
-                      <a:endParaRPr lang="ko-KR" altLang="en-US" dirty="0"/>
-                    </a:p>
-                  </a:txBody>
-                  <a:tcPr anchor="ctr"/>
-                </a:tc>
-                <a:tc>
-                  <a:txBody>
-                    <a:bodyPr/>
-                    <a:lstStyle/>
-                    <a:p>
-                      <a:pPr algn="ctr" latinLnBrk="1"/>
-                      <a:r>
-                        <a:rPr lang="en-US" altLang="ko-KR" dirty="0"/>
-                        <a:t>right</a:t>
-                      </a:r>
-                      <a:endParaRPr lang="ko-KR" altLang="en-US" dirty="0"/>
-                    </a:p>
-                  </a:txBody>
-                  <a:tcPr anchor="ctr"/>
-                </a:tc>
-                <a:tc>
-                  <a:txBody>
-                    <a:bodyPr/>
-                    <a:lstStyle/>
-                    <a:p>
-                      <a:pPr algn="ctr" latinLnBrk="1"/>
-                      <a:r>
-                        <a:rPr lang="en-US" altLang="ko-KR" dirty="0"/>
-                        <a:t>up</a:t>
-                      </a:r>
-                      <a:endParaRPr lang="ko-KR" altLang="en-US" dirty="0"/>
-                    </a:p>
-                  </a:txBody>
-                  <a:tcPr anchor="ctr"/>
-                </a:tc>
-                <a:tc>
-                  <a:txBody>
-                    <a:bodyPr/>
-                    <a:lstStyle/>
-                    <a:p>
-                      <a:pPr algn="ctr" latinLnBrk="1"/>
-                      <a:r>
-                        <a:rPr lang="en-US" altLang="ko-KR" dirty="0"/>
-                        <a:t>down</a:t>
-                      </a:r>
-                      <a:endParaRPr lang="ko-KR" altLang="en-US" dirty="0"/>
-                    </a:p>
-                  </a:txBody>
-                  <a:tcPr anchor="ctr"/>
-                </a:tc>
-                <a:tc>
-                  <a:txBody>
-                    <a:bodyPr/>
-                    <a:lstStyle/>
-                    <a:p>
-                      <a:pPr algn="ctr" latinLnBrk="1"/>
-                      <a:r>
-                        <a:rPr lang="en-US" altLang="ko-KR" dirty="0"/>
-                        <a:t>current</a:t>
-                      </a:r>
-                      <a:endParaRPr lang="ko-KR" altLang="en-US" dirty="0"/>
-                    </a:p>
-                  </a:txBody>
-                  <a:tcPr anchor="ctr"/>
-                </a:tc>
-                <a:tc>
-                  <a:txBody>
-                    <a:bodyPr/>
-                    <a:lstStyle/>
-                    <a:p>
-                      <a:pPr algn="ctr" latinLnBrk="1"/>
-                      <a:r>
-                        <a:rPr lang="en-US" altLang="ko-KR" dirty="0" err="1"/>
-                        <a:t>leftVal</a:t>
-                      </a:r>
-                      <a:endParaRPr lang="ko-KR" altLang="en-US" dirty="0"/>
-                    </a:p>
-                  </a:txBody>
-                  <a:tcPr anchor="ctr"/>
-                </a:tc>
-                <a:tc>
-                  <a:txBody>
-                    <a:bodyPr/>
-                    <a:lstStyle/>
-                    <a:p>
-                      <a:pPr algn="ctr" latinLnBrk="1"/>
-                      <a:r>
-                        <a:rPr lang="en-US" altLang="ko-KR" dirty="0" err="1"/>
-                        <a:t>rightVal</a:t>
-                      </a:r>
-                      <a:endParaRPr lang="ko-KR" altLang="en-US" dirty="0"/>
-                    </a:p>
-                  </a:txBody>
-                  <a:tcPr anchor="ctr"/>
-                </a:tc>
-                <a:tc>
-                  <a:txBody>
-                    <a:bodyPr/>
-                    <a:lstStyle/>
-                    <a:p>
-                      <a:pPr algn="ctr" latinLnBrk="1"/>
-                      <a:r>
-                        <a:rPr lang="en-US" altLang="ko-KR" dirty="0" err="1"/>
-                        <a:t>upVal</a:t>
-                      </a:r>
-                      <a:endParaRPr lang="ko-KR" altLang="en-US" dirty="0"/>
-                    </a:p>
-                  </a:txBody>
-                  <a:tcPr anchor="ctr"/>
-                </a:tc>
-                <a:tc>
-                  <a:txBody>
-                    <a:bodyPr/>
-                    <a:lstStyle/>
-                    <a:p>
-                      <a:pPr algn="ctr" latinLnBrk="1"/>
-                      <a:r>
-                        <a:rPr lang="en-US" altLang="ko-KR" dirty="0" err="1"/>
-                        <a:t>downVal</a:t>
-                      </a:r>
-                      <a:endParaRPr lang="ko-KR" altLang="en-US" dirty="0"/>
-                    </a:p>
-                  </a:txBody>
-                  <a:tcPr anchor="ctr"/>
-                </a:tc>
-                <a:tc>
-                  <a:txBody>
-                    <a:bodyPr/>
-                    <a:lstStyle/>
-                    <a:p>
-                      <a:pPr algn="ctr" latinLnBrk="1"/>
-                      <a:r>
-                        <a:rPr lang="en-US" altLang="ko-KR" dirty="0"/>
-                        <a:t>warning</a:t>
-                      </a:r>
-                      <a:endParaRPr lang="ko-KR" altLang="en-US" dirty="0"/>
-                    </a:p>
-                  </a:txBody>
-                  <a:tcPr anchor="ctr"/>
-                </a:tc>
-                <a:extLst>
-                  <a:ext uri="{0D108BD9-81ED-4DB2-BD59-A6C34878D82A}">
-                    <a16:rowId xmlns:a16="http://schemas.microsoft.com/office/drawing/2014/main" val="2036871678"/>
-                  </a:ext>
-                </a:extLst>
-              </a:tr>
-              <a:tr h="370840">
-                <a:tc>
-                  <a:txBody>
-                    <a:bodyPr/>
-                    <a:lstStyle/>
-                    <a:p>
-                      <a:pPr algn="ctr" latinLnBrk="1"/>
-                      <a:r>
-                        <a:rPr lang="en-US" altLang="ko-KR" dirty="0"/>
-                        <a:t>0</a:t>
-                      </a:r>
-                      <a:endParaRPr lang="ko-KR" altLang="en-US" dirty="0"/>
-                    </a:p>
-                  </a:txBody>
-                  <a:tcPr anchor="ctr"/>
-                </a:tc>
-                <a:tc>
-                  <a:txBody>
-                    <a:bodyPr/>
-                    <a:lstStyle/>
-                    <a:p>
-                      <a:pPr algn="ctr" latinLnBrk="1"/>
-                      <a:r>
-                        <a:rPr lang="en-US" altLang="ko-KR" dirty="0"/>
-                        <a:t>0</a:t>
-                      </a:r>
-                      <a:endParaRPr lang="ko-KR" altLang="en-US" dirty="0"/>
-                    </a:p>
-                  </a:txBody>
-                  <a:tcPr anchor="ctr"/>
-                </a:tc>
-                <a:tc>
-                  <a:txBody>
-                    <a:bodyPr/>
-                    <a:lstStyle/>
-                    <a:p>
-                      <a:pPr algn="ctr" latinLnBrk="1"/>
-                      <a:r>
-                        <a:rPr lang="en-US" altLang="ko-KR" dirty="0"/>
-                        <a:t>-1</a:t>
-                      </a:r>
-                      <a:endParaRPr lang="ko-KR" altLang="en-US" dirty="0"/>
-                    </a:p>
-                  </a:txBody>
-                  <a:tcPr anchor="ctr"/>
-                </a:tc>
-                <a:tc>
-                  <a:txBody>
-                    <a:bodyPr/>
-                    <a:lstStyle/>
-                    <a:p>
-                      <a:pPr algn="ctr" latinLnBrk="1"/>
-                      <a:r>
-                        <a:rPr lang="en-US" altLang="ko-KR" dirty="0"/>
-                        <a:t>1</a:t>
-                      </a:r>
-                      <a:endParaRPr lang="ko-KR" altLang="en-US" dirty="0"/>
-                    </a:p>
-                  </a:txBody>
-                  <a:tcPr anchor="ctr"/>
-                </a:tc>
-                <a:tc>
-                  <a:txBody>
-                    <a:bodyPr/>
-                    <a:lstStyle/>
-                    <a:p>
-                      <a:pPr algn="ctr" latinLnBrk="1"/>
-                      <a:r>
-                        <a:rPr lang="en-US" altLang="ko-KR" dirty="0"/>
-                        <a:t>-1</a:t>
-                      </a:r>
-                      <a:endParaRPr lang="ko-KR" altLang="en-US" dirty="0"/>
-                    </a:p>
-                  </a:txBody>
-                  <a:tcPr anchor="ctr"/>
-                </a:tc>
-                <a:tc>
-                  <a:txBody>
-                    <a:bodyPr/>
-                    <a:lstStyle/>
-                    <a:p>
-                      <a:pPr algn="ctr" latinLnBrk="1"/>
-                      <a:r>
-                        <a:rPr lang="en-US" altLang="ko-KR" dirty="0"/>
-                        <a:t>1</a:t>
-                      </a:r>
-                      <a:endParaRPr lang="ko-KR" altLang="en-US" dirty="0"/>
-                    </a:p>
-                  </a:txBody>
-                  <a:tcPr anchor="ctr"/>
-                </a:tc>
-                <a:tc>
-                  <a:txBody>
-                    <a:bodyPr/>
-                    <a:lstStyle/>
-                    <a:p>
-                      <a:pPr algn="ctr" latinLnBrk="1"/>
-                      <a:r>
-                        <a:rPr lang="en-US" altLang="ko-KR" dirty="0"/>
-                        <a:t>3</a:t>
-                      </a:r>
-                      <a:endParaRPr lang="ko-KR" altLang="en-US" dirty="0"/>
-                    </a:p>
-                  </a:txBody>
-                  <a:tcPr anchor="ctr"/>
-                </a:tc>
-                <a:tc>
-                  <a:txBody>
-                    <a:bodyPr/>
-                    <a:lstStyle/>
-                    <a:p>
-                      <a:pPr algn="ctr" latinLnBrk="1"/>
-                      <a:r>
-                        <a:rPr lang="en-US" altLang="ko-KR" dirty="0"/>
-                        <a:t>X</a:t>
-                      </a:r>
-                      <a:endParaRPr lang="ko-KR" altLang="en-US" dirty="0"/>
-                    </a:p>
-                  </a:txBody>
-                  <a:tcPr anchor="ctr"/>
-                </a:tc>
-                <a:tc>
-                  <a:txBody>
-                    <a:bodyPr/>
-                    <a:lstStyle/>
-                    <a:p>
-                      <a:pPr algn="ctr" latinLnBrk="1"/>
-                      <a:r>
-                        <a:rPr lang="en-US" altLang="ko-KR" dirty="0"/>
-                        <a:t>6</a:t>
-                      </a:r>
-                      <a:endParaRPr lang="ko-KR" altLang="en-US" dirty="0"/>
-                    </a:p>
-                  </a:txBody>
-                  <a:tcPr anchor="ctr">
-                    <a:solidFill>
-                      <a:schemeClr val="accent2">
-                        <a:lumMod val="20000"/>
-                        <a:lumOff val="80000"/>
-                      </a:schemeClr>
-                    </a:solidFill>
-                  </a:tcPr>
-                </a:tc>
-                <a:tc>
-                  <a:txBody>
-                    <a:bodyPr/>
-                    <a:lstStyle/>
-                    <a:p>
-                      <a:pPr algn="ctr" latinLnBrk="1"/>
-                      <a:r>
-                        <a:rPr lang="en-US" altLang="ko-KR" dirty="0"/>
-                        <a:t>X</a:t>
-                      </a:r>
-                      <a:endParaRPr lang="ko-KR" altLang="en-US" dirty="0"/>
-                    </a:p>
-                  </a:txBody>
-                  <a:tcPr anchor="ctr"/>
-                </a:tc>
-                <a:tc>
-                  <a:txBody>
-                    <a:bodyPr/>
-                    <a:lstStyle/>
-                    <a:p>
-                      <a:pPr algn="ctr" latinLnBrk="1"/>
-                      <a:r>
-                        <a:rPr lang="en-US" altLang="ko-KR" dirty="0"/>
-                        <a:t>7</a:t>
-                      </a:r>
-                      <a:endParaRPr lang="ko-KR" altLang="en-US" dirty="0"/>
-                    </a:p>
-                  </a:txBody>
-                  <a:tcPr anchor="ctr">
-                    <a:solidFill>
-                      <a:schemeClr val="accent2">
-                        <a:lumMod val="20000"/>
-                        <a:lumOff val="80000"/>
-                      </a:schemeClr>
-                    </a:solidFill>
-                  </a:tcPr>
-                </a:tc>
-                <a:tc>
-                  <a:txBody>
-                    <a:bodyPr/>
-                    <a:lstStyle/>
-                    <a:p>
-                      <a:pPr algn="ctr" latinLnBrk="1"/>
-                      <a:r>
-                        <a:rPr lang="en-US" altLang="ko-KR" dirty="0"/>
-                        <a:t>true</a:t>
-                      </a:r>
-                      <a:endParaRPr lang="ko-KR" altLang="en-US" dirty="0"/>
-                    </a:p>
-                  </a:txBody>
-                  <a:tcPr anchor="ctr"/>
-                </a:tc>
-                <a:extLst>
-                  <a:ext uri="{0D108BD9-81ED-4DB2-BD59-A6C34878D82A}">
-                    <a16:rowId xmlns:a16="http://schemas.microsoft.com/office/drawing/2014/main" val="173928738"/>
-                  </a:ext>
-                </a:extLst>
-              </a:tr>
-              <a:tr h="370840">
-                <a:tc>
-                  <a:txBody>
-                    <a:bodyPr/>
-                    <a:lstStyle/>
-                    <a:p>
-                      <a:pPr algn="ctr" latinLnBrk="1"/>
-                      <a:r>
-                        <a:rPr lang="en-US" altLang="ko-KR" dirty="0"/>
-                        <a:t>0</a:t>
-                      </a:r>
-                      <a:endParaRPr lang="ko-KR" altLang="en-US" dirty="0"/>
-                    </a:p>
-                  </a:txBody>
-                  <a:tcPr anchor="ctr"/>
-                </a:tc>
-                <a:tc>
-                  <a:txBody>
-                    <a:bodyPr/>
-                    <a:lstStyle/>
-                    <a:p>
-                      <a:pPr algn="ctr" latinLnBrk="1"/>
-                      <a:r>
-                        <a:rPr lang="en-US" altLang="ko-KR" dirty="0"/>
-                        <a:t>1</a:t>
-                      </a:r>
-                      <a:endParaRPr lang="ko-KR" altLang="en-US" dirty="0"/>
-                    </a:p>
-                  </a:txBody>
-                  <a:tcPr anchor="ctr"/>
-                </a:tc>
-                <a:tc>
-                  <a:txBody>
-                    <a:bodyPr/>
-                    <a:lstStyle/>
-                    <a:p>
-                      <a:pPr algn="ctr" latinLnBrk="1"/>
-                      <a:r>
-                        <a:rPr lang="en-US" altLang="ko-KR" dirty="0"/>
-                        <a:t>0</a:t>
-                      </a:r>
-                      <a:endParaRPr lang="ko-KR" altLang="en-US" dirty="0"/>
-                    </a:p>
-                  </a:txBody>
-                  <a:tcPr anchor="ctr"/>
-                </a:tc>
-                <a:tc>
-                  <a:txBody>
-                    <a:bodyPr/>
-                    <a:lstStyle/>
-                    <a:p>
-                      <a:pPr algn="ctr" latinLnBrk="1"/>
-                      <a:r>
-                        <a:rPr lang="en-US" altLang="ko-KR" dirty="0"/>
-                        <a:t>2</a:t>
-                      </a:r>
-                      <a:endParaRPr lang="ko-KR" altLang="en-US" dirty="0"/>
-                    </a:p>
-                  </a:txBody>
-                  <a:tcPr anchor="ctr"/>
-                </a:tc>
-                <a:tc>
-                  <a:txBody>
-                    <a:bodyPr/>
-                    <a:lstStyle/>
-                    <a:p>
-                      <a:pPr algn="ctr" latinLnBrk="1"/>
-                      <a:r>
-                        <a:rPr lang="en-US" altLang="ko-KR" dirty="0"/>
-                        <a:t>-1</a:t>
-                      </a:r>
-                      <a:endParaRPr lang="ko-KR" altLang="en-US" dirty="0"/>
-                    </a:p>
-                  </a:txBody>
-                  <a:tcPr anchor="ctr"/>
-                </a:tc>
-                <a:tc>
-                  <a:txBody>
-                    <a:bodyPr/>
-                    <a:lstStyle/>
-                    <a:p>
-                      <a:pPr algn="ctr" latinLnBrk="1"/>
-                      <a:r>
-                        <a:rPr lang="en-US" altLang="ko-KR" dirty="0"/>
-                        <a:t>1</a:t>
-                      </a:r>
-                      <a:endParaRPr lang="ko-KR" altLang="en-US" dirty="0"/>
-                    </a:p>
-                  </a:txBody>
-                  <a:tcPr anchor="ctr"/>
-                </a:tc>
-                <a:tc>
-                  <a:txBody>
-                    <a:bodyPr/>
-                    <a:lstStyle/>
-                    <a:p>
-                      <a:pPr algn="ctr" latinLnBrk="1"/>
-                      <a:r>
-                        <a:rPr lang="en-US" altLang="ko-KR" dirty="0"/>
-                        <a:t>6</a:t>
-                      </a:r>
-                      <a:endParaRPr lang="ko-KR" altLang="en-US" dirty="0"/>
-                    </a:p>
-                  </a:txBody>
-                  <a:tcPr anchor="ctr"/>
-                </a:tc>
-                <a:tc>
-                  <a:txBody>
-                    <a:bodyPr/>
-                    <a:lstStyle/>
-                    <a:p>
-                      <a:pPr algn="ctr" latinLnBrk="1"/>
-                      <a:r>
-                        <a:rPr lang="en-US" altLang="ko-KR" dirty="0"/>
-                        <a:t>3</a:t>
-                      </a:r>
-                      <a:endParaRPr lang="ko-KR" altLang="en-US" dirty="0"/>
-                    </a:p>
-                  </a:txBody>
-                  <a:tcPr anchor="ctr"/>
-                </a:tc>
-                <a:tc>
-                  <a:txBody>
-                    <a:bodyPr/>
-                    <a:lstStyle/>
-                    <a:p>
-                      <a:pPr algn="ctr" latinLnBrk="1"/>
-                      <a:r>
-                        <a:rPr lang="en-US" altLang="ko-KR" dirty="0"/>
-                        <a:t>2</a:t>
-                      </a:r>
-                      <a:endParaRPr lang="ko-KR" altLang="en-US" dirty="0"/>
-                    </a:p>
-                  </a:txBody>
-                  <a:tcPr anchor="ctr"/>
-                </a:tc>
-                <a:tc>
-                  <a:txBody>
-                    <a:bodyPr/>
-                    <a:lstStyle/>
-                    <a:p>
-                      <a:pPr algn="ctr" latinLnBrk="1"/>
-                      <a:r>
-                        <a:rPr lang="en-US" altLang="ko-KR" dirty="0"/>
-                        <a:t>X</a:t>
-                      </a:r>
-                      <a:endParaRPr lang="ko-KR" altLang="en-US" dirty="0"/>
-                    </a:p>
-                  </a:txBody>
-                  <a:tcPr anchor="ctr"/>
-                </a:tc>
-                <a:tc>
-                  <a:txBody>
-                    <a:bodyPr/>
-                    <a:lstStyle/>
-                    <a:p>
-                      <a:pPr algn="ctr" latinLnBrk="1"/>
-                      <a:r>
-                        <a:rPr lang="en-US" altLang="ko-KR" dirty="0"/>
-                        <a:t>3</a:t>
-                      </a:r>
-                      <a:endParaRPr lang="ko-KR" altLang="en-US" dirty="0"/>
-                    </a:p>
-                  </a:txBody>
-                  <a:tcPr anchor="ctr"/>
-                </a:tc>
-                <a:tc>
-                  <a:txBody>
-                    <a:bodyPr/>
-                    <a:lstStyle/>
-                    <a:p>
-                      <a:pPr algn="ctr" latinLnBrk="1"/>
-                      <a:r>
-                        <a:rPr lang="en-US" altLang="ko-KR" dirty="0"/>
-                        <a:t>false</a:t>
-                      </a:r>
-                      <a:endParaRPr lang="ko-KR" altLang="en-US" dirty="0"/>
-                    </a:p>
-                  </a:txBody>
-                  <a:tcPr anchor="ctr"/>
-                </a:tc>
-                <a:extLst>
-                  <a:ext uri="{0D108BD9-81ED-4DB2-BD59-A6C34878D82A}">
-                    <a16:rowId xmlns:a16="http://schemas.microsoft.com/office/drawing/2014/main" val="3298657884"/>
-                  </a:ext>
-                </a:extLst>
-              </a:tr>
-              <a:tr h="370840">
-                <a:tc>
-                  <a:txBody>
-                    <a:bodyPr/>
-                    <a:lstStyle/>
-                    <a:p>
-                      <a:pPr algn="ctr" latinLnBrk="1"/>
-                      <a:r>
-                        <a:rPr lang="en-US" altLang="ko-KR" dirty="0"/>
-                        <a:t>0</a:t>
-                      </a:r>
-                      <a:endParaRPr lang="ko-KR" altLang="en-US" dirty="0"/>
-                    </a:p>
-                  </a:txBody>
-                  <a:tcPr anchor="ctr"/>
-                </a:tc>
-                <a:tc>
-                  <a:txBody>
-                    <a:bodyPr/>
-                    <a:lstStyle/>
-                    <a:p>
-                      <a:pPr algn="ctr" latinLnBrk="1"/>
-                      <a:r>
-                        <a:rPr lang="en-US" altLang="ko-KR" dirty="0"/>
-                        <a:t>2</a:t>
-                      </a:r>
-                      <a:endParaRPr lang="ko-KR" altLang="en-US" dirty="0"/>
-                    </a:p>
-                  </a:txBody>
-                  <a:tcPr anchor="ctr"/>
-                </a:tc>
-                <a:tc>
-                  <a:txBody>
-                    <a:bodyPr/>
-                    <a:lstStyle/>
-                    <a:p>
-                      <a:pPr algn="ctr" latinLnBrk="1"/>
-                      <a:r>
-                        <a:rPr lang="en-US" altLang="ko-KR" dirty="0"/>
-                        <a:t>1</a:t>
-                      </a:r>
-                      <a:endParaRPr lang="ko-KR" altLang="en-US" dirty="0"/>
-                    </a:p>
-                  </a:txBody>
-                  <a:tcPr anchor="ctr"/>
-                </a:tc>
-                <a:tc>
-                  <a:txBody>
-                    <a:bodyPr/>
-                    <a:lstStyle/>
-                    <a:p>
-                      <a:pPr algn="ctr" latinLnBrk="1"/>
-                      <a:r>
-                        <a:rPr lang="en-US" altLang="ko-KR" dirty="0"/>
-                        <a:t>3</a:t>
-                      </a:r>
-                      <a:endParaRPr lang="ko-KR" altLang="en-US" dirty="0"/>
-                    </a:p>
-                  </a:txBody>
-                  <a:tcPr anchor="ctr"/>
-                </a:tc>
-                <a:tc>
-                  <a:txBody>
-                    <a:bodyPr/>
-                    <a:lstStyle/>
-                    <a:p>
-                      <a:pPr algn="ctr" latinLnBrk="1"/>
-                      <a:r>
-                        <a:rPr lang="en-US" altLang="ko-KR" dirty="0"/>
-                        <a:t>-1</a:t>
-                      </a:r>
-                      <a:endParaRPr lang="ko-KR" altLang="en-US" dirty="0"/>
-                    </a:p>
-                  </a:txBody>
-                  <a:tcPr anchor="ctr"/>
-                </a:tc>
-                <a:tc>
-                  <a:txBody>
-                    <a:bodyPr/>
-                    <a:lstStyle/>
-                    <a:p>
-                      <a:pPr algn="ctr" latinLnBrk="1"/>
-                      <a:r>
-                        <a:rPr lang="en-US" altLang="ko-KR" dirty="0"/>
-                        <a:t>1</a:t>
-                      </a:r>
-                      <a:endParaRPr lang="ko-KR" altLang="en-US" dirty="0"/>
-                    </a:p>
-                  </a:txBody>
-                  <a:tcPr anchor="ctr"/>
-                </a:tc>
-                <a:tc>
-                  <a:txBody>
-                    <a:bodyPr/>
-                    <a:lstStyle/>
-                    <a:p>
-                      <a:pPr algn="ctr" latinLnBrk="1"/>
-                      <a:r>
-                        <a:rPr lang="en-US" altLang="ko-KR" dirty="0"/>
-                        <a:t>2</a:t>
-                      </a:r>
-                      <a:endParaRPr lang="ko-KR" altLang="en-US" dirty="0"/>
-                    </a:p>
-                  </a:txBody>
-                  <a:tcPr anchor="ctr"/>
-                </a:tc>
-                <a:tc>
-                  <a:txBody>
-                    <a:bodyPr/>
-                    <a:lstStyle/>
-                    <a:p>
-                      <a:pPr algn="ctr" latinLnBrk="1"/>
-                      <a:r>
-                        <a:rPr lang="en-US" altLang="ko-KR" dirty="0"/>
-                        <a:t>6</a:t>
-                      </a:r>
-                      <a:endParaRPr lang="ko-KR" altLang="en-US" dirty="0"/>
-                    </a:p>
-                  </a:txBody>
-                  <a:tcPr anchor="ctr">
-                    <a:solidFill>
-                      <a:schemeClr val="accent2">
-                        <a:lumMod val="20000"/>
-                        <a:lumOff val="80000"/>
-                      </a:schemeClr>
-                    </a:solidFill>
-                  </a:tcPr>
-                </a:tc>
-                <a:tc>
-                  <a:txBody>
-                    <a:bodyPr/>
-                    <a:lstStyle/>
-                    <a:p>
-                      <a:pPr algn="ctr" latinLnBrk="1"/>
-                      <a:r>
-                        <a:rPr lang="en-US" altLang="ko-KR" dirty="0"/>
-                        <a:t>8</a:t>
-                      </a:r>
-                      <a:endParaRPr lang="ko-KR" altLang="en-US" dirty="0"/>
-                    </a:p>
-                  </a:txBody>
-                  <a:tcPr anchor="ctr">
-                    <a:solidFill>
-                      <a:schemeClr val="accent2">
-                        <a:lumMod val="20000"/>
-                        <a:lumOff val="80000"/>
-                      </a:schemeClr>
-                    </a:solidFill>
-                  </a:tcPr>
-                </a:tc>
-                <a:tc>
-                  <a:txBody>
-                    <a:bodyPr/>
-                    <a:lstStyle/>
-                    <a:p>
-                      <a:pPr algn="ctr" latinLnBrk="1"/>
-                      <a:r>
-                        <a:rPr lang="en-US" altLang="ko-KR" dirty="0"/>
-                        <a:t>X</a:t>
-                      </a:r>
-                      <a:endParaRPr lang="ko-KR" altLang="en-US" dirty="0"/>
-                    </a:p>
-                  </a:txBody>
-                  <a:tcPr anchor="ctr"/>
-                </a:tc>
-                <a:tc>
-                  <a:txBody>
-                    <a:bodyPr/>
-                    <a:lstStyle/>
-                    <a:p>
-                      <a:pPr algn="ctr" latinLnBrk="1"/>
-                      <a:r>
-                        <a:rPr lang="en-US" altLang="ko-KR" dirty="0"/>
-                        <a:t>4</a:t>
-                      </a:r>
-                      <a:endParaRPr lang="ko-KR" altLang="en-US" dirty="0"/>
-                    </a:p>
-                  </a:txBody>
-                  <a:tcPr anchor="ctr">
-                    <a:solidFill>
-                      <a:schemeClr val="accent2">
-                        <a:lumMod val="20000"/>
-                        <a:lumOff val="80000"/>
-                      </a:schemeClr>
-                    </a:solidFill>
-                  </a:tcPr>
-                </a:tc>
-                <a:tc>
-                  <a:txBody>
-                    <a:bodyPr/>
-                    <a:lstStyle/>
-                    <a:p>
-                      <a:pPr algn="ctr" latinLnBrk="1"/>
-                      <a:r>
-                        <a:rPr lang="en-US" altLang="ko-KR" dirty="0"/>
-                        <a:t>true</a:t>
-                      </a:r>
-                      <a:endParaRPr lang="ko-KR" altLang="en-US" dirty="0"/>
-                    </a:p>
-                  </a:txBody>
-                  <a:tcPr anchor="ctr"/>
-                </a:tc>
-                <a:extLst>
-                  <a:ext uri="{0D108BD9-81ED-4DB2-BD59-A6C34878D82A}">
-                    <a16:rowId xmlns:a16="http://schemas.microsoft.com/office/drawing/2014/main" val="4117427644"/>
-                  </a:ext>
-                </a:extLst>
-              </a:tr>
-              <a:tr h="370840">
-                <a:tc>
-                  <a:txBody>
-                    <a:bodyPr/>
-                    <a:lstStyle/>
-                    <a:p>
-                      <a:pPr algn="ctr" latinLnBrk="1"/>
-                      <a:r>
-                        <a:rPr lang="en-US" altLang="ko-KR" dirty="0"/>
-                        <a:t>0</a:t>
-                      </a:r>
-                      <a:endParaRPr lang="ko-KR" altLang="en-US" dirty="0"/>
-                    </a:p>
-                  </a:txBody>
-                  <a:tcPr anchor="ctr"/>
-                </a:tc>
-                <a:tc>
-                  <a:txBody>
-                    <a:bodyPr/>
-                    <a:lstStyle/>
-                    <a:p>
-                      <a:pPr algn="ctr" latinLnBrk="1"/>
-                      <a:r>
-                        <a:rPr lang="en-US" altLang="ko-KR" dirty="0"/>
-                        <a:t>3</a:t>
-                      </a:r>
-                      <a:endParaRPr lang="ko-KR" altLang="en-US" dirty="0"/>
-                    </a:p>
-                  </a:txBody>
-                  <a:tcPr anchor="ctr"/>
-                </a:tc>
-                <a:tc>
-                  <a:txBody>
-                    <a:bodyPr/>
-                    <a:lstStyle/>
-                    <a:p>
-                      <a:pPr algn="ctr" latinLnBrk="1"/>
-                      <a:r>
-                        <a:rPr lang="en-US" altLang="ko-KR" dirty="0"/>
-                        <a:t>2</a:t>
-                      </a:r>
-                      <a:endParaRPr lang="ko-KR" altLang="en-US" dirty="0"/>
-                    </a:p>
-                  </a:txBody>
-                  <a:tcPr anchor="ctr"/>
-                </a:tc>
-                <a:tc>
-                  <a:txBody>
-                    <a:bodyPr/>
-                    <a:lstStyle/>
-                    <a:p>
-                      <a:pPr algn="ctr" latinLnBrk="1"/>
-                      <a:r>
-                        <a:rPr lang="en-US" altLang="ko-KR" dirty="0"/>
-                        <a:t>4</a:t>
-                      </a:r>
-                      <a:endParaRPr lang="ko-KR" altLang="en-US" dirty="0"/>
-                    </a:p>
-                  </a:txBody>
-                  <a:tcPr anchor="ctr"/>
-                </a:tc>
-                <a:tc>
-                  <a:txBody>
-                    <a:bodyPr/>
-                    <a:lstStyle/>
-                    <a:p>
-                      <a:pPr algn="ctr" latinLnBrk="1"/>
-                      <a:r>
-                        <a:rPr lang="en-US" altLang="ko-KR" dirty="0"/>
-                        <a:t>-1</a:t>
-                      </a:r>
-                      <a:endParaRPr lang="ko-KR" altLang="en-US" dirty="0"/>
-                    </a:p>
-                  </a:txBody>
-                  <a:tcPr anchor="ctr"/>
-                </a:tc>
-                <a:tc>
-                  <a:txBody>
-                    <a:bodyPr/>
-                    <a:lstStyle/>
-                    <a:p>
-                      <a:pPr algn="ctr" latinLnBrk="1"/>
-                      <a:r>
-                        <a:rPr lang="en-US" altLang="ko-KR" dirty="0"/>
-                        <a:t>1</a:t>
-                      </a:r>
-                      <a:endParaRPr lang="ko-KR" altLang="en-US" dirty="0"/>
-                    </a:p>
-                  </a:txBody>
-                  <a:tcPr anchor="ctr"/>
-                </a:tc>
-                <a:tc>
-                  <a:txBody>
-                    <a:bodyPr/>
-                    <a:lstStyle/>
-                    <a:p>
-                      <a:pPr algn="ctr" latinLnBrk="1"/>
-                      <a:r>
-                        <a:rPr lang="en-US" altLang="ko-KR" dirty="0"/>
-                        <a:t>4</a:t>
-                      </a:r>
-                      <a:endParaRPr lang="ko-KR" altLang="en-US" dirty="0"/>
-                    </a:p>
-                  </a:txBody>
-                  <a:tcPr anchor="ctr"/>
-                </a:tc>
-                <a:tc>
-                  <a:txBody>
-                    <a:bodyPr/>
-                    <a:lstStyle/>
-                    <a:p>
-                      <a:pPr algn="ctr" latinLnBrk="1"/>
-                      <a:r>
-                        <a:rPr lang="en-US" altLang="ko-KR" dirty="0"/>
-                        <a:t>2</a:t>
-                      </a:r>
-                      <a:endParaRPr lang="ko-KR" altLang="en-US" dirty="0"/>
-                    </a:p>
-                  </a:txBody>
-                  <a:tcPr anchor="ctr"/>
-                </a:tc>
-                <a:tc>
-                  <a:txBody>
-                    <a:bodyPr/>
-                    <a:lstStyle/>
-                    <a:p>
-                      <a:pPr algn="ctr" latinLnBrk="1"/>
-                      <a:r>
-                        <a:rPr lang="en-US" altLang="ko-KR" dirty="0"/>
-                        <a:t>X</a:t>
-                      </a:r>
-                      <a:endParaRPr lang="ko-KR" altLang="en-US" dirty="0"/>
-                    </a:p>
-                  </a:txBody>
-                  <a:tcPr anchor="ctr"/>
-                </a:tc>
-                <a:tc>
-                  <a:txBody>
-                    <a:bodyPr/>
-                    <a:lstStyle/>
-                    <a:p>
-                      <a:pPr algn="ctr" latinLnBrk="1"/>
-                      <a:r>
-                        <a:rPr lang="en-US" altLang="ko-KR" dirty="0"/>
-                        <a:t>X</a:t>
-                      </a:r>
-                      <a:endParaRPr lang="ko-KR" altLang="en-US" dirty="0"/>
-                    </a:p>
-                  </a:txBody>
-                  <a:tcPr anchor="ctr"/>
-                </a:tc>
-                <a:tc>
-                  <a:txBody>
-                    <a:bodyPr/>
-                    <a:lstStyle/>
-                    <a:p>
-                      <a:pPr algn="ctr" latinLnBrk="1"/>
-                      <a:r>
-                        <a:rPr lang="en-US" altLang="ko-KR" dirty="0"/>
-                        <a:t>2</a:t>
-                      </a:r>
-                      <a:endParaRPr lang="ko-KR" altLang="en-US" dirty="0"/>
-                    </a:p>
-                  </a:txBody>
-                  <a:tcPr anchor="ctr"/>
-                </a:tc>
-                <a:tc>
-                  <a:txBody>
-                    <a:bodyPr/>
-                    <a:lstStyle/>
-                    <a:p>
-                      <a:pPr algn="ctr" latinLnBrk="1"/>
-                      <a:r>
-                        <a:rPr lang="en-US" altLang="ko-KR" dirty="0"/>
-                        <a:t>false</a:t>
-                      </a:r>
-                      <a:endParaRPr lang="ko-KR" altLang="en-US" dirty="0"/>
-                    </a:p>
-                  </a:txBody>
-                  <a:tcPr anchor="ctr"/>
-                </a:tc>
-                <a:extLst>
-                  <a:ext uri="{0D108BD9-81ED-4DB2-BD59-A6C34878D82A}">
-                    <a16:rowId xmlns:a16="http://schemas.microsoft.com/office/drawing/2014/main" val="1930172689"/>
-                  </a:ext>
-                </a:extLst>
-              </a:tr>
-              <a:tr h="370840">
-                <a:tc>
-                  <a:txBody>
-                    <a:bodyPr/>
-                    <a:lstStyle/>
-                    <a:p>
-                      <a:pPr algn="ctr" latinLnBrk="1"/>
-                      <a:r>
-                        <a:rPr lang="en-US" altLang="ko-KR" dirty="0"/>
-                        <a:t>1</a:t>
-                      </a:r>
-                      <a:endParaRPr lang="ko-KR" altLang="en-US" dirty="0"/>
-                    </a:p>
-                  </a:txBody>
-                  <a:tcPr anchor="ctr"/>
-                </a:tc>
-                <a:tc>
-                  <a:txBody>
-                    <a:bodyPr/>
-                    <a:lstStyle/>
-                    <a:p>
-                      <a:pPr algn="ctr" latinLnBrk="1"/>
-                      <a:r>
-                        <a:rPr lang="en-US" altLang="ko-KR" dirty="0"/>
-                        <a:t>0</a:t>
-                      </a:r>
-                      <a:endParaRPr lang="ko-KR" altLang="en-US" dirty="0"/>
-                    </a:p>
-                  </a:txBody>
-                  <a:tcPr anchor="ctr"/>
-                </a:tc>
-                <a:tc>
-                  <a:txBody>
-                    <a:bodyPr/>
-                    <a:lstStyle/>
-                    <a:p>
-                      <a:pPr algn="ctr" latinLnBrk="1"/>
-                      <a:r>
-                        <a:rPr lang="en-US" altLang="ko-KR" dirty="0"/>
-                        <a:t>-1</a:t>
-                      </a:r>
-                      <a:endParaRPr lang="ko-KR" altLang="en-US" dirty="0"/>
-                    </a:p>
-                  </a:txBody>
-                  <a:tcPr anchor="ctr"/>
-                </a:tc>
-                <a:tc>
-                  <a:txBody>
-                    <a:bodyPr/>
-                    <a:lstStyle/>
-                    <a:p>
-                      <a:pPr algn="ctr" latinLnBrk="1"/>
-                      <a:r>
-                        <a:rPr lang="en-US" altLang="ko-KR" dirty="0"/>
-                        <a:t>1</a:t>
-                      </a:r>
-                      <a:endParaRPr lang="ko-KR" altLang="en-US" dirty="0"/>
-                    </a:p>
-                  </a:txBody>
-                  <a:tcPr anchor="ctr"/>
-                </a:tc>
-                <a:tc>
-                  <a:txBody>
-                    <a:bodyPr/>
-                    <a:lstStyle/>
-                    <a:p>
-                      <a:pPr algn="ctr" latinLnBrk="1"/>
-                      <a:r>
-                        <a:rPr lang="en-US" altLang="ko-KR" dirty="0"/>
-                        <a:t>0</a:t>
-                      </a:r>
-                      <a:endParaRPr lang="ko-KR" altLang="en-US" dirty="0"/>
-                    </a:p>
-                  </a:txBody>
-                  <a:tcPr anchor="ctr"/>
-                </a:tc>
-                <a:tc>
-                  <a:txBody>
-                    <a:bodyPr/>
-                    <a:lstStyle/>
-                    <a:p>
-                      <a:pPr algn="ctr" latinLnBrk="1"/>
-                      <a:r>
-                        <a:rPr lang="en-US" altLang="ko-KR" dirty="0"/>
-                        <a:t>2</a:t>
-                      </a:r>
-                      <a:endParaRPr lang="ko-KR" altLang="en-US" dirty="0"/>
-                    </a:p>
-                  </a:txBody>
-                  <a:tcPr anchor="ctr"/>
-                </a:tc>
-                <a:tc>
-                  <a:txBody>
-                    <a:bodyPr/>
-                    <a:lstStyle/>
-                    <a:p>
-                      <a:pPr algn="ctr" latinLnBrk="1"/>
-                      <a:r>
-                        <a:rPr lang="en-US" altLang="ko-KR" dirty="0"/>
-                        <a:t>7</a:t>
-                      </a:r>
-                      <a:endParaRPr lang="ko-KR" altLang="en-US" dirty="0"/>
-                    </a:p>
-                  </a:txBody>
-                  <a:tcPr anchor="ctr"/>
-                </a:tc>
-                <a:tc>
-                  <a:txBody>
-                    <a:bodyPr/>
-                    <a:lstStyle/>
-                    <a:p>
-                      <a:pPr algn="ctr" latinLnBrk="1"/>
-                      <a:r>
-                        <a:rPr lang="en-US" altLang="ko-KR" dirty="0"/>
-                        <a:t>X</a:t>
-                      </a:r>
-                      <a:endParaRPr lang="ko-KR" altLang="en-US" dirty="0"/>
-                    </a:p>
-                  </a:txBody>
-                  <a:tcPr anchor="ctr"/>
-                </a:tc>
-                <a:tc>
-                  <a:txBody>
-                    <a:bodyPr/>
-                    <a:lstStyle/>
-                    <a:p>
-                      <a:pPr algn="ctr" latinLnBrk="1"/>
-                      <a:r>
-                        <a:rPr lang="en-US" altLang="ko-KR" dirty="0"/>
-                        <a:t>3</a:t>
-                      </a:r>
-                      <a:endParaRPr lang="ko-KR" altLang="en-US" dirty="0"/>
-                    </a:p>
-                  </a:txBody>
-                  <a:tcPr anchor="ctr"/>
-                </a:tc>
-                <a:tc>
-                  <a:txBody>
-                    <a:bodyPr/>
-                    <a:lstStyle/>
-                    <a:p>
-                      <a:pPr algn="ctr" latinLnBrk="1"/>
-                      <a:r>
-                        <a:rPr lang="en-US" altLang="ko-KR" dirty="0"/>
-                        <a:t>3</a:t>
-                      </a:r>
-                      <a:endParaRPr lang="ko-KR" altLang="en-US" dirty="0"/>
-                    </a:p>
-                  </a:txBody>
-                  <a:tcPr anchor="ctr"/>
-                </a:tc>
-                <a:tc>
-                  <a:txBody>
-                    <a:bodyPr/>
-                    <a:lstStyle/>
-                    <a:p>
-                      <a:pPr algn="ctr" latinLnBrk="1"/>
-                      <a:r>
-                        <a:rPr lang="en-US" altLang="ko-KR" dirty="0"/>
-                        <a:t>8</a:t>
-                      </a:r>
-                      <a:endParaRPr lang="ko-KR" altLang="en-US" dirty="0"/>
-                    </a:p>
-                  </a:txBody>
-                  <a:tcPr anchor="ctr">
-                    <a:solidFill>
-                      <a:schemeClr val="accent2">
-                        <a:lumMod val="20000"/>
-                        <a:lumOff val="80000"/>
-                      </a:schemeClr>
-                    </a:solidFill>
-                  </a:tcPr>
-                </a:tc>
-                <a:tc>
-                  <a:txBody>
-                    <a:bodyPr/>
-                    <a:lstStyle/>
-                    <a:p>
-                      <a:pPr algn="ctr" latinLnBrk="1"/>
-                      <a:r>
-                        <a:rPr lang="en-US" altLang="ko-KR" dirty="0"/>
-                        <a:t>false</a:t>
-                      </a:r>
-                      <a:endParaRPr lang="ko-KR" altLang="en-US" dirty="0"/>
-                    </a:p>
-                  </a:txBody>
-                  <a:tcPr anchor="ctr"/>
-                </a:tc>
-                <a:extLst>
-                  <a:ext uri="{0D108BD9-81ED-4DB2-BD59-A6C34878D82A}">
-                    <a16:rowId xmlns:a16="http://schemas.microsoft.com/office/drawing/2014/main" val="754264311"/>
-                  </a:ext>
-                </a:extLst>
-              </a:tr>
-              <a:tr h="370840">
-                <a:tc>
-                  <a:txBody>
-                    <a:bodyPr/>
-                    <a:lstStyle/>
-                    <a:p>
-                      <a:pPr algn="ctr" latinLnBrk="1"/>
-                      <a:r>
-                        <a:rPr lang="en-US" altLang="ko-KR" dirty="0"/>
-                        <a:t>1</a:t>
-                      </a:r>
-                      <a:endParaRPr lang="ko-KR" altLang="en-US" dirty="0"/>
-                    </a:p>
-                  </a:txBody>
-                  <a:tcPr anchor="ctr"/>
-                </a:tc>
-                <a:tc>
-                  <a:txBody>
-                    <a:bodyPr/>
-                    <a:lstStyle/>
-                    <a:p>
-                      <a:pPr algn="ctr" latinLnBrk="1"/>
-                      <a:r>
-                        <a:rPr lang="en-US" altLang="ko-KR" dirty="0"/>
-                        <a:t>1</a:t>
-                      </a:r>
-                      <a:endParaRPr lang="ko-KR" altLang="en-US" dirty="0"/>
-                    </a:p>
-                  </a:txBody>
-                  <a:tcPr anchor="ctr"/>
-                </a:tc>
-                <a:tc>
-                  <a:txBody>
-                    <a:bodyPr/>
-                    <a:lstStyle/>
-                    <a:p>
-                      <a:pPr algn="ctr" latinLnBrk="1"/>
-                      <a:r>
-                        <a:rPr lang="en-US" altLang="ko-KR" dirty="0"/>
-                        <a:t>0</a:t>
-                      </a:r>
-                      <a:endParaRPr lang="ko-KR" altLang="en-US" dirty="0"/>
-                    </a:p>
-                  </a:txBody>
-                  <a:tcPr anchor="ctr"/>
-                </a:tc>
-                <a:tc>
-                  <a:txBody>
-                    <a:bodyPr/>
-                    <a:lstStyle/>
-                    <a:p>
-                      <a:pPr algn="ctr" latinLnBrk="1"/>
-                      <a:r>
-                        <a:rPr lang="en-US" altLang="ko-KR" dirty="0"/>
-                        <a:t>2</a:t>
-                      </a:r>
-                      <a:endParaRPr lang="ko-KR" altLang="en-US" dirty="0"/>
-                    </a:p>
-                  </a:txBody>
-                  <a:tcPr anchor="ctr"/>
-                </a:tc>
-                <a:tc>
-                  <a:txBody>
-                    <a:bodyPr/>
-                    <a:lstStyle/>
-                    <a:p>
-                      <a:pPr algn="ctr" latinLnBrk="1"/>
-                      <a:r>
-                        <a:rPr lang="en-US" altLang="ko-KR" dirty="0"/>
-                        <a:t>0</a:t>
-                      </a:r>
-                      <a:endParaRPr lang="ko-KR" altLang="en-US" dirty="0"/>
-                    </a:p>
-                  </a:txBody>
-                  <a:tcPr anchor="ctr"/>
-                </a:tc>
-                <a:tc>
-                  <a:txBody>
-                    <a:bodyPr/>
-                    <a:lstStyle/>
-                    <a:p>
-                      <a:pPr algn="ctr" latinLnBrk="1"/>
-                      <a:r>
-                        <a:rPr lang="en-US" altLang="ko-KR" dirty="0"/>
-                        <a:t>2</a:t>
-                      </a:r>
-                      <a:endParaRPr lang="ko-KR" altLang="en-US" dirty="0"/>
-                    </a:p>
-                  </a:txBody>
-                  <a:tcPr anchor="ctr"/>
-                </a:tc>
-                <a:tc>
-                  <a:txBody>
-                    <a:bodyPr/>
-                    <a:lstStyle/>
-                    <a:p>
-                      <a:pPr algn="ctr" latinLnBrk="1"/>
-                      <a:r>
-                        <a:rPr lang="en-US" altLang="ko-KR" dirty="0"/>
-                        <a:t>3</a:t>
-                      </a:r>
-                      <a:endParaRPr lang="ko-KR" altLang="en-US" dirty="0"/>
-                    </a:p>
-                  </a:txBody>
-                  <a:tcPr anchor="ctr"/>
-                </a:tc>
-                <a:tc>
-                  <a:txBody>
-                    <a:bodyPr/>
-                    <a:lstStyle/>
-                    <a:p>
-                      <a:pPr algn="ctr" latinLnBrk="1"/>
-                      <a:r>
-                        <a:rPr lang="en-US" altLang="ko-KR" dirty="0"/>
-                        <a:t>7</a:t>
-                      </a:r>
-                      <a:endParaRPr lang="ko-KR" altLang="en-US" dirty="0"/>
-                    </a:p>
-                  </a:txBody>
-                  <a:tcPr anchor="ctr">
-                    <a:solidFill>
-                      <a:schemeClr val="accent2">
-                        <a:lumMod val="20000"/>
-                        <a:lumOff val="80000"/>
-                      </a:schemeClr>
-                    </a:solidFill>
-                  </a:tcPr>
-                </a:tc>
-                <a:tc>
-                  <a:txBody>
-                    <a:bodyPr/>
-                    <a:lstStyle/>
-                    <a:p>
-                      <a:pPr algn="ctr" latinLnBrk="1"/>
-                      <a:r>
-                        <a:rPr lang="en-US" altLang="ko-KR" dirty="0"/>
-                        <a:t>4</a:t>
-                      </a:r>
-                      <a:endParaRPr lang="ko-KR" altLang="en-US" dirty="0"/>
-                    </a:p>
-                  </a:txBody>
-                  <a:tcPr anchor="ctr">
-                    <a:solidFill>
-                      <a:schemeClr val="accent2">
-                        <a:lumMod val="20000"/>
-                        <a:lumOff val="80000"/>
-                      </a:schemeClr>
-                    </a:solidFill>
-                  </a:tcPr>
-                </a:tc>
-                <a:tc>
-                  <a:txBody>
-                    <a:bodyPr/>
-                    <a:lstStyle/>
-                    <a:p>
-                      <a:pPr algn="ctr" latinLnBrk="1"/>
-                      <a:r>
-                        <a:rPr lang="en-US" altLang="ko-KR" dirty="0"/>
-                        <a:t>6</a:t>
-                      </a:r>
-                      <a:endParaRPr lang="ko-KR" altLang="en-US" dirty="0"/>
-                    </a:p>
-                  </a:txBody>
-                  <a:tcPr anchor="ctr">
-                    <a:solidFill>
-                      <a:schemeClr val="accent2">
-                        <a:lumMod val="20000"/>
-                        <a:lumOff val="80000"/>
-                      </a:schemeClr>
-                    </a:solidFill>
-                  </a:tcPr>
-                </a:tc>
-                <a:tc>
-                  <a:txBody>
-                    <a:bodyPr/>
-                    <a:lstStyle/>
-                    <a:p>
-                      <a:pPr algn="ctr" latinLnBrk="1"/>
-                      <a:r>
-                        <a:rPr lang="en-US" altLang="ko-KR" dirty="0"/>
-                        <a:t>6</a:t>
-                      </a:r>
-                      <a:endParaRPr lang="ko-KR" altLang="en-US" dirty="0"/>
-                    </a:p>
-                  </a:txBody>
-                  <a:tcPr anchor="ctr">
-                    <a:solidFill>
-                      <a:schemeClr val="accent2">
-                        <a:lumMod val="20000"/>
-                        <a:lumOff val="80000"/>
-                      </a:schemeClr>
-                    </a:solidFill>
-                  </a:tcPr>
-                </a:tc>
-                <a:tc>
-                  <a:txBody>
-                    <a:bodyPr/>
-                    <a:lstStyle/>
-                    <a:p>
-                      <a:pPr algn="ctr" latinLnBrk="1"/>
-                      <a:r>
-                        <a:rPr lang="en-US" altLang="ko-KR" dirty="0"/>
-                        <a:t>true</a:t>
-                      </a:r>
-                      <a:endParaRPr lang="ko-KR" altLang="en-US" dirty="0"/>
-                    </a:p>
-                  </a:txBody>
-                  <a:tcPr anchor="ctr"/>
-                </a:tc>
-                <a:extLst>
-                  <a:ext uri="{0D108BD9-81ED-4DB2-BD59-A6C34878D82A}">
-                    <a16:rowId xmlns:a16="http://schemas.microsoft.com/office/drawing/2014/main" val="1723354052"/>
-                  </a:ext>
-                </a:extLst>
-              </a:tr>
-              <a:tr h="370840">
-                <a:tc>
-                  <a:txBody>
-                    <a:bodyPr/>
-                    <a:lstStyle/>
-                    <a:p>
-                      <a:pPr algn="ctr" latinLnBrk="1"/>
-                      <a:r>
-                        <a:rPr lang="en-US" altLang="ko-KR" dirty="0"/>
-                        <a:t>1</a:t>
-                      </a:r>
-                      <a:endParaRPr lang="ko-KR" altLang="en-US" dirty="0"/>
-                    </a:p>
-                  </a:txBody>
-                  <a:tcPr anchor="ctr"/>
-                </a:tc>
-                <a:tc>
-                  <a:txBody>
-                    <a:bodyPr/>
-                    <a:lstStyle/>
-                    <a:p>
-                      <a:pPr algn="ctr" latinLnBrk="1"/>
-                      <a:r>
-                        <a:rPr lang="en-US" altLang="ko-KR" dirty="0"/>
-                        <a:t>2</a:t>
-                      </a:r>
-                      <a:endParaRPr lang="ko-KR" altLang="en-US" dirty="0"/>
-                    </a:p>
-                  </a:txBody>
-                  <a:tcPr anchor="ctr"/>
-                </a:tc>
-                <a:tc>
-                  <a:txBody>
-                    <a:bodyPr/>
-                    <a:lstStyle/>
-                    <a:p>
-                      <a:pPr algn="ctr" latinLnBrk="1"/>
-                      <a:r>
-                        <a:rPr lang="en-US" altLang="ko-KR" dirty="0"/>
-                        <a:t>1</a:t>
-                      </a:r>
-                      <a:endParaRPr lang="ko-KR" altLang="en-US" dirty="0"/>
-                    </a:p>
-                  </a:txBody>
-                  <a:tcPr anchor="ctr"/>
-                </a:tc>
-                <a:tc>
-                  <a:txBody>
-                    <a:bodyPr/>
-                    <a:lstStyle/>
-                    <a:p>
-                      <a:pPr algn="ctr" latinLnBrk="1"/>
-                      <a:r>
-                        <a:rPr lang="en-US" altLang="ko-KR" dirty="0"/>
-                        <a:t>3</a:t>
-                      </a:r>
-                      <a:endParaRPr lang="ko-KR" altLang="en-US" dirty="0"/>
-                    </a:p>
-                  </a:txBody>
-                  <a:tcPr anchor="ctr"/>
-                </a:tc>
-                <a:tc>
-                  <a:txBody>
-                    <a:bodyPr/>
-                    <a:lstStyle/>
-                    <a:p>
-                      <a:pPr algn="ctr" latinLnBrk="1"/>
-                      <a:r>
-                        <a:rPr lang="en-US" altLang="ko-KR" dirty="0"/>
-                        <a:t>0</a:t>
-                      </a:r>
-                      <a:endParaRPr lang="ko-KR" altLang="en-US" dirty="0"/>
-                    </a:p>
-                  </a:txBody>
-                  <a:tcPr anchor="ctr"/>
-                </a:tc>
-                <a:tc>
-                  <a:txBody>
-                    <a:bodyPr/>
-                    <a:lstStyle/>
-                    <a:p>
-                      <a:pPr algn="ctr" latinLnBrk="1"/>
-                      <a:r>
-                        <a:rPr lang="en-US" altLang="ko-KR" dirty="0"/>
-                        <a:t>2</a:t>
-                      </a:r>
-                      <a:endParaRPr lang="ko-KR" altLang="en-US" dirty="0"/>
-                    </a:p>
-                  </a:txBody>
-                  <a:tcPr anchor="ctr"/>
-                </a:tc>
-                <a:tc>
-                  <a:txBody>
-                    <a:bodyPr/>
-                    <a:lstStyle/>
-                    <a:p>
-                      <a:pPr algn="ctr" latinLnBrk="1"/>
-                      <a:r>
-                        <a:rPr lang="en-US" altLang="ko-KR" dirty="0"/>
-                        <a:t>4</a:t>
-                      </a:r>
-                      <a:endParaRPr lang="ko-KR" altLang="en-US" dirty="0"/>
-                    </a:p>
-                  </a:txBody>
-                  <a:tcPr anchor="ctr"/>
-                </a:tc>
-                <a:tc>
-                  <a:txBody>
-                    <a:bodyPr/>
-                    <a:lstStyle/>
-                    <a:p>
-                      <a:pPr algn="ctr" latinLnBrk="1"/>
-                      <a:r>
-                        <a:rPr lang="en-US" altLang="ko-KR" dirty="0"/>
-                        <a:t>3</a:t>
-                      </a:r>
-                      <a:endParaRPr lang="ko-KR" altLang="en-US" dirty="0"/>
-                    </a:p>
-                  </a:txBody>
-                  <a:tcPr anchor="ctr"/>
-                </a:tc>
-                <a:tc>
-                  <a:txBody>
-                    <a:bodyPr/>
-                    <a:lstStyle/>
-                    <a:p>
-                      <a:pPr algn="ctr" latinLnBrk="1"/>
-                      <a:r>
-                        <a:rPr lang="en-US" altLang="ko-KR" dirty="0"/>
-                        <a:t>2</a:t>
-                      </a:r>
-                      <a:endParaRPr lang="ko-KR" altLang="en-US" dirty="0"/>
-                    </a:p>
-                  </a:txBody>
-                  <a:tcPr anchor="ctr"/>
-                </a:tc>
-                <a:tc>
-                  <a:txBody>
-                    <a:bodyPr/>
-                    <a:lstStyle/>
-                    <a:p>
-                      <a:pPr algn="ctr" latinLnBrk="1"/>
-                      <a:r>
-                        <a:rPr lang="en-US" altLang="ko-KR" dirty="0"/>
-                        <a:t>2</a:t>
-                      </a:r>
-                      <a:endParaRPr lang="ko-KR" altLang="en-US" dirty="0"/>
-                    </a:p>
-                  </a:txBody>
-                  <a:tcPr anchor="ctr"/>
-                </a:tc>
-                <a:tc>
-                  <a:txBody>
-                    <a:bodyPr/>
-                    <a:lstStyle/>
-                    <a:p>
-                      <a:pPr algn="ctr" latinLnBrk="1"/>
-                      <a:r>
-                        <a:rPr lang="en-US" altLang="ko-KR" dirty="0"/>
-                        <a:t>7</a:t>
-                      </a:r>
-                      <a:endParaRPr lang="ko-KR" altLang="en-US" dirty="0"/>
-                    </a:p>
-                  </a:txBody>
-                  <a:tcPr anchor="ctr">
-                    <a:solidFill>
-                      <a:schemeClr val="accent2">
-                        <a:lumMod val="20000"/>
-                        <a:lumOff val="80000"/>
-                      </a:schemeClr>
-                    </a:solidFill>
-                  </a:tcPr>
-                </a:tc>
-                <a:tc>
-                  <a:txBody>
-                    <a:bodyPr/>
-                    <a:lstStyle/>
-                    <a:p>
-                      <a:pPr algn="ctr" latinLnBrk="1"/>
-                      <a:r>
-                        <a:rPr lang="en-US" altLang="ko-KR" dirty="0"/>
-                        <a:t>false</a:t>
-                      </a:r>
-                      <a:endParaRPr lang="ko-KR" altLang="en-US" dirty="0"/>
-                    </a:p>
-                  </a:txBody>
-                  <a:tcPr anchor="ctr"/>
-                </a:tc>
-                <a:extLst>
-                  <a:ext uri="{0D108BD9-81ED-4DB2-BD59-A6C34878D82A}">
-                    <a16:rowId xmlns:a16="http://schemas.microsoft.com/office/drawing/2014/main" val="500698866"/>
-                  </a:ext>
-                </a:extLst>
-              </a:tr>
-              <a:tr h="370840">
-                <a:tc>
-                  <a:txBody>
-                    <a:bodyPr/>
-                    <a:lstStyle/>
-                    <a:p>
-                      <a:pPr algn="ctr" latinLnBrk="1"/>
-                      <a:r>
-                        <a:rPr lang="en-US" altLang="ko-KR" dirty="0"/>
-                        <a:t>1</a:t>
-                      </a:r>
-                      <a:endParaRPr lang="ko-KR" altLang="en-US" dirty="0"/>
-                    </a:p>
-                  </a:txBody>
-                  <a:tcPr anchor="ctr"/>
-                </a:tc>
-                <a:tc>
-                  <a:txBody>
-                    <a:bodyPr/>
-                    <a:lstStyle/>
-                    <a:p>
-                      <a:pPr algn="ctr" latinLnBrk="1"/>
-                      <a:r>
-                        <a:rPr lang="en-US" altLang="ko-KR" dirty="0"/>
-                        <a:t>3</a:t>
-                      </a:r>
-                      <a:endParaRPr lang="ko-KR" altLang="en-US" dirty="0"/>
-                    </a:p>
-                  </a:txBody>
-                  <a:tcPr anchor="ctr"/>
-                </a:tc>
-                <a:tc>
-                  <a:txBody>
-                    <a:bodyPr/>
-                    <a:lstStyle/>
-                    <a:p>
-                      <a:pPr algn="ctr" latinLnBrk="1"/>
-                      <a:r>
-                        <a:rPr lang="en-US" altLang="ko-KR" dirty="0"/>
-                        <a:t>2</a:t>
-                      </a:r>
-                      <a:endParaRPr lang="ko-KR" altLang="en-US" dirty="0"/>
-                    </a:p>
-                  </a:txBody>
-                  <a:tcPr anchor="ctr"/>
-                </a:tc>
-                <a:tc>
-                  <a:txBody>
-                    <a:bodyPr/>
-                    <a:lstStyle/>
-                    <a:p>
-                      <a:pPr algn="ctr" latinLnBrk="1"/>
-                      <a:r>
-                        <a:rPr lang="en-US" altLang="ko-KR" dirty="0"/>
-                        <a:t>4</a:t>
-                      </a:r>
-                      <a:endParaRPr lang="ko-KR" altLang="en-US" dirty="0"/>
-                    </a:p>
-                  </a:txBody>
-                  <a:tcPr anchor="ctr"/>
-                </a:tc>
-                <a:tc>
-                  <a:txBody>
-                    <a:bodyPr/>
-                    <a:lstStyle/>
-                    <a:p>
-                      <a:pPr algn="ctr" latinLnBrk="1"/>
-                      <a:r>
-                        <a:rPr lang="en-US" altLang="ko-KR" dirty="0"/>
-                        <a:t>0</a:t>
-                      </a:r>
-                      <a:endParaRPr lang="ko-KR" altLang="en-US" dirty="0"/>
-                    </a:p>
-                  </a:txBody>
-                  <a:tcPr anchor="ctr"/>
-                </a:tc>
-                <a:tc>
-                  <a:txBody>
-                    <a:bodyPr/>
-                    <a:lstStyle/>
-                    <a:p>
-                      <a:pPr algn="ctr" latinLnBrk="1"/>
-                      <a:r>
-                        <a:rPr lang="en-US" altLang="ko-KR" dirty="0"/>
-                        <a:t>2</a:t>
-                      </a:r>
-                      <a:endParaRPr lang="ko-KR" altLang="en-US" dirty="0"/>
-                    </a:p>
-                  </a:txBody>
-                  <a:tcPr anchor="ctr"/>
-                </a:tc>
-                <a:tc>
-                  <a:txBody>
-                    <a:bodyPr/>
-                    <a:lstStyle/>
-                    <a:p>
-                      <a:pPr algn="ctr" latinLnBrk="1"/>
-                      <a:r>
-                        <a:rPr lang="en-US" altLang="ko-KR" dirty="0"/>
-                        <a:t>2</a:t>
-                      </a:r>
-                      <a:endParaRPr lang="ko-KR" altLang="en-US" dirty="0"/>
-                    </a:p>
-                  </a:txBody>
-                  <a:tcPr anchor="ctr"/>
-                </a:tc>
-                <a:tc>
-                  <a:txBody>
-                    <a:bodyPr/>
-                    <a:lstStyle/>
-                    <a:p>
-                      <a:pPr algn="ctr" latinLnBrk="1"/>
-                      <a:r>
-                        <a:rPr lang="en-US" altLang="ko-KR" dirty="0"/>
-                        <a:t>4</a:t>
-                      </a:r>
-                      <a:endParaRPr lang="ko-KR" altLang="en-US" dirty="0"/>
-                    </a:p>
-                  </a:txBody>
-                  <a:tcPr anchor="ctr">
-                    <a:solidFill>
-                      <a:schemeClr val="accent2">
-                        <a:lumMod val="20000"/>
-                        <a:lumOff val="80000"/>
-                      </a:schemeClr>
-                    </a:solidFill>
-                  </a:tcPr>
-                </a:tc>
-                <a:tc>
-                  <a:txBody>
-                    <a:bodyPr/>
-                    <a:lstStyle/>
-                    <a:p>
-                      <a:pPr algn="ctr" latinLnBrk="1"/>
-                      <a:r>
-                        <a:rPr lang="en-US" altLang="ko-KR" dirty="0"/>
-                        <a:t>X</a:t>
-                      </a:r>
-                      <a:endParaRPr lang="ko-KR" altLang="en-US" dirty="0"/>
-                    </a:p>
-                  </a:txBody>
-                  <a:tcPr anchor="ctr"/>
-                </a:tc>
-                <a:tc>
-                  <a:txBody>
-                    <a:bodyPr/>
-                    <a:lstStyle/>
-                    <a:p>
-                      <a:pPr algn="ctr" latinLnBrk="1"/>
-                      <a:r>
-                        <a:rPr lang="en-US" altLang="ko-KR" dirty="0"/>
-                        <a:t>8</a:t>
-                      </a:r>
-                      <a:endParaRPr lang="ko-KR" altLang="en-US" dirty="0"/>
-                    </a:p>
-                  </a:txBody>
-                  <a:tcPr anchor="ctr">
-                    <a:solidFill>
-                      <a:schemeClr val="accent2">
-                        <a:lumMod val="20000"/>
-                        <a:lumOff val="80000"/>
-                      </a:schemeClr>
-                    </a:solidFill>
-                  </a:tcPr>
-                </a:tc>
-                <a:tc>
-                  <a:txBody>
-                    <a:bodyPr/>
-                    <a:lstStyle/>
-                    <a:p>
-                      <a:pPr algn="ctr" latinLnBrk="1"/>
-                      <a:r>
-                        <a:rPr lang="en-US" altLang="ko-KR" dirty="0"/>
-                        <a:t>3</a:t>
-                      </a:r>
-                      <a:endParaRPr lang="ko-KR" altLang="en-US" dirty="0"/>
-                    </a:p>
-                  </a:txBody>
-                  <a:tcPr anchor="ctr">
-                    <a:solidFill>
-                      <a:schemeClr val="accent2">
-                        <a:lumMod val="20000"/>
-                        <a:lumOff val="80000"/>
-                      </a:schemeClr>
-                    </a:solidFill>
-                  </a:tcPr>
-                </a:tc>
-                <a:tc>
-                  <a:txBody>
-                    <a:bodyPr/>
-                    <a:lstStyle/>
-                    <a:p>
-                      <a:pPr algn="ctr" latinLnBrk="1"/>
-                      <a:r>
-                        <a:rPr lang="en-US" altLang="ko-KR" dirty="0"/>
-                        <a:t>true</a:t>
-                      </a:r>
-                      <a:endParaRPr lang="ko-KR" altLang="en-US" dirty="0"/>
-                    </a:p>
-                  </a:txBody>
-                  <a:tcPr anchor="ctr"/>
-                </a:tc>
-                <a:extLst>
-                  <a:ext uri="{0D108BD9-81ED-4DB2-BD59-A6C34878D82A}">
-                    <a16:rowId xmlns:a16="http://schemas.microsoft.com/office/drawing/2014/main" val="3651350096"/>
-                  </a:ext>
-                </a:extLst>
-              </a:tr>
-              <a:tr h="370840">
-                <a:tc>
-                  <a:txBody>
-                    <a:bodyPr/>
-                    <a:lstStyle/>
-                    <a:p>
-                      <a:pPr algn="ctr" latinLnBrk="1"/>
-                      <a:r>
-                        <a:rPr lang="en-US" altLang="ko-KR" dirty="0"/>
-                        <a:t>2</a:t>
-                      </a:r>
-                      <a:endParaRPr lang="ko-KR" altLang="en-US" dirty="0"/>
-                    </a:p>
-                  </a:txBody>
-                  <a:tcPr anchor="ctr"/>
-                </a:tc>
-                <a:tc>
-                  <a:txBody>
-                    <a:bodyPr/>
-                    <a:lstStyle/>
-                    <a:p>
-                      <a:pPr algn="ctr" latinLnBrk="1"/>
-                      <a:r>
-                        <a:rPr lang="en-US" altLang="ko-KR" dirty="0"/>
-                        <a:t>0</a:t>
-                      </a:r>
-                      <a:endParaRPr lang="ko-KR" altLang="en-US" dirty="0"/>
-                    </a:p>
-                  </a:txBody>
-                  <a:tcPr anchor="ctr"/>
-                </a:tc>
-                <a:tc>
-                  <a:txBody>
-                    <a:bodyPr/>
-                    <a:lstStyle/>
-                    <a:p>
-                      <a:pPr algn="ctr" latinLnBrk="1"/>
-                      <a:r>
-                        <a:rPr lang="en-US" altLang="ko-KR" dirty="0"/>
-                        <a:t>-1</a:t>
-                      </a:r>
-                      <a:endParaRPr lang="ko-KR" altLang="en-US" dirty="0"/>
-                    </a:p>
-                  </a:txBody>
-                  <a:tcPr anchor="ctr"/>
-                </a:tc>
-                <a:tc>
-                  <a:txBody>
-                    <a:bodyPr/>
-                    <a:lstStyle/>
-                    <a:p>
-                      <a:pPr algn="ctr" latinLnBrk="1"/>
-                      <a:r>
-                        <a:rPr lang="en-US" altLang="ko-KR" dirty="0"/>
-                        <a:t>1</a:t>
-                      </a:r>
-                      <a:endParaRPr lang="ko-KR" altLang="en-US" dirty="0"/>
-                    </a:p>
-                  </a:txBody>
-                  <a:tcPr anchor="ctr"/>
-                </a:tc>
-                <a:tc>
-                  <a:txBody>
-                    <a:bodyPr/>
-                    <a:lstStyle/>
-                    <a:p>
-                      <a:pPr algn="ctr" latinLnBrk="1"/>
-                      <a:r>
-                        <a:rPr lang="en-US" altLang="ko-KR" dirty="0"/>
-                        <a:t>1</a:t>
-                      </a:r>
-                      <a:endParaRPr lang="ko-KR" altLang="en-US" dirty="0"/>
-                    </a:p>
-                  </a:txBody>
-                  <a:tcPr anchor="ctr"/>
-                </a:tc>
-                <a:tc>
-                  <a:txBody>
-                    <a:bodyPr/>
-                    <a:lstStyle/>
-                    <a:p>
-                      <a:pPr algn="ctr" latinLnBrk="1"/>
-                      <a:r>
-                        <a:rPr lang="en-US" altLang="ko-KR" dirty="0"/>
-                        <a:t>3</a:t>
-                      </a:r>
-                      <a:endParaRPr lang="ko-KR" altLang="en-US" dirty="0"/>
-                    </a:p>
-                  </a:txBody>
-                  <a:tcPr anchor="ctr"/>
-                </a:tc>
-                <a:tc>
-                  <a:txBody>
-                    <a:bodyPr/>
-                    <a:lstStyle/>
-                    <a:p>
-                      <a:pPr algn="ctr" latinLnBrk="1"/>
-                      <a:r>
-                        <a:rPr lang="en-US" altLang="ko-KR" dirty="0"/>
-                        <a:t>8</a:t>
-                      </a:r>
-                      <a:endParaRPr lang="ko-KR" altLang="en-US" dirty="0"/>
-                    </a:p>
-                  </a:txBody>
-                  <a:tcPr anchor="ctr"/>
-                </a:tc>
-                <a:tc>
-                  <a:txBody>
-                    <a:bodyPr/>
-                    <a:lstStyle/>
-                    <a:p>
-                      <a:pPr algn="ctr" latinLnBrk="1"/>
-                      <a:r>
-                        <a:rPr lang="en-US" altLang="ko-KR" dirty="0"/>
-                        <a:t>X</a:t>
-                      </a:r>
-                      <a:endParaRPr lang="ko-KR" altLang="en-US" dirty="0"/>
-                    </a:p>
-                  </a:txBody>
-                  <a:tcPr anchor="ctr"/>
-                </a:tc>
-                <a:tc>
-                  <a:txBody>
-                    <a:bodyPr/>
-                    <a:lstStyle/>
-                    <a:p>
-                      <a:pPr algn="ctr" latinLnBrk="1"/>
-                      <a:r>
-                        <a:rPr lang="en-US" altLang="ko-KR" dirty="0"/>
-                        <a:t>6</a:t>
-                      </a:r>
-                      <a:endParaRPr lang="ko-KR" altLang="en-US" dirty="0"/>
-                    </a:p>
-                  </a:txBody>
-                  <a:tcPr anchor="ctr"/>
-                </a:tc>
-                <a:tc>
-                  <a:txBody>
-                    <a:bodyPr/>
-                    <a:lstStyle/>
-                    <a:p>
-                      <a:pPr algn="ctr" latinLnBrk="1"/>
-                      <a:r>
-                        <a:rPr lang="en-US" altLang="ko-KR" dirty="0"/>
-                        <a:t>7</a:t>
-                      </a:r>
-                      <a:endParaRPr lang="ko-KR" altLang="en-US" dirty="0"/>
-                    </a:p>
-                  </a:txBody>
-                  <a:tcPr anchor="ctr"/>
-                </a:tc>
-                <a:tc>
-                  <a:txBody>
-                    <a:bodyPr/>
-                    <a:lstStyle/>
-                    <a:p>
-                      <a:pPr algn="ctr" latinLnBrk="1"/>
-                      <a:r>
-                        <a:rPr lang="en-US" altLang="ko-KR" dirty="0"/>
-                        <a:t>5</a:t>
-                      </a:r>
-                      <a:endParaRPr lang="ko-KR" altLang="en-US" dirty="0"/>
-                    </a:p>
-                  </a:txBody>
-                  <a:tcPr anchor="ctr"/>
-                </a:tc>
-                <a:tc>
-                  <a:txBody>
-                    <a:bodyPr/>
-                    <a:lstStyle/>
-                    <a:p>
-                      <a:pPr algn="ctr" latinLnBrk="1"/>
-                      <a:endParaRPr lang="ko-KR" altLang="en-US" dirty="0"/>
-                    </a:p>
-                  </a:txBody>
-                  <a:tcPr anchor="ctr"/>
-                </a:tc>
-                <a:extLst>
-                  <a:ext uri="{0D108BD9-81ED-4DB2-BD59-A6C34878D82A}">
-                    <a16:rowId xmlns:a16="http://schemas.microsoft.com/office/drawing/2014/main" val="1935497479"/>
-                  </a:ext>
-                </a:extLst>
-              </a:tr>
-              <a:tr h="370840">
-                <a:tc>
-                  <a:txBody>
-                    <a:bodyPr/>
-                    <a:lstStyle/>
-                    <a:p>
-                      <a:pPr algn="ctr" latinLnBrk="1"/>
-                      <a:r>
-                        <a:rPr lang="en-US" altLang="ko-KR" dirty="0"/>
-                        <a:t>2</a:t>
-                      </a:r>
-                      <a:endParaRPr lang="ko-KR" altLang="en-US" dirty="0"/>
-                    </a:p>
-                  </a:txBody>
-                  <a:tcPr anchor="ctr"/>
-                </a:tc>
-                <a:tc>
-                  <a:txBody>
-                    <a:bodyPr/>
-                    <a:lstStyle/>
-                    <a:p>
-                      <a:pPr algn="ctr" latinLnBrk="1"/>
-                      <a:r>
-                        <a:rPr lang="en-US" altLang="ko-KR" dirty="0"/>
-                        <a:t>1</a:t>
-                      </a:r>
-                      <a:endParaRPr lang="ko-KR" altLang="en-US" dirty="0"/>
-                    </a:p>
-                  </a:txBody>
-                  <a:tcPr anchor="ctr"/>
-                </a:tc>
-                <a:tc>
-                  <a:txBody>
-                    <a:bodyPr/>
-                    <a:lstStyle/>
-                    <a:p>
-                      <a:pPr algn="ctr" latinLnBrk="1"/>
-                      <a:r>
-                        <a:rPr lang="en-US" altLang="ko-KR" dirty="0"/>
-                        <a:t>0</a:t>
-                      </a:r>
-                      <a:endParaRPr lang="ko-KR" altLang="en-US" dirty="0"/>
-                    </a:p>
-                  </a:txBody>
-                  <a:tcPr anchor="ctr"/>
-                </a:tc>
-                <a:tc>
-                  <a:txBody>
-                    <a:bodyPr/>
-                    <a:lstStyle/>
-                    <a:p>
-                      <a:pPr algn="ctr" latinLnBrk="1"/>
-                      <a:r>
-                        <a:rPr lang="en-US" altLang="ko-KR" dirty="0"/>
-                        <a:t>2</a:t>
-                      </a:r>
-                      <a:endParaRPr lang="ko-KR" altLang="en-US" dirty="0"/>
-                    </a:p>
-                  </a:txBody>
-                  <a:tcPr anchor="ctr"/>
-                </a:tc>
-                <a:tc>
-                  <a:txBody>
-                    <a:bodyPr/>
-                    <a:lstStyle/>
-                    <a:p>
-                      <a:pPr algn="ctr" latinLnBrk="1"/>
-                      <a:r>
-                        <a:rPr lang="en-US" altLang="ko-KR" dirty="0"/>
-                        <a:t>1</a:t>
-                      </a:r>
-                      <a:endParaRPr lang="ko-KR" altLang="en-US" dirty="0"/>
-                    </a:p>
-                  </a:txBody>
-                  <a:tcPr anchor="ctr"/>
-                </a:tc>
-                <a:tc>
-                  <a:txBody>
-                    <a:bodyPr/>
-                    <a:lstStyle/>
-                    <a:p>
-                      <a:pPr algn="ctr" latinLnBrk="1"/>
-                      <a:r>
-                        <a:rPr lang="en-US" altLang="ko-KR" dirty="0"/>
-                        <a:t>3</a:t>
-                      </a:r>
-                      <a:endParaRPr lang="ko-KR" altLang="en-US" dirty="0"/>
-                    </a:p>
-                  </a:txBody>
-                  <a:tcPr anchor="ctr"/>
-                </a:tc>
-                <a:tc>
-                  <a:txBody>
-                    <a:bodyPr/>
-                    <a:lstStyle/>
-                    <a:p>
-                      <a:pPr algn="ctr" latinLnBrk="1"/>
-                      <a:r>
-                        <a:rPr lang="en-US" altLang="ko-KR" dirty="0"/>
-                        <a:t>6</a:t>
-                      </a:r>
-                      <a:endParaRPr lang="ko-KR" altLang="en-US" dirty="0"/>
-                    </a:p>
-                  </a:txBody>
-                  <a:tcPr anchor="ctr"/>
-                </a:tc>
-                <a:tc>
-                  <a:txBody>
-                    <a:bodyPr/>
-                    <a:lstStyle/>
-                    <a:p>
-                      <a:pPr algn="ctr" latinLnBrk="1"/>
-                      <a:r>
-                        <a:rPr lang="en-US" altLang="ko-KR" dirty="0"/>
-                        <a:t>8</a:t>
-                      </a:r>
-                      <a:endParaRPr lang="ko-KR" altLang="en-US" dirty="0"/>
-                    </a:p>
-                  </a:txBody>
-                  <a:tcPr anchor="ctr"/>
-                </a:tc>
-                <a:tc>
-                  <a:txBody>
-                    <a:bodyPr/>
-                    <a:lstStyle/>
-                    <a:p>
-                      <a:pPr algn="ctr" latinLnBrk="1"/>
-                      <a:r>
-                        <a:rPr lang="en-US" altLang="ko-KR" dirty="0"/>
-                        <a:t>7</a:t>
-                      </a:r>
-                      <a:endParaRPr lang="ko-KR" altLang="en-US" dirty="0"/>
-                    </a:p>
-                  </a:txBody>
-                  <a:tcPr anchor="ctr"/>
-                </a:tc>
-                <a:tc>
-                  <a:txBody>
-                    <a:bodyPr/>
-                    <a:lstStyle/>
-                    <a:p>
-                      <a:pPr algn="ctr" latinLnBrk="1"/>
-                      <a:r>
-                        <a:rPr lang="en-US" altLang="ko-KR" dirty="0"/>
-                        <a:t>3</a:t>
-                      </a:r>
-                      <a:endParaRPr lang="ko-KR" altLang="en-US" dirty="0"/>
-                    </a:p>
-                  </a:txBody>
-                  <a:tcPr anchor="ctr"/>
-                </a:tc>
-                <a:tc>
-                  <a:txBody>
-                    <a:bodyPr/>
-                    <a:lstStyle/>
-                    <a:p>
-                      <a:pPr algn="ctr" latinLnBrk="1"/>
-                      <a:r>
-                        <a:rPr lang="en-US" altLang="ko-KR" dirty="0"/>
-                        <a:t>3</a:t>
-                      </a:r>
-                      <a:endParaRPr lang="ko-KR" altLang="en-US" dirty="0"/>
-                    </a:p>
-                  </a:txBody>
-                  <a:tcPr anchor="ctr"/>
-                </a:tc>
-                <a:tc>
-                  <a:txBody>
-                    <a:bodyPr/>
-                    <a:lstStyle/>
-                    <a:p>
-                      <a:pPr algn="ctr" latinLnBrk="1"/>
-                      <a:endParaRPr lang="ko-KR" altLang="en-US" dirty="0"/>
-                    </a:p>
-                  </a:txBody>
-                  <a:tcPr anchor="ctr"/>
-                </a:tc>
-                <a:extLst>
-                  <a:ext uri="{0D108BD9-81ED-4DB2-BD59-A6C34878D82A}">
-                    <a16:rowId xmlns:a16="http://schemas.microsoft.com/office/drawing/2014/main" val="2583102719"/>
-                  </a:ext>
-                </a:extLst>
-              </a:tr>
-              <a:tr h="370840">
-                <a:tc>
-                  <a:txBody>
-                    <a:bodyPr/>
-                    <a:lstStyle/>
-                    <a:p>
-                      <a:pPr algn="ctr" latinLnBrk="1"/>
-                      <a:r>
-                        <a:rPr lang="en-US" altLang="ko-KR" dirty="0"/>
-                        <a:t>2</a:t>
-                      </a:r>
-                      <a:endParaRPr lang="ko-KR" altLang="en-US" dirty="0"/>
-                    </a:p>
-                  </a:txBody>
-                  <a:tcPr anchor="ctr"/>
-                </a:tc>
-                <a:tc>
-                  <a:txBody>
-                    <a:bodyPr/>
-                    <a:lstStyle/>
-                    <a:p>
-                      <a:pPr algn="ctr" latinLnBrk="1"/>
-                      <a:r>
-                        <a:rPr lang="en-US" altLang="ko-KR" dirty="0"/>
-                        <a:t>2</a:t>
-                      </a:r>
-                      <a:endParaRPr lang="ko-KR" altLang="en-US" dirty="0"/>
-                    </a:p>
-                  </a:txBody>
-                  <a:tcPr anchor="ctr"/>
-                </a:tc>
-                <a:tc>
-                  <a:txBody>
-                    <a:bodyPr/>
-                    <a:lstStyle/>
-                    <a:p>
-                      <a:pPr algn="ctr" latinLnBrk="1"/>
-                      <a:r>
-                        <a:rPr lang="en-US" altLang="ko-KR" dirty="0"/>
-                        <a:t>1</a:t>
-                      </a:r>
-                      <a:endParaRPr lang="ko-KR" altLang="en-US" dirty="0"/>
-                    </a:p>
-                  </a:txBody>
-                  <a:tcPr anchor="ctr"/>
-                </a:tc>
-                <a:tc>
-                  <a:txBody>
-                    <a:bodyPr/>
-                    <a:lstStyle/>
-                    <a:p>
-                      <a:pPr algn="ctr" latinLnBrk="1"/>
-                      <a:r>
-                        <a:rPr lang="en-US" altLang="ko-KR" dirty="0"/>
-                        <a:t>3</a:t>
-                      </a:r>
-                      <a:endParaRPr lang="ko-KR" altLang="en-US" dirty="0"/>
-                    </a:p>
-                  </a:txBody>
-                  <a:tcPr anchor="ctr"/>
-                </a:tc>
-                <a:tc>
-                  <a:txBody>
-                    <a:bodyPr/>
-                    <a:lstStyle/>
-                    <a:p>
-                      <a:pPr algn="ctr" latinLnBrk="1"/>
-                      <a:r>
-                        <a:rPr lang="en-US" altLang="ko-KR" dirty="0"/>
-                        <a:t>1</a:t>
-                      </a:r>
-                      <a:endParaRPr lang="ko-KR" altLang="en-US" dirty="0"/>
-                    </a:p>
-                  </a:txBody>
-                  <a:tcPr anchor="ctr"/>
-                </a:tc>
-                <a:tc>
-                  <a:txBody>
-                    <a:bodyPr/>
-                    <a:lstStyle/>
-                    <a:p>
-                      <a:pPr algn="ctr" latinLnBrk="1"/>
-                      <a:r>
-                        <a:rPr lang="en-US" altLang="ko-KR" dirty="0"/>
-                        <a:t>3</a:t>
-                      </a:r>
-                      <a:endParaRPr lang="ko-KR" altLang="en-US" dirty="0"/>
-                    </a:p>
-                  </a:txBody>
-                  <a:tcPr anchor="ctr"/>
-                </a:tc>
-                <a:tc>
-                  <a:txBody>
-                    <a:bodyPr/>
-                    <a:lstStyle/>
-                    <a:p>
-                      <a:pPr algn="ctr" latinLnBrk="1"/>
-                      <a:r>
-                        <a:rPr lang="en-US" altLang="ko-KR" dirty="0"/>
-                        <a:t>7</a:t>
-                      </a:r>
-                      <a:endParaRPr lang="ko-KR" altLang="en-US" dirty="0"/>
-                    </a:p>
-                  </a:txBody>
-                  <a:tcPr anchor="ctr"/>
-                </a:tc>
-                <a:tc>
-                  <a:txBody>
-                    <a:bodyPr/>
-                    <a:lstStyle/>
-                    <a:p>
-                      <a:pPr algn="ctr" latinLnBrk="1"/>
-                      <a:r>
-                        <a:rPr lang="en-US" altLang="ko-KR" dirty="0"/>
-                        <a:t>6</a:t>
-                      </a:r>
-                      <a:endParaRPr lang="ko-KR" altLang="en-US" dirty="0"/>
-                    </a:p>
-                  </a:txBody>
-                  <a:tcPr anchor="ctr"/>
-                </a:tc>
-                <a:tc>
-                  <a:txBody>
-                    <a:bodyPr/>
-                    <a:lstStyle/>
-                    <a:p>
-                      <a:pPr algn="ctr" latinLnBrk="1"/>
-                      <a:r>
-                        <a:rPr lang="en-US" altLang="ko-KR" dirty="0"/>
-                        <a:t>3</a:t>
-                      </a:r>
-                      <a:endParaRPr lang="ko-KR" altLang="en-US" dirty="0"/>
-                    </a:p>
-                  </a:txBody>
-                  <a:tcPr anchor="ctr"/>
-                </a:tc>
-                <a:tc>
-                  <a:txBody>
-                    <a:bodyPr/>
-                    <a:lstStyle/>
-                    <a:p>
-                      <a:pPr algn="ctr" latinLnBrk="1"/>
-                      <a:r>
-                        <a:rPr lang="en-US" altLang="ko-KR" dirty="0"/>
-                        <a:t>4</a:t>
-                      </a:r>
-                      <a:endParaRPr lang="ko-KR" altLang="en-US" dirty="0"/>
-                    </a:p>
-                  </a:txBody>
-                  <a:tcPr anchor="ctr"/>
-                </a:tc>
-                <a:tc>
-                  <a:txBody>
-                    <a:bodyPr/>
-                    <a:lstStyle/>
-                    <a:p>
-                      <a:pPr algn="ctr" latinLnBrk="1"/>
-                      <a:r>
-                        <a:rPr lang="en-US" altLang="ko-KR"/>
-                        <a:t>2</a:t>
-                      </a:r>
-                      <a:endParaRPr lang="ko-KR" altLang="en-US" dirty="0"/>
-                    </a:p>
-                  </a:txBody>
-                  <a:tcPr anchor="ctr"/>
-                </a:tc>
-                <a:tc>
-                  <a:txBody>
-                    <a:bodyPr/>
-                    <a:lstStyle/>
-                    <a:p>
-                      <a:pPr algn="ctr" latinLnBrk="1"/>
-                      <a:endParaRPr lang="ko-KR" altLang="en-US" dirty="0"/>
-                    </a:p>
-                  </a:txBody>
-                  <a:tcPr anchor="ctr"/>
-                </a:tc>
-                <a:extLst>
-                  <a:ext uri="{0D108BD9-81ED-4DB2-BD59-A6C34878D82A}">
-                    <a16:rowId xmlns:a16="http://schemas.microsoft.com/office/drawing/2014/main" val="4169893300"/>
-                  </a:ext>
-                </a:extLst>
-              </a:tr>
-              <a:tr h="370840">
-                <a:tc>
-                  <a:txBody>
-                    <a:bodyPr/>
-                    <a:lstStyle/>
-                    <a:p>
-                      <a:pPr algn="ctr" latinLnBrk="1"/>
-                      <a:r>
-                        <a:rPr lang="en-US" altLang="ko-KR" dirty="0"/>
-                        <a:t>2</a:t>
-                      </a:r>
-                      <a:endParaRPr lang="ko-KR" altLang="en-US" dirty="0"/>
-                    </a:p>
-                  </a:txBody>
-                  <a:tcPr anchor="ctr"/>
-                </a:tc>
-                <a:tc>
-                  <a:txBody>
-                    <a:bodyPr/>
-                    <a:lstStyle/>
-                    <a:p>
-                      <a:pPr algn="ctr" latinLnBrk="1"/>
-                      <a:r>
-                        <a:rPr lang="en-US" altLang="ko-KR" dirty="0"/>
-                        <a:t>3</a:t>
-                      </a:r>
-                      <a:endParaRPr lang="ko-KR" altLang="en-US" dirty="0"/>
-                    </a:p>
-                  </a:txBody>
-                  <a:tcPr anchor="ctr"/>
-                </a:tc>
-                <a:tc>
-                  <a:txBody>
-                    <a:bodyPr/>
-                    <a:lstStyle/>
-                    <a:p>
-                      <a:pPr algn="ctr" latinLnBrk="1"/>
-                      <a:r>
-                        <a:rPr lang="en-US" altLang="ko-KR" dirty="0"/>
-                        <a:t>2</a:t>
-                      </a:r>
-                      <a:endParaRPr lang="ko-KR" altLang="en-US" dirty="0"/>
-                    </a:p>
-                  </a:txBody>
-                  <a:tcPr anchor="ctr"/>
-                </a:tc>
-                <a:tc>
-                  <a:txBody>
-                    <a:bodyPr/>
-                    <a:lstStyle/>
-                    <a:p>
-                      <a:pPr algn="ctr" latinLnBrk="1"/>
-                      <a:r>
-                        <a:rPr lang="en-US" altLang="ko-KR" dirty="0"/>
-                        <a:t>4</a:t>
-                      </a:r>
-                      <a:endParaRPr lang="ko-KR" altLang="en-US" dirty="0"/>
-                    </a:p>
-                  </a:txBody>
-                  <a:tcPr anchor="ctr"/>
-                </a:tc>
-                <a:tc>
-                  <a:txBody>
-                    <a:bodyPr/>
-                    <a:lstStyle/>
-                    <a:p>
-                      <a:pPr algn="ctr" latinLnBrk="1"/>
-                      <a:r>
-                        <a:rPr lang="en-US" altLang="ko-KR" dirty="0"/>
-                        <a:t>1</a:t>
-                      </a:r>
-                      <a:endParaRPr lang="ko-KR" altLang="en-US" dirty="0"/>
-                    </a:p>
-                  </a:txBody>
-                  <a:tcPr anchor="ctr"/>
-                </a:tc>
-                <a:tc>
-                  <a:txBody>
-                    <a:bodyPr/>
-                    <a:lstStyle/>
-                    <a:p>
-                      <a:pPr algn="ctr" latinLnBrk="1"/>
-                      <a:r>
-                        <a:rPr lang="en-US" altLang="ko-KR" dirty="0"/>
-                        <a:t>3</a:t>
-                      </a:r>
-                      <a:endParaRPr lang="ko-KR" altLang="en-US" dirty="0"/>
-                    </a:p>
-                  </a:txBody>
-                  <a:tcPr anchor="ctr"/>
-                </a:tc>
-                <a:tc>
-                  <a:txBody>
-                    <a:bodyPr/>
-                    <a:lstStyle/>
-                    <a:p>
-                      <a:pPr algn="ctr" latinLnBrk="1"/>
-                      <a:r>
-                        <a:rPr lang="en-US" altLang="ko-KR" dirty="0"/>
-                        <a:t>3</a:t>
-                      </a:r>
-                      <a:endParaRPr lang="ko-KR" altLang="en-US" dirty="0"/>
-                    </a:p>
-                  </a:txBody>
-                  <a:tcPr anchor="ctr"/>
-                </a:tc>
-                <a:tc>
-                  <a:txBody>
-                    <a:bodyPr/>
-                    <a:lstStyle/>
-                    <a:p>
-                      <a:pPr algn="ctr" latinLnBrk="1"/>
-                      <a:endParaRPr lang="ko-KR" altLang="en-US" dirty="0"/>
-                    </a:p>
-                  </a:txBody>
-                  <a:tcPr anchor="ctr"/>
-                </a:tc>
-                <a:tc>
-                  <a:txBody>
-                    <a:bodyPr/>
-                    <a:lstStyle/>
-                    <a:p>
-                      <a:pPr algn="ctr" latinLnBrk="1"/>
-                      <a:r>
-                        <a:rPr lang="en-US" altLang="ko-KR" dirty="0"/>
-                        <a:t>X</a:t>
-                      </a:r>
-                      <a:endParaRPr lang="ko-KR" altLang="en-US" dirty="0"/>
-                    </a:p>
-                  </a:txBody>
-                  <a:tcPr anchor="ctr"/>
-                </a:tc>
-                <a:tc>
-                  <a:txBody>
-                    <a:bodyPr/>
-                    <a:lstStyle/>
-                    <a:p>
-                      <a:pPr algn="ctr" latinLnBrk="1"/>
-                      <a:endParaRPr lang="ko-KR" altLang="en-US" dirty="0"/>
-                    </a:p>
-                  </a:txBody>
-                  <a:tcPr anchor="ctr"/>
-                </a:tc>
-                <a:tc>
-                  <a:txBody>
-                    <a:bodyPr/>
-                    <a:lstStyle/>
-                    <a:p>
-                      <a:pPr algn="ctr" latinLnBrk="1"/>
-                      <a:endParaRPr lang="ko-KR" altLang="en-US" dirty="0"/>
-                    </a:p>
-                  </a:txBody>
-                  <a:tcPr anchor="ctr"/>
-                </a:tc>
-                <a:tc>
-                  <a:txBody>
-                    <a:bodyPr/>
-                    <a:lstStyle/>
-                    <a:p>
-                      <a:pPr algn="ctr" latinLnBrk="1"/>
-                      <a:endParaRPr lang="ko-KR" altLang="en-US" dirty="0"/>
-                    </a:p>
-                  </a:txBody>
-                  <a:tcPr anchor="ctr"/>
-                </a:tc>
-                <a:extLst>
-                  <a:ext uri="{0D108BD9-81ED-4DB2-BD59-A6C34878D82A}">
-                    <a16:rowId xmlns:a16="http://schemas.microsoft.com/office/drawing/2014/main" val="529283413"/>
-                  </a:ext>
-                </a:extLst>
-              </a:tr>
-              <a:tr h="370840">
-                <a:tc>
-                  <a:txBody>
-                    <a:bodyPr/>
-                    <a:lstStyle/>
-                    <a:p>
-                      <a:pPr algn="ctr" latinLnBrk="1"/>
-                      <a:r>
-                        <a:rPr lang="en-US" altLang="ko-KR" dirty="0"/>
-                        <a:t>3</a:t>
-                      </a:r>
-                      <a:endParaRPr lang="ko-KR" altLang="en-US" dirty="0"/>
-                    </a:p>
-                  </a:txBody>
-                  <a:tcPr anchor="ctr"/>
-                </a:tc>
-                <a:tc>
-                  <a:txBody>
-                    <a:bodyPr/>
-                    <a:lstStyle/>
-                    <a:p>
-                      <a:pPr algn="ctr" latinLnBrk="1"/>
-                      <a:r>
-                        <a:rPr lang="en-US" altLang="ko-KR" dirty="0"/>
-                        <a:t>0</a:t>
-                      </a:r>
-                      <a:endParaRPr lang="ko-KR" altLang="en-US" dirty="0"/>
-                    </a:p>
-                  </a:txBody>
-                  <a:tcPr anchor="ctr"/>
-                </a:tc>
-                <a:tc>
-                  <a:txBody>
-                    <a:bodyPr/>
-                    <a:lstStyle/>
-                    <a:p>
-                      <a:pPr algn="ctr" latinLnBrk="1"/>
-                      <a:r>
-                        <a:rPr lang="en-US" altLang="ko-KR" dirty="0"/>
-                        <a:t>-1</a:t>
-                      </a:r>
-                      <a:endParaRPr lang="ko-KR" altLang="en-US" dirty="0"/>
-                    </a:p>
-                  </a:txBody>
-                  <a:tcPr anchor="ctr"/>
-                </a:tc>
-                <a:tc>
-                  <a:txBody>
-                    <a:bodyPr/>
-                    <a:lstStyle/>
-                    <a:p>
-                      <a:pPr algn="ctr" latinLnBrk="1"/>
-                      <a:r>
-                        <a:rPr lang="en-US" altLang="ko-KR" dirty="0"/>
-                        <a:t>1</a:t>
-                      </a:r>
-                      <a:endParaRPr lang="ko-KR" altLang="en-US" dirty="0"/>
-                    </a:p>
-                  </a:txBody>
-                  <a:tcPr anchor="ctr"/>
-                </a:tc>
-                <a:tc>
-                  <a:txBody>
-                    <a:bodyPr/>
-                    <a:lstStyle/>
-                    <a:p>
-                      <a:pPr algn="ctr" latinLnBrk="1"/>
-                      <a:r>
-                        <a:rPr lang="en-US" altLang="ko-KR" dirty="0"/>
-                        <a:t>2</a:t>
-                      </a:r>
-                      <a:endParaRPr lang="ko-KR" altLang="en-US" dirty="0"/>
-                    </a:p>
-                  </a:txBody>
-                  <a:tcPr anchor="ctr"/>
-                </a:tc>
-                <a:tc>
-                  <a:txBody>
-                    <a:bodyPr/>
-                    <a:lstStyle/>
-                    <a:p>
-                      <a:pPr algn="ctr" latinLnBrk="1"/>
-                      <a:r>
-                        <a:rPr lang="en-US" altLang="ko-KR" dirty="0"/>
-                        <a:t>4</a:t>
-                      </a:r>
-                      <a:endParaRPr lang="ko-KR" altLang="en-US" dirty="0"/>
-                    </a:p>
-                  </a:txBody>
-                  <a:tcPr anchor="ctr"/>
-                </a:tc>
-                <a:tc>
-                  <a:txBody>
-                    <a:bodyPr/>
-                    <a:lstStyle/>
-                    <a:p>
-                      <a:pPr algn="ctr" latinLnBrk="1"/>
-                      <a:r>
-                        <a:rPr lang="en-US" altLang="ko-KR" dirty="0"/>
-                        <a:t>5</a:t>
-                      </a:r>
-                      <a:endParaRPr lang="ko-KR" altLang="en-US" dirty="0"/>
-                    </a:p>
-                  </a:txBody>
-                  <a:tcPr anchor="ctr"/>
-                </a:tc>
-                <a:tc>
-                  <a:txBody>
-                    <a:bodyPr/>
-                    <a:lstStyle/>
-                    <a:p>
-                      <a:pPr algn="ctr" latinLnBrk="1"/>
-                      <a:r>
-                        <a:rPr lang="en-US" altLang="ko-KR" dirty="0"/>
-                        <a:t>X</a:t>
-                      </a:r>
-                      <a:endParaRPr lang="ko-KR" altLang="en-US" dirty="0"/>
-                    </a:p>
-                  </a:txBody>
-                  <a:tcPr anchor="ctr"/>
-                </a:tc>
-                <a:tc>
-                  <a:txBody>
-                    <a:bodyPr/>
-                    <a:lstStyle/>
-                    <a:p>
-                      <a:pPr algn="ctr" latinLnBrk="1"/>
-                      <a:endParaRPr lang="ko-KR" altLang="en-US" dirty="0"/>
-                    </a:p>
-                  </a:txBody>
-                  <a:tcPr anchor="ctr"/>
-                </a:tc>
-                <a:tc>
-                  <a:txBody>
-                    <a:bodyPr/>
-                    <a:lstStyle/>
-                    <a:p>
-                      <a:pPr algn="ctr" latinLnBrk="1"/>
-                      <a:endParaRPr lang="ko-KR" altLang="en-US" dirty="0"/>
-                    </a:p>
-                  </a:txBody>
-                  <a:tcPr anchor="ctr"/>
-                </a:tc>
-                <a:tc>
-                  <a:txBody>
-                    <a:bodyPr/>
-                    <a:lstStyle/>
-                    <a:p>
-                      <a:pPr algn="ctr" latinLnBrk="1"/>
-                      <a:r>
-                        <a:rPr lang="en-US" altLang="ko-KR" dirty="0"/>
-                        <a:t>X</a:t>
-                      </a:r>
-                      <a:endParaRPr lang="ko-KR" altLang="en-US" dirty="0"/>
-                    </a:p>
-                  </a:txBody>
-                  <a:tcPr anchor="ctr"/>
-                </a:tc>
-                <a:tc>
-                  <a:txBody>
-                    <a:bodyPr/>
-                    <a:lstStyle/>
-                    <a:p>
-                      <a:pPr algn="ctr" latinLnBrk="1"/>
-                      <a:endParaRPr lang="ko-KR" altLang="en-US" dirty="0"/>
-                    </a:p>
-                  </a:txBody>
-                  <a:tcPr anchor="ctr"/>
-                </a:tc>
-                <a:extLst>
-                  <a:ext uri="{0D108BD9-81ED-4DB2-BD59-A6C34878D82A}">
-                    <a16:rowId xmlns:a16="http://schemas.microsoft.com/office/drawing/2014/main" val="2284822824"/>
-                  </a:ext>
-                </a:extLst>
-              </a:tr>
-              <a:tr h="370840">
-                <a:tc>
-                  <a:txBody>
-                    <a:bodyPr/>
-                    <a:lstStyle/>
-                    <a:p>
-                      <a:pPr algn="ctr" latinLnBrk="1"/>
-                      <a:r>
-                        <a:rPr lang="en-US" altLang="ko-KR" dirty="0"/>
-                        <a:t>3</a:t>
-                      </a:r>
-                      <a:endParaRPr lang="ko-KR" altLang="en-US" dirty="0"/>
-                    </a:p>
-                  </a:txBody>
-                  <a:tcPr anchor="ctr"/>
-                </a:tc>
-                <a:tc>
-                  <a:txBody>
-                    <a:bodyPr/>
-                    <a:lstStyle/>
-                    <a:p>
-                      <a:pPr algn="ctr" latinLnBrk="1"/>
-                      <a:r>
-                        <a:rPr lang="en-US" altLang="ko-KR" dirty="0"/>
-                        <a:t>1</a:t>
-                      </a:r>
-                      <a:endParaRPr lang="ko-KR" altLang="en-US" dirty="0"/>
-                    </a:p>
-                  </a:txBody>
-                  <a:tcPr anchor="ctr"/>
-                </a:tc>
-                <a:tc>
-                  <a:txBody>
-                    <a:bodyPr/>
-                    <a:lstStyle/>
-                    <a:p>
-                      <a:pPr algn="ctr" latinLnBrk="1"/>
-                      <a:r>
-                        <a:rPr lang="en-US" altLang="ko-KR" dirty="0"/>
-                        <a:t>0</a:t>
-                      </a:r>
-                      <a:endParaRPr lang="ko-KR" altLang="en-US" dirty="0"/>
-                    </a:p>
-                  </a:txBody>
-                  <a:tcPr anchor="ctr"/>
-                </a:tc>
-                <a:tc>
-                  <a:txBody>
-                    <a:bodyPr/>
-                    <a:lstStyle/>
-                    <a:p>
-                      <a:pPr algn="ctr" latinLnBrk="1"/>
-                      <a:r>
-                        <a:rPr lang="en-US" altLang="ko-KR" dirty="0"/>
-                        <a:t>2</a:t>
-                      </a:r>
-                      <a:endParaRPr lang="ko-KR" altLang="en-US" dirty="0"/>
-                    </a:p>
-                  </a:txBody>
-                  <a:tcPr anchor="ctr"/>
-                </a:tc>
-                <a:tc>
-                  <a:txBody>
-                    <a:bodyPr/>
-                    <a:lstStyle/>
-                    <a:p>
-                      <a:pPr algn="ctr" latinLnBrk="1"/>
-                      <a:r>
-                        <a:rPr lang="en-US" altLang="ko-KR" dirty="0"/>
-                        <a:t>2</a:t>
-                      </a:r>
-                      <a:endParaRPr lang="ko-KR" altLang="en-US" dirty="0"/>
-                    </a:p>
-                  </a:txBody>
-                  <a:tcPr anchor="ctr"/>
-                </a:tc>
-                <a:tc>
-                  <a:txBody>
-                    <a:bodyPr/>
-                    <a:lstStyle/>
-                    <a:p>
-                      <a:pPr algn="ctr" latinLnBrk="1"/>
-                      <a:r>
-                        <a:rPr lang="en-US" altLang="ko-KR" dirty="0"/>
-                        <a:t>4</a:t>
-                      </a:r>
-                      <a:endParaRPr lang="ko-KR" altLang="en-US" dirty="0"/>
-                    </a:p>
-                  </a:txBody>
-                  <a:tcPr anchor="ctr"/>
-                </a:tc>
-                <a:tc>
-                  <a:txBody>
-                    <a:bodyPr/>
-                    <a:lstStyle/>
-                    <a:p>
-                      <a:pPr algn="ctr" latinLnBrk="1"/>
-                      <a:r>
-                        <a:rPr lang="en-US" altLang="ko-KR" dirty="0"/>
-                        <a:t>3</a:t>
-                      </a:r>
-                      <a:endParaRPr lang="ko-KR" altLang="en-US" dirty="0"/>
-                    </a:p>
-                  </a:txBody>
-                  <a:tcPr anchor="ctr"/>
-                </a:tc>
-                <a:tc>
-                  <a:txBody>
-                    <a:bodyPr/>
-                    <a:lstStyle/>
-                    <a:p>
-                      <a:pPr algn="ctr" latinLnBrk="1"/>
-                      <a:endParaRPr lang="ko-KR" altLang="en-US" dirty="0"/>
-                    </a:p>
-                  </a:txBody>
-                  <a:tcPr anchor="ctr"/>
-                </a:tc>
-                <a:tc>
-                  <a:txBody>
-                    <a:bodyPr/>
-                    <a:lstStyle/>
-                    <a:p>
-                      <a:pPr algn="ctr" latinLnBrk="1"/>
-                      <a:endParaRPr lang="ko-KR" altLang="en-US" dirty="0"/>
-                    </a:p>
-                  </a:txBody>
-                  <a:tcPr anchor="ctr"/>
-                </a:tc>
-                <a:tc>
-                  <a:txBody>
-                    <a:bodyPr/>
-                    <a:lstStyle/>
-                    <a:p>
-                      <a:pPr algn="ctr" latinLnBrk="1"/>
-                      <a:endParaRPr lang="ko-KR" altLang="en-US" dirty="0"/>
-                    </a:p>
-                  </a:txBody>
-                  <a:tcPr anchor="ctr"/>
-                </a:tc>
-                <a:tc>
-                  <a:txBody>
-                    <a:bodyPr/>
-                    <a:lstStyle/>
-                    <a:p>
-                      <a:pPr algn="ctr" latinLnBrk="1"/>
-                      <a:r>
-                        <a:rPr lang="en-US" altLang="ko-KR" dirty="0"/>
-                        <a:t>X</a:t>
-                      </a:r>
-                      <a:endParaRPr lang="ko-KR" altLang="en-US" dirty="0"/>
-                    </a:p>
-                  </a:txBody>
-                  <a:tcPr anchor="ctr"/>
-                </a:tc>
-                <a:tc>
-                  <a:txBody>
-                    <a:bodyPr/>
-                    <a:lstStyle/>
-                    <a:p>
-                      <a:pPr algn="ctr" latinLnBrk="1"/>
-                      <a:endParaRPr lang="ko-KR" altLang="en-US" dirty="0"/>
-                    </a:p>
-                  </a:txBody>
-                  <a:tcPr anchor="ctr"/>
-                </a:tc>
-                <a:extLst>
-                  <a:ext uri="{0D108BD9-81ED-4DB2-BD59-A6C34878D82A}">
-                    <a16:rowId xmlns:a16="http://schemas.microsoft.com/office/drawing/2014/main" val="2737367941"/>
-                  </a:ext>
-                </a:extLst>
-              </a:tr>
-              <a:tr h="370840">
-                <a:tc>
-                  <a:txBody>
-                    <a:bodyPr/>
-                    <a:lstStyle/>
-                    <a:p>
-                      <a:pPr algn="ctr" latinLnBrk="1"/>
-                      <a:r>
-                        <a:rPr lang="en-US" altLang="ko-KR" dirty="0"/>
-                        <a:t>3</a:t>
-                      </a:r>
-                      <a:endParaRPr lang="ko-KR" altLang="en-US" dirty="0"/>
-                    </a:p>
-                  </a:txBody>
-                  <a:tcPr anchor="ctr"/>
-                </a:tc>
-                <a:tc>
-                  <a:txBody>
-                    <a:bodyPr/>
-                    <a:lstStyle/>
-                    <a:p>
-                      <a:pPr algn="ctr" latinLnBrk="1"/>
-                      <a:r>
-                        <a:rPr lang="en-US" altLang="ko-KR" dirty="0"/>
-                        <a:t>2</a:t>
-                      </a:r>
-                      <a:endParaRPr lang="ko-KR" altLang="en-US" dirty="0"/>
-                    </a:p>
-                  </a:txBody>
-                  <a:tcPr anchor="ctr"/>
-                </a:tc>
-                <a:tc>
-                  <a:txBody>
-                    <a:bodyPr/>
-                    <a:lstStyle/>
-                    <a:p>
-                      <a:pPr algn="ctr" latinLnBrk="1"/>
-                      <a:r>
-                        <a:rPr lang="en-US" altLang="ko-KR" dirty="0"/>
-                        <a:t>1</a:t>
-                      </a:r>
-                      <a:endParaRPr lang="ko-KR" altLang="en-US" dirty="0"/>
-                    </a:p>
-                  </a:txBody>
-                  <a:tcPr anchor="ctr"/>
-                </a:tc>
-                <a:tc>
-                  <a:txBody>
-                    <a:bodyPr/>
-                    <a:lstStyle/>
-                    <a:p>
-                      <a:pPr algn="ctr" latinLnBrk="1"/>
-                      <a:r>
-                        <a:rPr lang="en-US" altLang="ko-KR" dirty="0"/>
-                        <a:t>3</a:t>
-                      </a:r>
-                      <a:endParaRPr lang="ko-KR" altLang="en-US" dirty="0"/>
-                    </a:p>
-                  </a:txBody>
-                  <a:tcPr anchor="ctr"/>
-                </a:tc>
-                <a:tc>
-                  <a:txBody>
-                    <a:bodyPr/>
-                    <a:lstStyle/>
-                    <a:p>
-                      <a:pPr algn="ctr" latinLnBrk="1"/>
-                      <a:r>
-                        <a:rPr lang="en-US" altLang="ko-KR" dirty="0"/>
-                        <a:t>2</a:t>
-                      </a:r>
-                      <a:endParaRPr lang="ko-KR" altLang="en-US" dirty="0"/>
-                    </a:p>
-                  </a:txBody>
-                  <a:tcPr anchor="ctr"/>
-                </a:tc>
-                <a:tc>
-                  <a:txBody>
-                    <a:bodyPr/>
-                    <a:lstStyle/>
-                    <a:p>
-                      <a:pPr algn="ctr" latinLnBrk="1"/>
-                      <a:r>
-                        <a:rPr lang="en-US" altLang="ko-KR" dirty="0"/>
-                        <a:t>4</a:t>
-                      </a:r>
-                      <a:endParaRPr lang="ko-KR" altLang="en-US" dirty="0"/>
-                    </a:p>
-                  </a:txBody>
-                  <a:tcPr anchor="ctr"/>
-                </a:tc>
-                <a:tc>
-                  <a:txBody>
-                    <a:bodyPr/>
-                    <a:lstStyle/>
-                    <a:p>
-                      <a:pPr algn="ctr" latinLnBrk="1"/>
-                      <a:r>
-                        <a:rPr lang="en-US" altLang="ko-KR" dirty="0"/>
-                        <a:t>2</a:t>
-                      </a:r>
-                      <a:endParaRPr lang="ko-KR" altLang="en-US" dirty="0"/>
-                    </a:p>
-                  </a:txBody>
-                  <a:tcPr anchor="ctr"/>
-                </a:tc>
-                <a:tc>
-                  <a:txBody>
-                    <a:bodyPr/>
-                    <a:lstStyle/>
-                    <a:p>
-                      <a:pPr algn="ctr" latinLnBrk="1"/>
-                      <a:endParaRPr lang="ko-KR" altLang="en-US" dirty="0"/>
-                    </a:p>
-                  </a:txBody>
-                  <a:tcPr anchor="ctr"/>
-                </a:tc>
-                <a:tc>
-                  <a:txBody>
-                    <a:bodyPr/>
-                    <a:lstStyle/>
-                    <a:p>
-                      <a:pPr algn="ctr" latinLnBrk="1"/>
-                      <a:endParaRPr lang="ko-KR" altLang="en-US" dirty="0"/>
-                    </a:p>
-                  </a:txBody>
-                  <a:tcPr anchor="ctr"/>
-                </a:tc>
-                <a:tc>
-                  <a:txBody>
-                    <a:bodyPr/>
-                    <a:lstStyle/>
-                    <a:p>
-                      <a:pPr algn="ctr" latinLnBrk="1"/>
-                      <a:endParaRPr lang="ko-KR" altLang="en-US" dirty="0"/>
-                    </a:p>
-                  </a:txBody>
-                  <a:tcPr anchor="ctr"/>
-                </a:tc>
-                <a:tc>
-                  <a:txBody>
-                    <a:bodyPr/>
-                    <a:lstStyle/>
-                    <a:p>
-                      <a:pPr algn="ctr" latinLnBrk="1"/>
-                      <a:r>
-                        <a:rPr lang="en-US" altLang="ko-KR" dirty="0"/>
-                        <a:t>X</a:t>
-                      </a:r>
-                      <a:endParaRPr lang="ko-KR" altLang="en-US" dirty="0"/>
-                    </a:p>
-                  </a:txBody>
-                  <a:tcPr anchor="ctr"/>
-                </a:tc>
-                <a:tc>
-                  <a:txBody>
-                    <a:bodyPr/>
-                    <a:lstStyle/>
-                    <a:p>
-                      <a:pPr algn="ctr" latinLnBrk="1"/>
-                      <a:endParaRPr lang="ko-KR" altLang="en-US" dirty="0"/>
-                    </a:p>
-                  </a:txBody>
-                  <a:tcPr anchor="ctr"/>
-                </a:tc>
-                <a:extLst>
-                  <a:ext uri="{0D108BD9-81ED-4DB2-BD59-A6C34878D82A}">
-                    <a16:rowId xmlns:a16="http://schemas.microsoft.com/office/drawing/2014/main" val="754723052"/>
-                  </a:ext>
-                </a:extLst>
-              </a:tr>
-              <a:tr h="370840">
-                <a:tc>
-                  <a:txBody>
-                    <a:bodyPr/>
-                    <a:lstStyle/>
-                    <a:p>
-                      <a:pPr algn="ctr" latinLnBrk="1"/>
-                      <a:r>
-                        <a:rPr lang="en-US" altLang="ko-KR" dirty="0"/>
-                        <a:t>3</a:t>
-                      </a:r>
-                      <a:endParaRPr lang="ko-KR" altLang="en-US" dirty="0"/>
-                    </a:p>
-                  </a:txBody>
-                  <a:tcPr anchor="ctr"/>
-                </a:tc>
-                <a:tc>
-                  <a:txBody>
-                    <a:bodyPr/>
-                    <a:lstStyle/>
-                    <a:p>
-                      <a:pPr algn="ctr" latinLnBrk="1"/>
-                      <a:r>
-                        <a:rPr lang="en-US" altLang="ko-KR" dirty="0"/>
-                        <a:t>3</a:t>
-                      </a:r>
-                      <a:endParaRPr lang="ko-KR" altLang="en-US" dirty="0"/>
-                    </a:p>
-                  </a:txBody>
-                  <a:tcPr anchor="ctr"/>
-                </a:tc>
-                <a:tc>
-                  <a:txBody>
-                    <a:bodyPr/>
-                    <a:lstStyle/>
-                    <a:p>
-                      <a:pPr algn="ctr" latinLnBrk="1"/>
-                      <a:r>
-                        <a:rPr lang="en-US" altLang="ko-KR" dirty="0"/>
-                        <a:t>2</a:t>
-                      </a:r>
-                      <a:endParaRPr lang="ko-KR" altLang="en-US" dirty="0"/>
-                    </a:p>
-                  </a:txBody>
-                  <a:tcPr anchor="ctr"/>
-                </a:tc>
-                <a:tc>
-                  <a:txBody>
-                    <a:bodyPr/>
-                    <a:lstStyle/>
-                    <a:p>
-                      <a:pPr algn="ctr" latinLnBrk="1"/>
-                      <a:r>
-                        <a:rPr lang="en-US" altLang="ko-KR" dirty="0"/>
-                        <a:t>4</a:t>
-                      </a:r>
-                      <a:endParaRPr lang="ko-KR" altLang="en-US" dirty="0"/>
-                    </a:p>
-                  </a:txBody>
-                  <a:tcPr anchor="ctr"/>
-                </a:tc>
-                <a:tc>
-                  <a:txBody>
-                    <a:bodyPr/>
-                    <a:lstStyle/>
-                    <a:p>
-                      <a:pPr algn="ctr" latinLnBrk="1"/>
-                      <a:r>
-                        <a:rPr lang="en-US" altLang="ko-KR" dirty="0"/>
-                        <a:t>2</a:t>
-                      </a:r>
-                      <a:endParaRPr lang="ko-KR" altLang="en-US" dirty="0"/>
-                    </a:p>
-                  </a:txBody>
-                  <a:tcPr anchor="ctr"/>
-                </a:tc>
-                <a:tc>
-                  <a:txBody>
-                    <a:bodyPr/>
-                    <a:lstStyle/>
-                    <a:p>
-                      <a:pPr algn="ctr" latinLnBrk="1"/>
-                      <a:r>
-                        <a:rPr lang="en-US" altLang="ko-KR" dirty="0"/>
-                        <a:t>4</a:t>
-                      </a:r>
-                      <a:endParaRPr lang="ko-KR" altLang="en-US" dirty="0"/>
-                    </a:p>
-                  </a:txBody>
-                  <a:tcPr anchor="ctr"/>
-                </a:tc>
-                <a:tc>
-                  <a:txBody>
-                    <a:bodyPr/>
-                    <a:lstStyle/>
-                    <a:p>
-                      <a:pPr algn="ctr" latinLnBrk="1"/>
-                      <a:r>
-                        <a:rPr lang="en-US" altLang="ko-KR" dirty="0"/>
-                        <a:t>9</a:t>
-                      </a:r>
-                      <a:endParaRPr lang="ko-KR" altLang="en-US" dirty="0"/>
-                    </a:p>
-                  </a:txBody>
-                  <a:tcPr anchor="ctr"/>
-                </a:tc>
-                <a:tc>
-                  <a:txBody>
-                    <a:bodyPr/>
-                    <a:lstStyle/>
-                    <a:p>
-                      <a:pPr algn="ctr" latinLnBrk="1"/>
-                      <a:endParaRPr lang="ko-KR" altLang="en-US" dirty="0"/>
-                    </a:p>
-                  </a:txBody>
-                  <a:tcPr anchor="ctr"/>
-                </a:tc>
-                <a:tc>
-                  <a:txBody>
-                    <a:bodyPr/>
-                    <a:lstStyle/>
-                    <a:p>
-                      <a:pPr algn="ctr" latinLnBrk="1"/>
-                      <a:r>
-                        <a:rPr lang="en-US" altLang="ko-KR" dirty="0"/>
-                        <a:t>X</a:t>
-                      </a:r>
-                      <a:endParaRPr lang="ko-KR" altLang="en-US" dirty="0"/>
-                    </a:p>
-                  </a:txBody>
-                  <a:tcPr anchor="ctr"/>
-                </a:tc>
-                <a:tc>
-                  <a:txBody>
-                    <a:bodyPr/>
-                    <a:lstStyle/>
-                    <a:p>
-                      <a:pPr algn="ctr" latinLnBrk="1"/>
-                      <a:endParaRPr lang="ko-KR" altLang="en-US" dirty="0"/>
-                    </a:p>
-                  </a:txBody>
-                  <a:tcPr anchor="ctr"/>
-                </a:tc>
-                <a:tc>
-                  <a:txBody>
-                    <a:bodyPr/>
-                    <a:lstStyle/>
-                    <a:p>
-                      <a:pPr algn="ctr" latinLnBrk="1"/>
-                      <a:r>
-                        <a:rPr lang="en-US" altLang="ko-KR" dirty="0"/>
-                        <a:t>X</a:t>
-                      </a:r>
-                      <a:endParaRPr lang="ko-KR" altLang="en-US" dirty="0"/>
-                    </a:p>
-                  </a:txBody>
-                  <a:tcPr anchor="ctr"/>
-                </a:tc>
-                <a:tc>
-                  <a:txBody>
-                    <a:bodyPr/>
-                    <a:lstStyle/>
-                    <a:p>
-                      <a:pPr algn="ctr" latinLnBrk="1"/>
-                      <a:endParaRPr lang="ko-KR" altLang="en-US" dirty="0"/>
-                    </a:p>
-                  </a:txBody>
-                  <a:tcPr anchor="ctr"/>
-                </a:tc>
-                <a:extLst>
-                  <a:ext uri="{0D108BD9-81ED-4DB2-BD59-A6C34878D82A}">
-                    <a16:rowId xmlns:a16="http://schemas.microsoft.com/office/drawing/2014/main" val="3673606472"/>
-                  </a:ext>
-                </a:extLst>
-              </a:tr>
-            </a:tbl>
-          </a:graphicData>
-        </a:graphic>
-      </p:graphicFrame>
-      <p:sp>
-        <p:nvSpPr>
-          <p:cNvPr id="4" name="바닥글 개체 틀 3">
-            <a:extLst>
-              <a:ext uri="{FF2B5EF4-FFF2-40B4-BE49-F238E27FC236}">
-                <a16:creationId xmlns:a16="http://schemas.microsoft.com/office/drawing/2014/main" id="{9EFF016B-F000-4475-B07F-6CD5B26C2500}"/>
-              </a:ext>
-            </a:extLst>
-          </p:cNvPr>
-          <p:cNvSpPr>
-            <a:spLocks noGrp="1"/>
-          </p:cNvSpPr>
-          <p:nvPr>
-            <p:ph type="ftr" sz="quarter" idx="11"/>
-          </p:nvPr>
-        </p:nvSpPr>
-        <p:spPr/>
-        <p:txBody>
-          <a:bodyPr/>
-          <a:lstStyle/>
-          <a:p>
-            <a:r>
-              <a:rPr lang="ko-KR" altLang="en-US"/>
-              <a:t>전주코딩학원</a:t>
-            </a:r>
-          </a:p>
-        </p:txBody>
-      </p:sp>
-      <p:sp>
-        <p:nvSpPr>
-          <p:cNvPr id="5" name="슬라이드 번호 개체 틀 4">
-            <a:extLst>
-              <a:ext uri="{FF2B5EF4-FFF2-40B4-BE49-F238E27FC236}">
-                <a16:creationId xmlns:a16="http://schemas.microsoft.com/office/drawing/2014/main" id="{C666D32F-DD03-4C68-B57A-DE5F66E6DB88}"/>
-              </a:ext>
-            </a:extLst>
-          </p:cNvPr>
-          <p:cNvSpPr>
-            <a:spLocks noGrp="1"/>
-          </p:cNvSpPr>
-          <p:nvPr>
-            <p:ph type="sldNum" sz="quarter" idx="12"/>
-          </p:nvPr>
-        </p:nvSpPr>
-        <p:spPr/>
-        <p:txBody>
-          <a:bodyPr/>
-          <a:lstStyle/>
-          <a:p>
-            <a:fld id="{CCD10488-5037-450A-BE52-E5085287908F}" type="slidenum">
-              <a:rPr lang="ko-KR" altLang="en-US" smtClean="0"/>
-              <a:t>7</a:t>
-            </a:fld>
-            <a:endParaRPr lang="ko-KR" altLang="en-US" dirty="0"/>
-          </a:p>
-        </p:txBody>
-      </p:sp>
-    </p:spTree>
-    <p:extLst>
-      <p:ext uri="{BB962C8B-B14F-4D97-AF65-F5344CB8AC3E}">
-        <p14:creationId xmlns:p14="http://schemas.microsoft.com/office/powerpoint/2010/main" val="4161721967"/>
+        <p14:creationId xmlns:p14="http://schemas.microsoft.com/office/powerpoint/2010/main" val="1174051875"/>
       </p:ext>
     </p:extLst>
   </p:cSld>
@@ -11982,21 +8615,6 @@
 </file>
 
 <file path=customXml/item1.xml><?xml version="1.0" encoding="utf-8"?>
-<p:properties xmlns:p="http://schemas.microsoft.com/office/2006/metadata/properties" xmlns:xsi="http://www.w3.org/2001/XMLSchema-instance" xmlns:pc="http://schemas.microsoft.com/office/infopath/2007/PartnerControls">
-  <documentManagement/>
-</p:properties>
-</file>
-
-<file path=customXml/item2.xml><?xml version="1.0" encoding="utf-8"?>
-<?mso-contentType ?>
-<FormTemplates xmlns="http://schemas.microsoft.com/sharepoint/v3/contenttype/forms">
-  <Display>DocumentLibraryForm</Display>
-  <Edit>DocumentLibraryForm</Edit>
-  <New>DocumentLibraryForm</New>
-</FormTemplates>
-</file>
-
-<file path=customXml/item3.xml><?xml version="1.0" encoding="utf-8"?>
 <ct:contentTypeSchema xmlns:ct="http://schemas.microsoft.com/office/2006/metadata/contentType" xmlns:ma="http://schemas.microsoft.com/office/2006/metadata/properties/metaAttributes" ct:_="" ma:_="" ma:contentTypeName="Document" ma:contentTypeID="0x01010002DAD4546B7E5249B2F174FCC2E74792" ma:contentTypeVersion="6" ma:contentTypeDescription="Create a new document." ma:contentTypeScope="" ma:versionID="4ae122079e6719c059172853269ff19a">
   <xsd:schema xmlns:xsd="http://www.w3.org/2001/XMLSchema" xmlns:xs="http://www.w3.org/2001/XMLSchema" xmlns:p="http://schemas.microsoft.com/office/2006/metadata/properties" xmlns:ns3="49be2b2d-8729-4033-b120-2c6fa92b24a7" targetNamespace="http://schemas.microsoft.com/office/2006/metadata/properties" ma:root="true" ma:fieldsID="96d6df5696bc4ea8760948be48ebdad5" ns3:_="">
     <xsd:import namespace="49be2b2d-8729-4033-b120-2c6fa92b24a7"/>
@@ -12154,31 +8772,22 @@
 </ct:contentTypeSchema>
 </file>
 
-<file path=customXml/itemProps1.xml><?xml version="1.0" encoding="utf-8"?>
-<ds:datastoreItem xmlns:ds="http://schemas.openxmlformats.org/officeDocument/2006/customXml" ds:itemID="{25EAE23A-3607-48FE-BAEC-9A7219763BDD}">
-  <ds:schemaRefs>
-    <ds:schemaRef ds:uri="http://purl.org/dc/dcmitype/"/>
-    <ds:schemaRef ds:uri="http://schemas.microsoft.com/office/2006/documentManagement/types"/>
-    <ds:schemaRef ds:uri="http://purl.org/dc/elements/1.1/"/>
-    <ds:schemaRef ds:uri="http://schemas.microsoft.com/office/2006/metadata/properties"/>
-    <ds:schemaRef ds:uri="49be2b2d-8729-4033-b120-2c6fa92b24a7"/>
-    <ds:schemaRef ds:uri="http://purl.org/dc/terms/"/>
-    <ds:schemaRef ds:uri="http://schemas.openxmlformats.org/package/2006/metadata/core-properties"/>
-    <ds:schemaRef ds:uri="http://schemas.microsoft.com/office/infopath/2007/PartnerControls"/>
-    <ds:schemaRef ds:uri="http://www.w3.org/XML/1998/namespace"/>
-  </ds:schemaRefs>
-</ds:datastoreItem>
+<file path=customXml/item2.xml><?xml version="1.0" encoding="utf-8"?>
+<?mso-contentType ?>
+<FormTemplates xmlns="http://schemas.microsoft.com/sharepoint/v3/contenttype/forms">
+  <Display>DocumentLibraryForm</Display>
+  <Edit>DocumentLibraryForm</Edit>
+  <New>DocumentLibraryForm</New>
+</FormTemplates>
 </file>
 
-<file path=customXml/itemProps2.xml><?xml version="1.0" encoding="utf-8"?>
-<ds:datastoreItem xmlns:ds="http://schemas.openxmlformats.org/officeDocument/2006/customXml" ds:itemID="{345EFBB1-F094-4C6D-8718-1E8ED20E6336}">
-  <ds:schemaRefs>
-    <ds:schemaRef ds:uri="http://schemas.microsoft.com/sharepoint/v3/contenttype/forms"/>
-  </ds:schemaRefs>
-</ds:datastoreItem>
+<file path=customXml/item3.xml><?xml version="1.0" encoding="utf-8"?>
+<p:properties xmlns:p="http://schemas.microsoft.com/office/2006/metadata/properties" xmlns:xsi="http://www.w3.org/2001/XMLSchema-instance" xmlns:pc="http://schemas.microsoft.com/office/infopath/2007/PartnerControls">
+  <documentManagement/>
+</p:properties>
 </file>
 
-<file path=customXml/itemProps3.xml><?xml version="1.0" encoding="utf-8"?>
+<file path=customXml/itemProps1.xml><?xml version="1.0" encoding="utf-8"?>
 <ds:datastoreItem xmlns:ds="http://schemas.openxmlformats.org/officeDocument/2006/customXml" ds:itemID="{AB6837F6-970F-4BF2-8BD9-4A4D8C70D550}">
   <ds:schemaRefs>
     <ds:schemaRef ds:uri="http://schemas.microsoft.com/office/2006/metadata/contentType"/>
@@ -12194,4 +8803,28 @@
     <ds:schemaRef ds:uri="http://schemas.microsoft.com/internal/obd"/>
   </ds:schemaRefs>
 </ds:datastoreItem>
+</file>
+
+<file path=customXml/itemProps2.xml><?xml version="1.0" encoding="utf-8"?>
+<ds:datastoreItem xmlns:ds="http://schemas.openxmlformats.org/officeDocument/2006/customXml" ds:itemID="{345EFBB1-F094-4C6D-8718-1E8ED20E6336}">
+  <ds:schemaRefs>
+    <ds:schemaRef ds:uri="http://schemas.microsoft.com/sharepoint/v3/contenttype/forms"/>
+  </ds:schemaRefs>
+</ds:datastoreItem>
+</file>
+
+<file path=customXml/itemProps3.xml><?xml version="1.0" encoding="utf-8"?>
+<ds:datastoreItem xmlns:ds="http://schemas.openxmlformats.org/officeDocument/2006/customXml" ds:itemID="{25EAE23A-3607-48FE-BAEC-9A7219763BDD}">
+  <ds:schemaRefs>
+    <ds:schemaRef ds:uri="http://purl.org/dc/dcmitype/"/>
+    <ds:schemaRef ds:uri="http://schemas.microsoft.com/office/2006/documentManagement/types"/>
+    <ds:schemaRef ds:uri="http://purl.org/dc/elements/1.1/"/>
+    <ds:schemaRef ds:uri="http://schemas.microsoft.com/office/2006/metadata/properties"/>
+    <ds:schemaRef ds:uri="49be2b2d-8729-4033-b120-2c6fa92b24a7"/>
+    <ds:schemaRef ds:uri="http://purl.org/dc/terms/"/>
+    <ds:schemaRef ds:uri="http://schemas.openxmlformats.org/package/2006/metadata/core-properties"/>
+    <ds:schemaRef ds:uri="http://schemas.microsoft.com/office/infopath/2007/PartnerControls"/>
+    <ds:schemaRef ds:uri="http://www.w3.org/XML/1998/namespace"/>
+  </ds:schemaRefs>
+</ds:datastoreItem>
 </file>